--- a/appendix_linked_lists/linked lists.pptx
+++ b/appendix_linked_lists/linked lists.pptx
@@ -1,15 +1,19 @@
 
 <file path=ppt/presentation.xml><?xml version="1.0" encoding="utf-8"?>
-<p:presentation xmlns:a="http://schemas.openxmlformats.org/drawingml/2006/main" xmlns:r="http://schemas.openxmlformats.org/officeDocument/2006/relationships" xmlns:p="http://schemas.openxmlformats.org/presentationml/2006/main" saveSubsetFonts="1">
+<p:presentation xmlns:a="http://schemas.openxmlformats.org/drawingml/2006/main" xmlns:r="http://schemas.openxmlformats.org/officeDocument/2006/relationships" xmlns:p="http://schemas.openxmlformats.org/presentationml/2006/main" showSpecialPlsOnTitleSld="0" saveSubsetFonts="1">
   <p:sldMasterIdLst>
     <p:sldMasterId id="2147483648" r:id="rId1"/>
   </p:sldMasterIdLst>
+  <p:notesMasterIdLst>
+    <p:notesMasterId r:id="rId8"/>
+  </p:notesMasterIdLst>
   <p:sldIdLst>
     <p:sldId id="256" r:id="rId2"/>
-    <p:sldId id="257" r:id="rId3"/>
-    <p:sldId id="258" r:id="rId4"/>
-    <p:sldId id="260" r:id="rId5"/>
-    <p:sldId id="259" r:id="rId6"/>
+    <p:sldId id="261" r:id="rId3"/>
+    <p:sldId id="257" r:id="rId4"/>
+    <p:sldId id="258" r:id="rId5"/>
+    <p:sldId id="260" r:id="rId6"/>
+    <p:sldId id="259" r:id="rId7"/>
   </p:sldIdLst>
   <p:sldSz cx="12192000" cy="6858000"/>
   <p:notesSz cx="6858000" cy="9144000"/>
@@ -108,7 +112,361 @@
       </a:defRPr>
     </a:lvl9pPr>
   </p:defaultTextStyle>
+  <p:extLst>
+    <p:ext uri="{EFAFB233-063F-42B5-8137-9DF3F51BA10A}">
+      <p15:sldGuideLst xmlns:p15="http://schemas.microsoft.com/office/powerpoint/2012/main"/>
+    </p:ext>
+  </p:extLst>
 </p:presentation>
+</file>
+
+<file path=ppt/notesMasters/notesMaster1.xml><?xml version="1.0" encoding="utf-8"?>
+<p:notesMaster xmlns:a="http://schemas.openxmlformats.org/drawingml/2006/main" xmlns:r="http://schemas.openxmlformats.org/officeDocument/2006/relationships" xmlns:p="http://schemas.openxmlformats.org/presentationml/2006/main">
+  <p:cSld>
+    <p:bg>
+      <p:bgRef idx="1001">
+        <a:schemeClr val="bg1"/>
+      </p:bgRef>
+    </p:bg>
+    <p:spTree>
+      <p:nvGrpSpPr>
+        <p:cNvPr id="1" name=""/>
+        <p:cNvGrpSpPr/>
+        <p:nvPr/>
+      </p:nvGrpSpPr>
+      <p:grpSpPr>
+        <a:xfrm>
+          <a:off x="0" y="0"/>
+          <a:ext cx="0" cy="0"/>
+          <a:chOff x="0" y="0"/>
+          <a:chExt cx="0" cy="0"/>
+        </a:xfrm>
+      </p:grpSpPr>
+      <p:sp>
+        <p:nvSpPr>
+          <p:cNvPr id="2" name="Θέση κεφαλίδας 1"/>
+          <p:cNvSpPr>
+            <a:spLocks noGrp="1"/>
+          </p:cNvSpPr>
+          <p:nvPr>
+            <p:ph type="hdr" sz="quarter"/>
+          </p:nvPr>
+        </p:nvSpPr>
+        <p:spPr>
+          <a:xfrm>
+            <a:off x="0" y="0"/>
+            <a:ext cx="2971800" cy="458788"/>
+          </a:xfrm>
+          <a:prstGeom prst="rect">
+            <a:avLst/>
+          </a:prstGeom>
+        </p:spPr>
+        <p:txBody>
+          <a:bodyPr vert="horz" lIns="91440" tIns="45720" rIns="91440" bIns="45720" rtlCol="0"/>
+          <a:lstStyle>
+            <a:lvl1pPr algn="l">
+              <a:defRPr sz="1200"/>
+            </a:lvl1pPr>
+          </a:lstStyle>
+          <a:p>
+            <a:endParaRPr lang="el-GR"/>
+          </a:p>
+        </p:txBody>
+      </p:sp>
+      <p:sp>
+        <p:nvSpPr>
+          <p:cNvPr id="3" name="Θέση ημερομηνίας 2"/>
+          <p:cNvSpPr>
+            <a:spLocks noGrp="1"/>
+          </p:cNvSpPr>
+          <p:nvPr>
+            <p:ph type="dt" idx="1"/>
+          </p:nvPr>
+        </p:nvSpPr>
+        <p:spPr>
+          <a:xfrm>
+            <a:off x="3884613" y="0"/>
+            <a:ext cx="2971800" cy="458788"/>
+          </a:xfrm>
+          <a:prstGeom prst="rect">
+            <a:avLst/>
+          </a:prstGeom>
+        </p:spPr>
+        <p:txBody>
+          <a:bodyPr vert="horz" lIns="91440" tIns="45720" rIns="91440" bIns="45720" rtlCol="0"/>
+          <a:lstStyle>
+            <a:lvl1pPr algn="r">
+              <a:defRPr sz="1200"/>
+            </a:lvl1pPr>
+          </a:lstStyle>
+          <a:p>
+            <a:fld id="{5DA017A2-A38B-4C23-BC3D-6BAD5440ABF9}" type="datetimeFigureOut">
+              <a:rPr lang="el-GR" smtClean="0"/>
+              <a:t>22/11/2019</a:t>
+            </a:fld>
+            <a:endParaRPr lang="el-GR"/>
+          </a:p>
+        </p:txBody>
+      </p:sp>
+      <p:sp>
+        <p:nvSpPr>
+          <p:cNvPr id="4" name="Θέση εικόνας διαφάνειας 3"/>
+          <p:cNvSpPr>
+            <a:spLocks noGrp="1" noRot="1" noChangeAspect="1"/>
+          </p:cNvSpPr>
+          <p:nvPr>
+            <p:ph type="sldImg" idx="2"/>
+          </p:nvPr>
+        </p:nvSpPr>
+        <p:spPr>
+          <a:xfrm>
+            <a:off x="685800" y="1143000"/>
+            <a:ext cx="5486400" cy="3086100"/>
+          </a:xfrm>
+          <a:prstGeom prst="rect">
+            <a:avLst/>
+          </a:prstGeom>
+          <a:noFill/>
+          <a:ln w="12700">
+            <a:solidFill>
+              <a:prstClr val="black"/>
+            </a:solidFill>
+          </a:ln>
+        </p:spPr>
+        <p:txBody>
+          <a:bodyPr vert="horz" lIns="91440" tIns="45720" rIns="91440" bIns="45720" rtlCol="0" anchor="ctr"/>
+          <a:lstStyle/>
+          <a:p>
+            <a:endParaRPr lang="el-GR"/>
+          </a:p>
+        </p:txBody>
+      </p:sp>
+      <p:sp>
+        <p:nvSpPr>
+          <p:cNvPr id="5" name="Θέση σημειώσεων 4"/>
+          <p:cNvSpPr>
+            <a:spLocks noGrp="1"/>
+          </p:cNvSpPr>
+          <p:nvPr>
+            <p:ph type="body" sz="quarter" idx="3"/>
+          </p:nvPr>
+        </p:nvSpPr>
+        <p:spPr>
+          <a:xfrm>
+            <a:off x="685800" y="4400550"/>
+            <a:ext cx="5486400" cy="3600450"/>
+          </a:xfrm>
+          <a:prstGeom prst="rect">
+            <a:avLst/>
+          </a:prstGeom>
+        </p:spPr>
+        <p:txBody>
+          <a:bodyPr vert="horz" lIns="91440" tIns="45720" rIns="91440" bIns="45720" rtlCol="0"/>
+          <a:lstStyle/>
+          <a:p>
+            <a:pPr lvl="0"/>
+            <a:r>
+              <a:rPr lang="el-GR"/>
+              <a:t>Στυλ κειμένου υποδείγματος</a:t>
+            </a:r>
+          </a:p>
+          <a:p>
+            <a:pPr lvl="1"/>
+            <a:r>
+              <a:rPr lang="el-GR"/>
+              <a:t>Δεύτερο επίπεδο</a:t>
+            </a:r>
+          </a:p>
+          <a:p>
+            <a:pPr lvl="2"/>
+            <a:r>
+              <a:rPr lang="el-GR"/>
+              <a:t>Τρίτο επίπεδο</a:t>
+            </a:r>
+          </a:p>
+          <a:p>
+            <a:pPr lvl="3"/>
+            <a:r>
+              <a:rPr lang="el-GR"/>
+              <a:t>Τέταρτο επίπεδο</a:t>
+            </a:r>
+          </a:p>
+          <a:p>
+            <a:pPr lvl="4"/>
+            <a:r>
+              <a:rPr lang="el-GR"/>
+              <a:t>Πέμπτο επίπεδο</a:t>
+            </a:r>
+          </a:p>
+        </p:txBody>
+      </p:sp>
+      <p:sp>
+        <p:nvSpPr>
+          <p:cNvPr id="6" name="Θέση υποσέλιδου 5"/>
+          <p:cNvSpPr>
+            <a:spLocks noGrp="1"/>
+          </p:cNvSpPr>
+          <p:nvPr>
+            <p:ph type="ftr" sz="quarter" idx="4"/>
+          </p:nvPr>
+        </p:nvSpPr>
+        <p:spPr>
+          <a:xfrm>
+            <a:off x="0" y="8685213"/>
+            <a:ext cx="2971800" cy="458787"/>
+          </a:xfrm>
+          <a:prstGeom prst="rect">
+            <a:avLst/>
+          </a:prstGeom>
+        </p:spPr>
+        <p:txBody>
+          <a:bodyPr vert="horz" lIns="91440" tIns="45720" rIns="91440" bIns="45720" rtlCol="0" anchor="b"/>
+          <a:lstStyle>
+            <a:lvl1pPr algn="l">
+              <a:defRPr sz="1200"/>
+            </a:lvl1pPr>
+          </a:lstStyle>
+          <a:p>
+            <a:endParaRPr lang="el-GR"/>
+          </a:p>
+        </p:txBody>
+      </p:sp>
+      <p:sp>
+        <p:nvSpPr>
+          <p:cNvPr id="7" name="Θέση αριθμού διαφάνειας 6"/>
+          <p:cNvSpPr>
+            <a:spLocks noGrp="1"/>
+          </p:cNvSpPr>
+          <p:nvPr>
+            <p:ph type="sldNum" sz="quarter" idx="5"/>
+          </p:nvPr>
+        </p:nvSpPr>
+        <p:spPr>
+          <a:xfrm>
+            <a:off x="3884613" y="8685213"/>
+            <a:ext cx="2971800" cy="458787"/>
+          </a:xfrm>
+          <a:prstGeom prst="rect">
+            <a:avLst/>
+          </a:prstGeom>
+        </p:spPr>
+        <p:txBody>
+          <a:bodyPr vert="horz" lIns="91440" tIns="45720" rIns="91440" bIns="45720" rtlCol="0" anchor="b"/>
+          <a:lstStyle>
+            <a:lvl1pPr algn="r">
+              <a:defRPr sz="1200"/>
+            </a:lvl1pPr>
+          </a:lstStyle>
+          <a:p>
+            <a:fld id="{169CA3CC-0E8C-4318-A1AC-F06C46A2F638}" type="slidenum">
+              <a:rPr lang="el-GR" smtClean="0"/>
+              <a:t>‹#›</a:t>
+            </a:fld>
+            <a:endParaRPr lang="el-GR"/>
+          </a:p>
+        </p:txBody>
+      </p:sp>
+    </p:spTree>
+    <p:extLst>
+      <p:ext uri="{BB962C8B-B14F-4D97-AF65-F5344CB8AC3E}">
+        <p14:creationId xmlns:p14="http://schemas.microsoft.com/office/powerpoint/2010/main" val="3050566291"/>
+      </p:ext>
+    </p:extLst>
+  </p:cSld>
+  <p:clrMap bg1="lt1" tx1="dk1" bg2="lt2" tx2="dk2" accent1="accent1" accent2="accent2" accent3="accent3" accent4="accent4" accent5="accent5" accent6="accent6" hlink="hlink" folHlink="folHlink"/>
+  <p:notesStyle>
+    <a:lvl1pPr marL="0" algn="l" defTabSz="914400" rtl="0" eaLnBrk="1" latinLnBrk="0" hangingPunct="1">
+      <a:defRPr sz="1200" kern="1200">
+        <a:solidFill>
+          <a:schemeClr val="tx1"/>
+        </a:solidFill>
+        <a:latin typeface="+mn-lt"/>
+        <a:ea typeface="+mn-ea"/>
+        <a:cs typeface="+mn-cs"/>
+      </a:defRPr>
+    </a:lvl1pPr>
+    <a:lvl2pPr marL="457200" algn="l" defTabSz="914400" rtl="0" eaLnBrk="1" latinLnBrk="0" hangingPunct="1">
+      <a:defRPr sz="1200" kern="1200">
+        <a:solidFill>
+          <a:schemeClr val="tx1"/>
+        </a:solidFill>
+        <a:latin typeface="+mn-lt"/>
+        <a:ea typeface="+mn-ea"/>
+        <a:cs typeface="+mn-cs"/>
+      </a:defRPr>
+    </a:lvl2pPr>
+    <a:lvl3pPr marL="914400" algn="l" defTabSz="914400" rtl="0" eaLnBrk="1" latinLnBrk="0" hangingPunct="1">
+      <a:defRPr sz="1200" kern="1200">
+        <a:solidFill>
+          <a:schemeClr val="tx1"/>
+        </a:solidFill>
+        <a:latin typeface="+mn-lt"/>
+        <a:ea typeface="+mn-ea"/>
+        <a:cs typeface="+mn-cs"/>
+      </a:defRPr>
+    </a:lvl3pPr>
+    <a:lvl4pPr marL="1371600" algn="l" defTabSz="914400" rtl="0" eaLnBrk="1" latinLnBrk="0" hangingPunct="1">
+      <a:defRPr sz="1200" kern="1200">
+        <a:solidFill>
+          <a:schemeClr val="tx1"/>
+        </a:solidFill>
+        <a:latin typeface="+mn-lt"/>
+        <a:ea typeface="+mn-ea"/>
+        <a:cs typeface="+mn-cs"/>
+      </a:defRPr>
+    </a:lvl4pPr>
+    <a:lvl5pPr marL="1828800" algn="l" defTabSz="914400" rtl="0" eaLnBrk="1" latinLnBrk="0" hangingPunct="1">
+      <a:defRPr sz="1200" kern="1200">
+        <a:solidFill>
+          <a:schemeClr val="tx1"/>
+        </a:solidFill>
+        <a:latin typeface="+mn-lt"/>
+        <a:ea typeface="+mn-ea"/>
+        <a:cs typeface="+mn-cs"/>
+      </a:defRPr>
+    </a:lvl5pPr>
+    <a:lvl6pPr marL="2286000" algn="l" defTabSz="914400" rtl="0" eaLnBrk="1" latinLnBrk="0" hangingPunct="1">
+      <a:defRPr sz="1200" kern="1200">
+        <a:solidFill>
+          <a:schemeClr val="tx1"/>
+        </a:solidFill>
+        <a:latin typeface="+mn-lt"/>
+        <a:ea typeface="+mn-ea"/>
+        <a:cs typeface="+mn-cs"/>
+      </a:defRPr>
+    </a:lvl6pPr>
+    <a:lvl7pPr marL="2743200" algn="l" defTabSz="914400" rtl="0" eaLnBrk="1" latinLnBrk="0" hangingPunct="1">
+      <a:defRPr sz="1200" kern="1200">
+        <a:solidFill>
+          <a:schemeClr val="tx1"/>
+        </a:solidFill>
+        <a:latin typeface="+mn-lt"/>
+        <a:ea typeface="+mn-ea"/>
+        <a:cs typeface="+mn-cs"/>
+      </a:defRPr>
+    </a:lvl7pPr>
+    <a:lvl8pPr marL="3200400" algn="l" defTabSz="914400" rtl="0" eaLnBrk="1" latinLnBrk="0" hangingPunct="1">
+      <a:defRPr sz="1200" kern="1200">
+        <a:solidFill>
+          <a:schemeClr val="tx1"/>
+        </a:solidFill>
+        <a:latin typeface="+mn-lt"/>
+        <a:ea typeface="+mn-ea"/>
+        <a:cs typeface="+mn-cs"/>
+      </a:defRPr>
+    </a:lvl8pPr>
+    <a:lvl9pPr marL="3657600" algn="l" defTabSz="914400" rtl="0" eaLnBrk="1" latinLnBrk="0" hangingPunct="1">
+      <a:defRPr sz="1200" kern="1200">
+        <a:solidFill>
+          <a:schemeClr val="tx1"/>
+        </a:solidFill>
+        <a:latin typeface="+mn-lt"/>
+        <a:ea typeface="+mn-ea"/>
+        <a:cs typeface="+mn-cs"/>
+      </a:defRPr>
+    </a:lvl9pPr>
+  </p:notesStyle>
+</p:notesMaster>
 </file>
 
 <file path=ppt/slideLayouts/slideLayout1.xml><?xml version="1.0" encoding="utf-8"?>
@@ -256,7 +614,7 @@
           <a:bodyPr/>
           <a:lstStyle/>
           <a:p>
-            <a:fld id="{36462041-36E5-410D-BDE2-1E9A309D270D}" type="datetimeFigureOut">
+            <a:fld id="{A823C947-149C-4542-92CA-50ACB1FDE8DA}" type="datetime1">
               <a:rPr lang="el-GR" smtClean="0"/>
               <a:t>22/11/2019</a:t>
             </a:fld>
@@ -454,7 +812,7 @@
           <a:bodyPr/>
           <a:lstStyle/>
           <a:p>
-            <a:fld id="{36462041-36E5-410D-BDE2-1E9A309D270D}" type="datetimeFigureOut">
+            <a:fld id="{4ACCCBB2-08CE-4BEC-9739-6F0CC87148CA}" type="datetime1">
               <a:rPr lang="el-GR" smtClean="0"/>
               <a:t>22/11/2019</a:t>
             </a:fld>
@@ -662,7 +1020,7 @@
           <a:bodyPr/>
           <a:lstStyle/>
           <a:p>
-            <a:fld id="{36462041-36E5-410D-BDE2-1E9A309D270D}" type="datetimeFigureOut">
+            <a:fld id="{834E2135-82AA-4586-ACAC-1F16042EB0DB}" type="datetime1">
               <a:rPr lang="el-GR" smtClean="0"/>
               <a:t>22/11/2019</a:t>
             </a:fld>
@@ -860,7 +1218,7 @@
           <a:bodyPr/>
           <a:lstStyle/>
           <a:p>
-            <a:fld id="{36462041-36E5-410D-BDE2-1E9A309D270D}" type="datetimeFigureOut">
+            <a:fld id="{0F0145C9-8AAF-4DED-A2C1-A0B563E060C7}" type="datetime1">
               <a:rPr lang="el-GR" smtClean="0"/>
               <a:t>22/11/2019</a:t>
             </a:fld>
@@ -1135,7 +1493,7 @@
           <a:bodyPr/>
           <a:lstStyle/>
           <a:p>
-            <a:fld id="{36462041-36E5-410D-BDE2-1E9A309D270D}" type="datetimeFigureOut">
+            <a:fld id="{6F87874D-9003-4E0C-B755-F74C732AC2A0}" type="datetime1">
               <a:rPr lang="el-GR" smtClean="0"/>
               <a:t>22/11/2019</a:t>
             </a:fld>
@@ -1400,7 +1758,7 @@
           <a:bodyPr/>
           <a:lstStyle/>
           <a:p>
-            <a:fld id="{36462041-36E5-410D-BDE2-1E9A309D270D}" type="datetimeFigureOut">
+            <a:fld id="{5A2EA49B-04F7-44A0-91E4-092D89F2D383}" type="datetime1">
               <a:rPr lang="el-GR" smtClean="0"/>
               <a:t>22/11/2019</a:t>
             </a:fld>
@@ -1812,7 +2170,7 @@
           <a:bodyPr/>
           <a:lstStyle/>
           <a:p>
-            <a:fld id="{36462041-36E5-410D-BDE2-1E9A309D270D}" type="datetimeFigureOut">
+            <a:fld id="{075E6DBD-6FC0-4734-9DD9-924153A56724}" type="datetime1">
               <a:rPr lang="el-GR" smtClean="0"/>
               <a:t>22/11/2019</a:t>
             </a:fld>
@@ -1953,7 +2311,7 @@
           <a:bodyPr/>
           <a:lstStyle/>
           <a:p>
-            <a:fld id="{36462041-36E5-410D-BDE2-1E9A309D270D}" type="datetimeFigureOut">
+            <a:fld id="{EE256682-71ED-4442-AD8F-A223DD2DB354}" type="datetime1">
               <a:rPr lang="el-GR" smtClean="0"/>
               <a:t>22/11/2019</a:t>
             </a:fld>
@@ -2066,7 +2424,7 @@
           <a:bodyPr/>
           <a:lstStyle/>
           <a:p>
-            <a:fld id="{36462041-36E5-410D-BDE2-1E9A309D270D}" type="datetimeFigureOut">
+            <a:fld id="{E936D690-A55C-49AA-B58A-B1F41506512D}" type="datetime1">
               <a:rPr lang="el-GR" smtClean="0"/>
               <a:t>22/11/2019</a:t>
             </a:fld>
@@ -2377,7 +2735,7 @@
           <a:bodyPr/>
           <a:lstStyle/>
           <a:p>
-            <a:fld id="{36462041-36E5-410D-BDE2-1E9A309D270D}" type="datetimeFigureOut">
+            <a:fld id="{62DDC117-5401-4F34-BDB4-07892361D4A0}" type="datetime1">
               <a:rPr lang="el-GR" smtClean="0"/>
               <a:t>22/11/2019</a:t>
             </a:fld>
@@ -2665,7 +3023,7 @@
           <a:bodyPr/>
           <a:lstStyle/>
           <a:p>
-            <a:fld id="{36462041-36E5-410D-BDE2-1E9A309D270D}" type="datetimeFigureOut">
+            <a:fld id="{CF56910A-AE5B-4172-88A6-A4B85DB3AE27}" type="datetime1">
               <a:rPr lang="el-GR" smtClean="0"/>
               <a:t>22/11/2019</a:t>
             </a:fld>
@@ -2906,7 +3264,7 @@
             </a:lvl1pPr>
           </a:lstStyle>
           <a:p>
-            <a:fld id="{36462041-36E5-410D-BDE2-1E9A309D270D}" type="datetimeFigureOut">
+            <a:fld id="{94319273-751A-42E6-9FC0-2187BBD10DB0}" type="datetime1">
               <a:rPr lang="el-GR" smtClean="0"/>
               <a:t>22/11/2019</a:t>
             </a:fld>
@@ -3025,6 +3383,7 @@
     <p:sldLayoutId id="2147483658" r:id="rId10"/>
     <p:sldLayoutId id="2147483659" r:id="rId11"/>
   </p:sldLayoutIdLst>
+  <p:hf hdr="0" ftr="0" dt="0"/>
   <p:txStyles>
     <p:titleStyle>
       <a:lvl1pPr algn="l" defTabSz="914400" rtl="0" eaLnBrk="1" latinLnBrk="0" hangingPunct="1">
@@ -3482,10 +3841,10 @@
       </p:grpSpPr>
       <p:sp>
         <p:nvSpPr>
-          <p:cNvPr id="4" name="Τίτλος 3">
-            <a:extLst>
-              <a:ext uri="{FF2B5EF4-FFF2-40B4-BE49-F238E27FC236}">
-                <a16:creationId xmlns:a16="http://schemas.microsoft.com/office/drawing/2014/main" id="{E3A1CE1F-6A47-4BAA-ACD7-65474A536259}"/>
+          <p:cNvPr id="2" name="Τίτλος 1">
+            <a:extLst>
+              <a:ext uri="{FF2B5EF4-FFF2-40B4-BE49-F238E27FC236}">
+                <a16:creationId xmlns:a16="http://schemas.microsoft.com/office/drawing/2014/main" id="{AF829625-9AA6-4692-B099-5BCA16BACEF0}"/>
               </a:ext>
             </a:extLst>
           </p:cNvPr>
@@ -3498,15 +3857,47 @@
         </p:nvSpPr>
         <p:spPr/>
         <p:txBody>
-          <a:bodyPr>
-            <a:normAutofit/>
-          </a:bodyPr>
+          <a:bodyPr/>
           <a:lstStyle/>
           <a:p>
             <a:r>
               <a:rPr lang="el-GR" dirty="0"/>
-              <a:t>Υλοποίηση σε C της εισαγωγής στην αρχή της λίστας</a:t>
-            </a:r>
+              <a:t>Απευθείας σύνδεση κόμβων συνδεδεμένης λίστας, η συνάρτηση </a:t>
+            </a:r>
+            <a:r>
+              <a:rPr lang="en-US" dirty="0"/>
+              <a:t>length</a:t>
+            </a:r>
+            <a:endParaRPr lang="el-GR" dirty="0"/>
+          </a:p>
+        </p:txBody>
+      </p:sp>
+      <p:sp>
+        <p:nvSpPr>
+          <p:cNvPr id="4" name="Θέση αριθμού διαφάνειας 3">
+            <a:extLst>
+              <a:ext uri="{FF2B5EF4-FFF2-40B4-BE49-F238E27FC236}">
+                <a16:creationId xmlns:a16="http://schemas.microsoft.com/office/drawing/2014/main" id="{851BA297-FEAC-46D2-BF89-48408138A8A2}"/>
+              </a:ext>
+            </a:extLst>
+          </p:cNvPr>
+          <p:cNvSpPr>
+            <a:spLocks noGrp="1"/>
+          </p:cNvSpPr>
+          <p:nvPr>
+            <p:ph type="sldNum" sz="quarter" idx="12"/>
+          </p:nvPr>
+        </p:nvSpPr>
+        <p:spPr/>
+        <p:txBody>
+          <a:bodyPr/>
+          <a:lstStyle/>
+          <a:p>
+            <a:fld id="{18AA1C73-7DCE-4442-906F-AAF3568FCA4F}" type="slidenum">
+              <a:rPr lang="el-GR" smtClean="0"/>
+              <a:t>2</a:t>
+            </a:fld>
+            <a:endParaRPr lang="el-GR"/>
           </a:p>
         </p:txBody>
       </p:sp>
@@ -3515,7 +3906,7 @@
           <p:cNvPr id="5" name="Ορθογώνιο 4">
             <a:extLst>
               <a:ext uri="{FF2B5EF4-FFF2-40B4-BE49-F238E27FC236}">
-                <a16:creationId xmlns:a16="http://schemas.microsoft.com/office/drawing/2014/main" id="{9F0A1C7D-0A2C-4CEB-BA11-F7E1B1AD51AA}"/>
+                <a16:creationId xmlns:a16="http://schemas.microsoft.com/office/drawing/2014/main" id="{668C208F-C1C4-4123-976C-48BF02CD8D63}"/>
               </a:ext>
             </a:extLst>
           </p:cNvPr>
@@ -3524,8 +3915,8 @@
         </p:nvSpPr>
         <p:spPr>
           <a:xfrm>
-            <a:off x="838201" y="1760818"/>
-            <a:ext cx="6734452" cy="4616648"/>
+            <a:off x="745724" y="1583403"/>
+            <a:ext cx="8682361" cy="5016758"/>
           </a:xfrm>
           <a:prstGeom prst="rect">
             <a:avLst/>
@@ -3538,46 +3929,644 @@
           <a:lstStyle/>
           <a:p>
             <a:r>
-              <a:rPr lang="en-US" sz="1400" b="0" dirty="0">
+              <a:rPr lang="en-US" sz="1600" dirty="0">
                 <a:solidFill>
                   <a:srgbClr val="0000FF"/>
                 </a:solidFill>
-                <a:effectLst/>
                 <a:latin typeface="Consolas" panose="020B0609020204030204" pitchFamily="49" charset="0"/>
               </a:rPr>
               <a:t>#include </a:t>
             </a:r>
             <a:r>
-              <a:rPr lang="en-US" sz="1400" b="0" dirty="0">
+              <a:rPr lang="en-US" sz="1600" dirty="0">
                 <a:solidFill>
                   <a:srgbClr val="A31515"/>
                 </a:solidFill>
-                <a:effectLst/>
-                <a:latin typeface="Consolas" panose="020B0609020204030204" pitchFamily="49" charset="0"/>
-              </a:rPr>
-              <a:t>&lt;</a:t>
-            </a:r>
-            <a:r>
-              <a:rPr lang="en-US" sz="1400" b="0" dirty="0" err="1">
+                <a:latin typeface="Consolas" panose="020B0609020204030204" pitchFamily="49" charset="0"/>
+              </a:rPr>
+              <a:t>&lt;iostream&gt;</a:t>
+            </a:r>
+            <a:endParaRPr lang="en-US" sz="1600" dirty="0">
+              <a:solidFill>
+                <a:srgbClr val="000000"/>
+              </a:solidFill>
+              <a:latin typeface="Consolas" panose="020B0609020204030204" pitchFamily="49" charset="0"/>
+            </a:endParaRPr>
+          </a:p>
+          <a:p>
+            <a:r>
+              <a:rPr lang="en-US" sz="1600" dirty="0">
+                <a:solidFill>
+                  <a:srgbClr val="0000FF"/>
+                </a:solidFill>
+                <a:latin typeface="Consolas" panose="020B0609020204030204" pitchFamily="49" charset="0"/>
+              </a:rPr>
+              <a:t>using</a:t>
+            </a:r>
+            <a:r>
+              <a:rPr lang="en-US" sz="1600" dirty="0">
+                <a:solidFill>
+                  <a:srgbClr val="000000"/>
+                </a:solidFill>
+                <a:latin typeface="Consolas" panose="020B0609020204030204" pitchFamily="49" charset="0"/>
+              </a:rPr>
+              <a:t> </a:t>
+            </a:r>
+            <a:r>
+              <a:rPr lang="en-US" sz="1600" dirty="0">
+                <a:solidFill>
+                  <a:srgbClr val="0000FF"/>
+                </a:solidFill>
+                <a:latin typeface="Consolas" panose="020B0609020204030204" pitchFamily="49" charset="0"/>
+              </a:rPr>
+              <a:t>namespace</a:t>
+            </a:r>
+            <a:r>
+              <a:rPr lang="en-US" sz="1600" dirty="0">
+                <a:solidFill>
+                  <a:srgbClr val="000000"/>
+                </a:solidFill>
+                <a:latin typeface="Consolas" panose="020B0609020204030204" pitchFamily="49" charset="0"/>
+              </a:rPr>
+              <a:t> std;</a:t>
+            </a:r>
+          </a:p>
+          <a:p>
+            <a:r>
+              <a:rPr lang="en-US" sz="1600" dirty="0">
+                <a:solidFill>
+                  <a:srgbClr val="0000FF"/>
+                </a:solidFill>
+                <a:latin typeface="Consolas" panose="020B0609020204030204" pitchFamily="49" charset="0"/>
+              </a:rPr>
+              <a:t>struct</a:t>
+            </a:r>
+            <a:r>
+              <a:rPr lang="en-US" sz="1600" dirty="0">
+                <a:solidFill>
+                  <a:srgbClr val="000000"/>
+                </a:solidFill>
+                <a:latin typeface="Consolas" panose="020B0609020204030204" pitchFamily="49" charset="0"/>
+              </a:rPr>
+              <a:t> node {</a:t>
+            </a:r>
+          </a:p>
+          <a:p>
+            <a:r>
+              <a:rPr lang="en-US" sz="1600" dirty="0">
+                <a:solidFill>
+                  <a:srgbClr val="000000"/>
+                </a:solidFill>
+                <a:latin typeface="Consolas" panose="020B0609020204030204" pitchFamily="49" charset="0"/>
+              </a:rPr>
+              <a:t>  </a:t>
+            </a:r>
+            <a:r>
+              <a:rPr lang="en-US" sz="1600" dirty="0">
+                <a:solidFill>
+                  <a:srgbClr val="0000FF"/>
+                </a:solidFill>
+                <a:latin typeface="Consolas" panose="020B0609020204030204" pitchFamily="49" charset="0"/>
+              </a:rPr>
+              <a:t>int</a:t>
+            </a:r>
+            <a:r>
+              <a:rPr lang="en-US" sz="1600" dirty="0">
+                <a:solidFill>
+                  <a:srgbClr val="000000"/>
+                </a:solidFill>
+                <a:latin typeface="Consolas" panose="020B0609020204030204" pitchFamily="49" charset="0"/>
+              </a:rPr>
+              <a:t> data;</a:t>
+            </a:r>
+          </a:p>
+          <a:p>
+            <a:r>
+              <a:rPr lang="en-US" sz="1600" dirty="0">
+                <a:solidFill>
+                  <a:srgbClr val="000000"/>
+                </a:solidFill>
+                <a:latin typeface="Consolas" panose="020B0609020204030204" pitchFamily="49" charset="0"/>
+              </a:rPr>
+              <a:t>  </a:t>
+            </a:r>
+            <a:r>
+              <a:rPr lang="en-US" sz="1600" dirty="0">
+                <a:solidFill>
+                  <a:srgbClr val="0000FF"/>
+                </a:solidFill>
+                <a:latin typeface="Consolas" panose="020B0609020204030204" pitchFamily="49" charset="0"/>
+              </a:rPr>
+              <a:t>struct</a:t>
+            </a:r>
+            <a:r>
+              <a:rPr lang="en-US" sz="1600" dirty="0">
+                <a:solidFill>
+                  <a:srgbClr val="000000"/>
+                </a:solidFill>
+                <a:latin typeface="Consolas" panose="020B0609020204030204" pitchFamily="49" charset="0"/>
+              </a:rPr>
+              <a:t> node </a:t>
+            </a:r>
+            <a:r>
+              <a:rPr lang="en-US" sz="1600" dirty="0">
+                <a:solidFill>
+                  <a:srgbClr val="0000FF"/>
+                </a:solidFill>
+                <a:latin typeface="Consolas" panose="020B0609020204030204" pitchFamily="49" charset="0"/>
+              </a:rPr>
+              <a:t>*</a:t>
+            </a:r>
+            <a:r>
+              <a:rPr lang="en-US" sz="1600" dirty="0">
+                <a:solidFill>
+                  <a:srgbClr val="000000"/>
+                </a:solidFill>
+                <a:latin typeface="Consolas" panose="020B0609020204030204" pitchFamily="49" charset="0"/>
+              </a:rPr>
+              <a:t>next = </a:t>
+            </a:r>
+            <a:r>
+              <a:rPr lang="en-US" sz="1600" dirty="0" err="1">
+                <a:solidFill>
+                  <a:srgbClr val="0000FF"/>
+                </a:solidFill>
+                <a:latin typeface="Consolas" panose="020B0609020204030204" pitchFamily="49" charset="0"/>
+              </a:rPr>
+              <a:t>nullptr</a:t>
+            </a:r>
+            <a:r>
+              <a:rPr lang="en-US" sz="1600" dirty="0">
+                <a:solidFill>
+                  <a:srgbClr val="000000"/>
+                </a:solidFill>
+                <a:latin typeface="Consolas" panose="020B0609020204030204" pitchFamily="49" charset="0"/>
+              </a:rPr>
+              <a:t>;</a:t>
+            </a:r>
+          </a:p>
+          <a:p>
+            <a:r>
+              <a:rPr lang="en-US" sz="1600" dirty="0">
+                <a:solidFill>
+                  <a:srgbClr val="000000"/>
+                </a:solidFill>
+                <a:latin typeface="Consolas" panose="020B0609020204030204" pitchFamily="49" charset="0"/>
+              </a:rPr>
+              <a:t>};</a:t>
+            </a:r>
+            <a:br>
+              <a:rPr lang="en-US" sz="1600" dirty="0">
+                <a:solidFill>
+                  <a:srgbClr val="000000"/>
+                </a:solidFill>
+                <a:latin typeface="Consolas" panose="020B0609020204030204" pitchFamily="49" charset="0"/>
+              </a:rPr>
+            </a:br>
+            <a:r>
+              <a:rPr lang="en-US" sz="1600" dirty="0">
+                <a:solidFill>
+                  <a:srgbClr val="0000FF"/>
+                </a:solidFill>
+                <a:latin typeface="Consolas" panose="020B0609020204030204" pitchFamily="49" charset="0"/>
+              </a:rPr>
+              <a:t>int</a:t>
+            </a:r>
+            <a:r>
+              <a:rPr lang="en-US" sz="1600" dirty="0">
+                <a:solidFill>
+                  <a:srgbClr val="000000"/>
+                </a:solidFill>
+                <a:latin typeface="Consolas" panose="020B0609020204030204" pitchFamily="49" charset="0"/>
+              </a:rPr>
+              <a:t> length(node </a:t>
+            </a:r>
+            <a:r>
+              <a:rPr lang="en-US" sz="1600" dirty="0">
+                <a:solidFill>
+                  <a:srgbClr val="0000FF"/>
+                </a:solidFill>
+                <a:latin typeface="Consolas" panose="020B0609020204030204" pitchFamily="49" charset="0"/>
+              </a:rPr>
+              <a:t>*</a:t>
+            </a:r>
+            <a:r>
+              <a:rPr lang="en-US" sz="1600" dirty="0">
+                <a:solidFill>
+                  <a:srgbClr val="000000"/>
+                </a:solidFill>
+                <a:latin typeface="Consolas" panose="020B0609020204030204" pitchFamily="49" charset="0"/>
+              </a:rPr>
+              <a:t>head) {</a:t>
+            </a:r>
+          </a:p>
+          <a:p>
+            <a:r>
+              <a:rPr lang="en-US" sz="1600" dirty="0">
+                <a:solidFill>
+                  <a:srgbClr val="000000"/>
+                </a:solidFill>
+                <a:latin typeface="Consolas" panose="020B0609020204030204" pitchFamily="49" charset="0"/>
+              </a:rPr>
+              <a:t>  node *current = head; </a:t>
+            </a:r>
+            <a:r>
+              <a:rPr lang="en-US" sz="1600" dirty="0">
+                <a:solidFill>
+                  <a:srgbClr val="0000FF"/>
+                </a:solidFill>
+                <a:latin typeface="Consolas" panose="020B0609020204030204" pitchFamily="49" charset="0"/>
+              </a:rPr>
+              <a:t>int</a:t>
+            </a:r>
+            <a:r>
+              <a:rPr lang="en-US" sz="1600" dirty="0">
+                <a:solidFill>
+                  <a:srgbClr val="000000"/>
+                </a:solidFill>
+                <a:latin typeface="Consolas" panose="020B0609020204030204" pitchFamily="49" charset="0"/>
+              </a:rPr>
+              <a:t> c = </a:t>
+            </a:r>
+            <a:r>
+              <a:rPr lang="en-US" sz="1600" dirty="0">
+                <a:solidFill>
+                  <a:srgbClr val="09885A"/>
+                </a:solidFill>
+                <a:latin typeface="Consolas" panose="020B0609020204030204" pitchFamily="49" charset="0"/>
+              </a:rPr>
+              <a:t>0</a:t>
+            </a:r>
+            <a:r>
+              <a:rPr lang="en-US" sz="1600" dirty="0">
+                <a:solidFill>
+                  <a:srgbClr val="000000"/>
+                </a:solidFill>
+                <a:latin typeface="Consolas" panose="020B0609020204030204" pitchFamily="49" charset="0"/>
+              </a:rPr>
+              <a:t>;</a:t>
+            </a:r>
+          </a:p>
+          <a:p>
+            <a:r>
+              <a:rPr lang="en-US" sz="1600" dirty="0">
+                <a:solidFill>
+                  <a:srgbClr val="000000"/>
+                </a:solidFill>
+                <a:latin typeface="Consolas" panose="020B0609020204030204" pitchFamily="49" charset="0"/>
+              </a:rPr>
+              <a:t>  </a:t>
+            </a:r>
+            <a:r>
+              <a:rPr lang="en-US" sz="1600" dirty="0">
+                <a:solidFill>
+                  <a:srgbClr val="0000FF"/>
+                </a:solidFill>
+                <a:latin typeface="Consolas" panose="020B0609020204030204" pitchFamily="49" charset="0"/>
+              </a:rPr>
+              <a:t>while</a:t>
+            </a:r>
+            <a:r>
+              <a:rPr lang="en-US" sz="1600" dirty="0">
+                <a:solidFill>
+                  <a:srgbClr val="000000"/>
+                </a:solidFill>
+                <a:latin typeface="Consolas" panose="020B0609020204030204" pitchFamily="49" charset="0"/>
+              </a:rPr>
+              <a:t> (current != </a:t>
+            </a:r>
+            <a:r>
+              <a:rPr lang="en-US" sz="1600" dirty="0" err="1">
+                <a:solidFill>
+                  <a:srgbClr val="0000FF"/>
+                </a:solidFill>
+                <a:latin typeface="Consolas" panose="020B0609020204030204" pitchFamily="49" charset="0"/>
+              </a:rPr>
+              <a:t>nullptr</a:t>
+            </a:r>
+            <a:r>
+              <a:rPr lang="en-US" sz="1600" dirty="0">
+                <a:solidFill>
+                  <a:srgbClr val="000000"/>
+                </a:solidFill>
+                <a:latin typeface="Consolas" panose="020B0609020204030204" pitchFamily="49" charset="0"/>
+              </a:rPr>
+              <a:t>) {</a:t>
+            </a:r>
+          </a:p>
+          <a:p>
+            <a:r>
+              <a:rPr lang="en-US" sz="1600" dirty="0">
+                <a:solidFill>
+                  <a:srgbClr val="000000"/>
+                </a:solidFill>
+                <a:latin typeface="Consolas" panose="020B0609020204030204" pitchFamily="49" charset="0"/>
+              </a:rPr>
+              <a:t>    </a:t>
+            </a:r>
+            <a:r>
+              <a:rPr lang="en-US" sz="1600" dirty="0" err="1">
+                <a:solidFill>
+                  <a:srgbClr val="000000"/>
+                </a:solidFill>
+                <a:latin typeface="Consolas" panose="020B0609020204030204" pitchFamily="49" charset="0"/>
+              </a:rPr>
+              <a:t>c++</a:t>
+            </a:r>
+            <a:r>
+              <a:rPr lang="en-US" sz="1600" dirty="0">
+                <a:solidFill>
+                  <a:srgbClr val="000000"/>
+                </a:solidFill>
+                <a:latin typeface="Consolas" panose="020B0609020204030204" pitchFamily="49" charset="0"/>
+              </a:rPr>
+              <a:t>; </a:t>
+            </a:r>
+            <a:endParaRPr lang="el-GR" sz="1600" dirty="0">
+              <a:solidFill>
+                <a:srgbClr val="000000"/>
+              </a:solidFill>
+              <a:latin typeface="Consolas" panose="020B0609020204030204" pitchFamily="49" charset="0"/>
+            </a:endParaRPr>
+          </a:p>
+          <a:p>
+            <a:r>
+              <a:rPr lang="el-GR" sz="1600" dirty="0">
+                <a:solidFill>
+                  <a:srgbClr val="000000"/>
+                </a:solidFill>
+                <a:latin typeface="Consolas" panose="020B0609020204030204" pitchFamily="49" charset="0"/>
+              </a:rPr>
+              <a:t>    </a:t>
+            </a:r>
+            <a:r>
+              <a:rPr lang="en-US" sz="1600" dirty="0">
+                <a:solidFill>
+                  <a:srgbClr val="000000"/>
+                </a:solidFill>
+                <a:latin typeface="Consolas" panose="020B0609020204030204" pitchFamily="49" charset="0"/>
+              </a:rPr>
+              <a:t>current = current-&gt;next;</a:t>
+            </a:r>
+          </a:p>
+          <a:p>
+            <a:r>
+              <a:rPr lang="en-US" sz="1600" dirty="0">
+                <a:solidFill>
+                  <a:srgbClr val="000000"/>
+                </a:solidFill>
+                <a:latin typeface="Consolas" panose="020B0609020204030204" pitchFamily="49" charset="0"/>
+              </a:rPr>
+              <a:t>  }</a:t>
+            </a:r>
+          </a:p>
+          <a:p>
+            <a:r>
+              <a:rPr lang="en-US" sz="1600" dirty="0">
+                <a:solidFill>
+                  <a:srgbClr val="000000"/>
+                </a:solidFill>
+                <a:latin typeface="Consolas" panose="020B0609020204030204" pitchFamily="49" charset="0"/>
+              </a:rPr>
+              <a:t>  </a:t>
+            </a:r>
+            <a:r>
+              <a:rPr lang="en-US" sz="1600" dirty="0">
+                <a:solidFill>
+                  <a:srgbClr val="0000FF"/>
+                </a:solidFill>
+                <a:latin typeface="Consolas" panose="020B0609020204030204" pitchFamily="49" charset="0"/>
+              </a:rPr>
+              <a:t>return</a:t>
+            </a:r>
+            <a:r>
+              <a:rPr lang="en-US" sz="1600" dirty="0">
+                <a:solidFill>
+                  <a:srgbClr val="000000"/>
+                </a:solidFill>
+                <a:latin typeface="Consolas" panose="020B0609020204030204" pitchFamily="49" charset="0"/>
+              </a:rPr>
+              <a:t> c;</a:t>
+            </a:r>
+          </a:p>
+          <a:p>
+            <a:r>
+              <a:rPr lang="en-US" sz="1600" dirty="0">
+                <a:solidFill>
+                  <a:srgbClr val="000000"/>
+                </a:solidFill>
+                <a:latin typeface="Consolas" panose="020B0609020204030204" pitchFamily="49" charset="0"/>
+              </a:rPr>
+              <a:t>}</a:t>
+            </a:r>
+            <a:br>
+              <a:rPr lang="en-US" sz="1600" dirty="0">
+                <a:solidFill>
+                  <a:srgbClr val="000000"/>
+                </a:solidFill>
+                <a:latin typeface="Consolas" panose="020B0609020204030204" pitchFamily="49" charset="0"/>
+              </a:rPr>
+            </a:br>
+            <a:r>
+              <a:rPr lang="en-US" sz="1600" dirty="0">
+                <a:solidFill>
+                  <a:srgbClr val="0000FF"/>
+                </a:solidFill>
+                <a:latin typeface="Consolas" panose="020B0609020204030204" pitchFamily="49" charset="0"/>
+              </a:rPr>
+              <a:t>int</a:t>
+            </a:r>
+            <a:r>
+              <a:rPr lang="en-US" sz="1600" dirty="0">
+                <a:solidFill>
+                  <a:srgbClr val="000000"/>
+                </a:solidFill>
+                <a:latin typeface="Consolas" panose="020B0609020204030204" pitchFamily="49" charset="0"/>
+              </a:rPr>
+              <a:t> main() {</a:t>
+            </a:r>
+          </a:p>
+          <a:p>
+            <a:r>
+              <a:rPr lang="en-US" sz="1600" dirty="0">
+                <a:solidFill>
+                  <a:srgbClr val="000000"/>
+                </a:solidFill>
+                <a:latin typeface="Consolas" panose="020B0609020204030204" pitchFamily="49" charset="0"/>
+              </a:rPr>
+              <a:t>  node n1, n2, n3;</a:t>
+            </a:r>
+          </a:p>
+          <a:p>
+            <a:r>
+              <a:rPr lang="en-US" sz="1600" dirty="0">
+                <a:solidFill>
+                  <a:srgbClr val="000000"/>
+                </a:solidFill>
+                <a:latin typeface="Consolas" panose="020B0609020204030204" pitchFamily="49" charset="0"/>
+              </a:rPr>
+              <a:t>  n1.data = </a:t>
+            </a:r>
+            <a:r>
+              <a:rPr lang="en-US" sz="1600" dirty="0">
+                <a:solidFill>
+                  <a:srgbClr val="09885A"/>
+                </a:solidFill>
+                <a:latin typeface="Consolas" panose="020B0609020204030204" pitchFamily="49" charset="0"/>
+              </a:rPr>
+              <a:t>12</a:t>
+            </a:r>
+            <a:r>
+              <a:rPr lang="en-US" sz="1600" dirty="0">
+                <a:solidFill>
+                  <a:srgbClr val="000000"/>
+                </a:solidFill>
+                <a:latin typeface="Consolas" panose="020B0609020204030204" pitchFamily="49" charset="0"/>
+              </a:rPr>
+              <a:t>; n1.next = &amp;n2; n2.data = </a:t>
+            </a:r>
+            <a:r>
+              <a:rPr lang="en-US" sz="1600" dirty="0">
+                <a:solidFill>
+                  <a:srgbClr val="09885A"/>
+                </a:solidFill>
+                <a:latin typeface="Consolas" panose="020B0609020204030204" pitchFamily="49" charset="0"/>
+              </a:rPr>
+              <a:t>99</a:t>
+            </a:r>
+            <a:r>
+              <a:rPr lang="en-US" sz="1600" dirty="0">
+                <a:solidFill>
+                  <a:srgbClr val="000000"/>
+                </a:solidFill>
+                <a:latin typeface="Consolas" panose="020B0609020204030204" pitchFamily="49" charset="0"/>
+              </a:rPr>
+              <a:t>; n2.next = &amp;n3;</a:t>
+            </a:r>
+            <a:r>
+              <a:rPr lang="el-GR" sz="1600" dirty="0">
+                <a:solidFill>
+                  <a:srgbClr val="000000"/>
+                </a:solidFill>
+                <a:latin typeface="Consolas" panose="020B0609020204030204" pitchFamily="49" charset="0"/>
+              </a:rPr>
+              <a:t> </a:t>
+            </a:r>
+            <a:r>
+              <a:rPr lang="en-US" sz="1600" dirty="0">
+                <a:solidFill>
+                  <a:srgbClr val="000000"/>
+                </a:solidFill>
+                <a:latin typeface="Consolas" panose="020B0609020204030204" pitchFamily="49" charset="0"/>
+              </a:rPr>
+              <a:t>n3.data = </a:t>
+            </a:r>
+            <a:r>
+              <a:rPr lang="en-US" sz="1600" dirty="0">
+                <a:solidFill>
+                  <a:srgbClr val="09885A"/>
+                </a:solidFill>
+                <a:latin typeface="Consolas" panose="020B0609020204030204" pitchFamily="49" charset="0"/>
+              </a:rPr>
+              <a:t>37</a:t>
+            </a:r>
+            <a:r>
+              <a:rPr lang="en-US" sz="1600" dirty="0">
+                <a:solidFill>
+                  <a:srgbClr val="000000"/>
+                </a:solidFill>
+                <a:latin typeface="Consolas" panose="020B0609020204030204" pitchFamily="49" charset="0"/>
+              </a:rPr>
+              <a:t>;</a:t>
+            </a:r>
+          </a:p>
+          <a:p>
+            <a:r>
+              <a:rPr lang="en-US" sz="1600" dirty="0">
+                <a:solidFill>
+                  <a:srgbClr val="000000"/>
+                </a:solidFill>
+                <a:latin typeface="Consolas" panose="020B0609020204030204" pitchFamily="49" charset="0"/>
+              </a:rPr>
+              <a:t>  node *head = &amp;n1;</a:t>
+            </a:r>
+          </a:p>
+          <a:p>
+            <a:r>
+              <a:rPr lang="en-US" sz="1600" dirty="0">
+                <a:solidFill>
+                  <a:srgbClr val="000000"/>
+                </a:solidFill>
+                <a:latin typeface="Consolas" panose="020B0609020204030204" pitchFamily="49" charset="0"/>
+              </a:rPr>
+              <a:t>  </a:t>
+            </a:r>
+            <a:r>
+              <a:rPr lang="en-US" sz="1600" dirty="0" err="1">
+                <a:solidFill>
+                  <a:srgbClr val="000000"/>
+                </a:solidFill>
+                <a:latin typeface="Consolas" panose="020B0609020204030204" pitchFamily="49" charset="0"/>
+              </a:rPr>
+              <a:t>cout</a:t>
+            </a:r>
+            <a:r>
+              <a:rPr lang="en-US" sz="1600" dirty="0">
+                <a:solidFill>
+                  <a:srgbClr val="000000"/>
+                </a:solidFill>
+                <a:latin typeface="Consolas" panose="020B0609020204030204" pitchFamily="49" charset="0"/>
+              </a:rPr>
+              <a:t> &lt;&lt; </a:t>
+            </a:r>
+            <a:r>
+              <a:rPr lang="en-US" sz="1600" dirty="0">
                 <a:solidFill>
                   <a:srgbClr val="A31515"/>
                 </a:solidFill>
-                <a:effectLst/>
-                <a:latin typeface="Consolas" panose="020B0609020204030204" pitchFamily="49" charset="0"/>
-              </a:rPr>
-              <a:t>stdio.h</a:t>
-            </a:r>
-            <a:r>
-              <a:rPr lang="en-US" sz="1400" b="0" dirty="0">
-                <a:solidFill>
-                  <a:srgbClr val="A31515"/>
-                </a:solidFill>
-                <a:effectLst/>
-                <a:latin typeface="Consolas" panose="020B0609020204030204" pitchFamily="49" charset="0"/>
-              </a:rPr>
-              <a:t>&gt;</a:t>
-            </a:r>
-            <a:endParaRPr lang="en-US" sz="1400" b="0" dirty="0">
+                <a:latin typeface="Consolas" panose="020B0609020204030204" pitchFamily="49" charset="0"/>
+              </a:rPr>
+              <a:t>"The length of the list is: "</a:t>
+            </a:r>
+            <a:r>
+              <a:rPr lang="en-US" sz="1600" dirty="0">
+                <a:solidFill>
+                  <a:srgbClr val="000000"/>
+                </a:solidFill>
+                <a:latin typeface="Consolas" panose="020B0609020204030204" pitchFamily="49" charset="0"/>
+              </a:rPr>
+              <a:t> &lt;&lt; length(head) &lt;&lt; </a:t>
+            </a:r>
+            <a:r>
+              <a:rPr lang="en-US" sz="1600" dirty="0" err="1">
+                <a:solidFill>
+                  <a:srgbClr val="000000"/>
+                </a:solidFill>
+                <a:latin typeface="Consolas" panose="020B0609020204030204" pitchFamily="49" charset="0"/>
+              </a:rPr>
+              <a:t>endl</a:t>
+            </a:r>
+            <a:r>
+              <a:rPr lang="en-US" sz="1600" dirty="0">
+                <a:solidFill>
+                  <a:srgbClr val="000000"/>
+                </a:solidFill>
+                <a:latin typeface="Consolas" panose="020B0609020204030204" pitchFamily="49" charset="0"/>
+              </a:rPr>
+              <a:t>;</a:t>
+            </a:r>
+          </a:p>
+          <a:p>
+            <a:r>
+              <a:rPr lang="en-US" sz="1600" dirty="0">
+                <a:solidFill>
+                  <a:srgbClr val="000000"/>
+                </a:solidFill>
+                <a:latin typeface="Consolas" panose="020B0609020204030204" pitchFamily="49" charset="0"/>
+              </a:rPr>
+              <a:t>}</a:t>
+            </a:r>
+            <a:endParaRPr lang="en-US" sz="1600" b="0" dirty="0">
               <a:solidFill>
                 <a:srgbClr val="000000"/>
               </a:solidFill>
@@ -3585,1054 +4574,6 @@
               <a:latin typeface="Consolas" panose="020B0609020204030204" pitchFamily="49" charset="0"/>
             </a:endParaRPr>
           </a:p>
-          <a:p>
-            <a:r>
-              <a:rPr lang="en-US" sz="1400" b="0" dirty="0">
-                <a:solidFill>
-                  <a:srgbClr val="0000FF"/>
-                </a:solidFill>
-                <a:effectLst/>
-                <a:latin typeface="Consolas" panose="020B0609020204030204" pitchFamily="49" charset="0"/>
-              </a:rPr>
-              <a:t>#include </a:t>
-            </a:r>
-            <a:r>
-              <a:rPr lang="en-US" sz="1400" b="0" dirty="0">
-                <a:solidFill>
-                  <a:srgbClr val="A31515"/>
-                </a:solidFill>
-                <a:effectLst/>
-                <a:latin typeface="Consolas" panose="020B0609020204030204" pitchFamily="49" charset="0"/>
-              </a:rPr>
-              <a:t>&lt;</a:t>
-            </a:r>
-            <a:r>
-              <a:rPr lang="en-US" sz="1400" b="0" dirty="0" err="1">
-                <a:solidFill>
-                  <a:srgbClr val="A31515"/>
-                </a:solidFill>
-                <a:effectLst/>
-                <a:latin typeface="Consolas" panose="020B0609020204030204" pitchFamily="49" charset="0"/>
-              </a:rPr>
-              <a:t>stdlib.h</a:t>
-            </a:r>
-            <a:r>
-              <a:rPr lang="en-US" sz="1400" b="0" dirty="0">
-                <a:solidFill>
-                  <a:srgbClr val="A31515"/>
-                </a:solidFill>
-                <a:effectLst/>
-                <a:latin typeface="Consolas" panose="020B0609020204030204" pitchFamily="49" charset="0"/>
-              </a:rPr>
-              <a:t>&gt;</a:t>
-            </a:r>
-            <a:endParaRPr lang="en-US" sz="1400" b="0" dirty="0">
-              <a:solidFill>
-                <a:srgbClr val="000000"/>
-              </a:solidFill>
-              <a:effectLst/>
-              <a:latin typeface="Consolas" panose="020B0609020204030204" pitchFamily="49" charset="0"/>
-            </a:endParaRPr>
-          </a:p>
-          <a:p>
-            <a:r>
-              <a:rPr lang="en-US" sz="1400" b="0" dirty="0">
-                <a:solidFill>
-                  <a:srgbClr val="0000FF"/>
-                </a:solidFill>
-                <a:effectLst/>
-                <a:latin typeface="Consolas" panose="020B0609020204030204" pitchFamily="49" charset="0"/>
-              </a:rPr>
-              <a:t>struct</a:t>
-            </a:r>
-            <a:r>
-              <a:rPr lang="en-US" sz="1400" b="0" dirty="0">
-                <a:solidFill>
-                  <a:srgbClr val="000000"/>
-                </a:solidFill>
-                <a:effectLst/>
-                <a:latin typeface="Consolas" panose="020B0609020204030204" pitchFamily="49" charset="0"/>
-              </a:rPr>
-              <a:t> node</a:t>
-            </a:r>
-            <a:r>
-              <a:rPr lang="el-GR" sz="1400" b="0" dirty="0">
-                <a:solidFill>
-                  <a:srgbClr val="000000"/>
-                </a:solidFill>
-                <a:effectLst/>
-                <a:latin typeface="Consolas" panose="020B0609020204030204" pitchFamily="49" charset="0"/>
-              </a:rPr>
-              <a:t> </a:t>
-            </a:r>
-            <a:r>
-              <a:rPr lang="en-US" sz="1400" b="0" dirty="0">
-                <a:solidFill>
-                  <a:srgbClr val="000000"/>
-                </a:solidFill>
-                <a:effectLst/>
-                <a:latin typeface="Consolas" panose="020B0609020204030204" pitchFamily="49" charset="0"/>
-              </a:rPr>
-              <a:t>{</a:t>
-            </a:r>
-          </a:p>
-          <a:p>
-            <a:r>
-              <a:rPr lang="en-US" sz="1400" b="0" dirty="0">
-                <a:solidFill>
-                  <a:srgbClr val="000000"/>
-                </a:solidFill>
-                <a:effectLst/>
-                <a:latin typeface="Consolas" panose="020B0609020204030204" pitchFamily="49" charset="0"/>
-              </a:rPr>
-              <a:t>  </a:t>
-            </a:r>
-            <a:r>
-              <a:rPr lang="en-US" sz="1400" b="0" dirty="0">
-                <a:solidFill>
-                  <a:srgbClr val="0000FF"/>
-                </a:solidFill>
-                <a:effectLst/>
-                <a:latin typeface="Consolas" panose="020B0609020204030204" pitchFamily="49" charset="0"/>
-              </a:rPr>
-              <a:t>int</a:t>
-            </a:r>
-            <a:r>
-              <a:rPr lang="en-US" sz="1400" b="0" dirty="0">
-                <a:solidFill>
-                  <a:srgbClr val="000000"/>
-                </a:solidFill>
-                <a:effectLst/>
-                <a:latin typeface="Consolas" panose="020B0609020204030204" pitchFamily="49" charset="0"/>
-              </a:rPr>
-              <a:t> data;</a:t>
-            </a:r>
-          </a:p>
-          <a:p>
-            <a:r>
-              <a:rPr lang="en-US" sz="1400" b="0" dirty="0">
-                <a:solidFill>
-                  <a:srgbClr val="000000"/>
-                </a:solidFill>
-                <a:effectLst/>
-                <a:latin typeface="Consolas" panose="020B0609020204030204" pitchFamily="49" charset="0"/>
-              </a:rPr>
-              <a:t>  </a:t>
-            </a:r>
-            <a:r>
-              <a:rPr lang="en-US" sz="1400" b="0" dirty="0">
-                <a:solidFill>
-                  <a:srgbClr val="0000FF"/>
-                </a:solidFill>
-                <a:effectLst/>
-                <a:latin typeface="Consolas" panose="020B0609020204030204" pitchFamily="49" charset="0"/>
-              </a:rPr>
-              <a:t>struct</a:t>
-            </a:r>
-            <a:r>
-              <a:rPr lang="en-US" sz="1400" b="0" dirty="0">
-                <a:solidFill>
-                  <a:srgbClr val="000000"/>
-                </a:solidFill>
-                <a:effectLst/>
-                <a:latin typeface="Consolas" panose="020B0609020204030204" pitchFamily="49" charset="0"/>
-              </a:rPr>
-              <a:t> node *next;</a:t>
-            </a:r>
-          </a:p>
-          <a:p>
-            <a:r>
-              <a:rPr lang="en-US" sz="1400" b="0" dirty="0">
-                <a:solidFill>
-                  <a:srgbClr val="000000"/>
-                </a:solidFill>
-                <a:effectLst/>
-                <a:latin typeface="Consolas" panose="020B0609020204030204" pitchFamily="49" charset="0"/>
-              </a:rPr>
-              <a:t>};</a:t>
-            </a:r>
-            <a:br>
-              <a:rPr lang="en-US" sz="1400" b="0" dirty="0">
-                <a:solidFill>
-                  <a:srgbClr val="000000"/>
-                </a:solidFill>
-                <a:effectLst/>
-                <a:latin typeface="Consolas" panose="020B0609020204030204" pitchFamily="49" charset="0"/>
-              </a:rPr>
-            </a:br>
-            <a:r>
-              <a:rPr lang="en-US" sz="1400" b="0" dirty="0">
-                <a:solidFill>
-                  <a:srgbClr val="0000FF"/>
-                </a:solidFill>
-                <a:effectLst/>
-                <a:latin typeface="Consolas" panose="020B0609020204030204" pitchFamily="49" charset="0"/>
-              </a:rPr>
-              <a:t>void</a:t>
-            </a:r>
-            <a:r>
-              <a:rPr lang="en-US" sz="1400" b="0" dirty="0">
-                <a:solidFill>
-                  <a:srgbClr val="000000"/>
-                </a:solidFill>
-                <a:effectLst/>
-                <a:latin typeface="Consolas" panose="020B0609020204030204" pitchFamily="49" charset="0"/>
-              </a:rPr>
-              <a:t> </a:t>
-            </a:r>
-            <a:r>
-              <a:rPr lang="en-US" sz="1400" b="0" dirty="0" err="1">
-                <a:solidFill>
-                  <a:srgbClr val="000000"/>
-                </a:solidFill>
-                <a:effectLst/>
-                <a:latin typeface="Consolas" panose="020B0609020204030204" pitchFamily="49" charset="0"/>
-              </a:rPr>
-              <a:t>push_front</a:t>
-            </a:r>
-            <a:r>
-              <a:rPr lang="en-US" sz="1400" b="0" dirty="0">
-                <a:solidFill>
-                  <a:srgbClr val="000000"/>
-                </a:solidFill>
-                <a:effectLst/>
-                <a:latin typeface="Consolas" panose="020B0609020204030204" pitchFamily="49" charset="0"/>
-              </a:rPr>
-              <a:t>(</a:t>
-            </a:r>
-            <a:r>
-              <a:rPr lang="en-US" sz="1400" b="0" dirty="0">
-                <a:solidFill>
-                  <a:srgbClr val="0000FF"/>
-                </a:solidFill>
-                <a:effectLst/>
-                <a:latin typeface="Consolas" panose="020B0609020204030204" pitchFamily="49" charset="0"/>
-              </a:rPr>
-              <a:t>struct</a:t>
-            </a:r>
-            <a:r>
-              <a:rPr lang="en-US" sz="1400" b="0" dirty="0">
-                <a:solidFill>
-                  <a:srgbClr val="000000"/>
-                </a:solidFill>
-                <a:effectLst/>
-                <a:latin typeface="Consolas" panose="020B0609020204030204" pitchFamily="49" charset="0"/>
-              </a:rPr>
-              <a:t> node **head, </a:t>
-            </a:r>
-            <a:r>
-              <a:rPr lang="en-US" sz="1400" b="0" dirty="0">
-                <a:solidFill>
-                  <a:srgbClr val="0000FF"/>
-                </a:solidFill>
-                <a:effectLst/>
-                <a:latin typeface="Consolas" panose="020B0609020204030204" pitchFamily="49" charset="0"/>
-              </a:rPr>
-              <a:t>int</a:t>
-            </a:r>
-            <a:r>
-              <a:rPr lang="en-US" sz="1400" b="0" dirty="0">
-                <a:solidFill>
-                  <a:srgbClr val="000000"/>
-                </a:solidFill>
-                <a:effectLst/>
-                <a:latin typeface="Consolas" panose="020B0609020204030204" pitchFamily="49" charset="0"/>
-              </a:rPr>
-              <a:t> data)</a:t>
-            </a:r>
-            <a:r>
-              <a:rPr lang="el-GR" sz="1400" b="0" dirty="0">
-                <a:solidFill>
-                  <a:srgbClr val="000000"/>
-                </a:solidFill>
-                <a:effectLst/>
-                <a:latin typeface="Consolas" panose="020B0609020204030204" pitchFamily="49" charset="0"/>
-              </a:rPr>
-              <a:t> </a:t>
-            </a:r>
-            <a:r>
-              <a:rPr lang="en-US" sz="1400" b="0" dirty="0">
-                <a:solidFill>
-                  <a:srgbClr val="000000"/>
-                </a:solidFill>
-                <a:effectLst/>
-                <a:latin typeface="Consolas" panose="020B0609020204030204" pitchFamily="49" charset="0"/>
-              </a:rPr>
-              <a:t>{</a:t>
-            </a:r>
-          </a:p>
-          <a:p>
-            <a:r>
-              <a:rPr lang="en-US" sz="1400" b="0" dirty="0">
-                <a:solidFill>
-                  <a:srgbClr val="000000"/>
-                </a:solidFill>
-                <a:effectLst/>
-                <a:latin typeface="Consolas" panose="020B0609020204030204" pitchFamily="49" charset="0"/>
-              </a:rPr>
-              <a:t>  </a:t>
-            </a:r>
-            <a:r>
-              <a:rPr lang="en-US" sz="1400" b="0" dirty="0">
-                <a:solidFill>
-                  <a:srgbClr val="0000FF"/>
-                </a:solidFill>
-                <a:effectLst/>
-                <a:latin typeface="Consolas" panose="020B0609020204030204" pitchFamily="49" charset="0"/>
-              </a:rPr>
-              <a:t>struct</a:t>
-            </a:r>
-            <a:r>
-              <a:rPr lang="en-US" sz="1400" b="0" dirty="0">
-                <a:solidFill>
-                  <a:srgbClr val="000000"/>
-                </a:solidFill>
-                <a:effectLst/>
-                <a:latin typeface="Consolas" panose="020B0609020204030204" pitchFamily="49" charset="0"/>
-              </a:rPr>
-              <a:t> node *</a:t>
-            </a:r>
-            <a:r>
-              <a:rPr lang="en-US" sz="1400" b="0" dirty="0" err="1">
-                <a:solidFill>
-                  <a:srgbClr val="000000"/>
-                </a:solidFill>
-                <a:effectLst/>
-                <a:latin typeface="Consolas" panose="020B0609020204030204" pitchFamily="49" charset="0"/>
-              </a:rPr>
-              <a:t>new_node</a:t>
-            </a:r>
-            <a:r>
-              <a:rPr lang="en-US" sz="1400" b="0" dirty="0">
-                <a:solidFill>
-                  <a:srgbClr val="000000"/>
-                </a:solidFill>
-                <a:effectLst/>
-                <a:latin typeface="Consolas" panose="020B0609020204030204" pitchFamily="49" charset="0"/>
-              </a:rPr>
-              <a:t> = malloc(</a:t>
-            </a:r>
-            <a:r>
-              <a:rPr lang="en-US" sz="1400" b="0" dirty="0" err="1">
-                <a:solidFill>
-                  <a:srgbClr val="0000FF"/>
-                </a:solidFill>
-                <a:effectLst/>
-                <a:latin typeface="Consolas" panose="020B0609020204030204" pitchFamily="49" charset="0"/>
-              </a:rPr>
-              <a:t>sizeof</a:t>
-            </a:r>
-            <a:r>
-              <a:rPr lang="en-US" sz="1400" b="0" dirty="0">
-                <a:solidFill>
-                  <a:srgbClr val="000000"/>
-                </a:solidFill>
-                <a:effectLst/>
-                <a:latin typeface="Consolas" panose="020B0609020204030204" pitchFamily="49" charset="0"/>
-              </a:rPr>
-              <a:t>(</a:t>
-            </a:r>
-            <a:r>
-              <a:rPr lang="en-US" sz="1400" b="0" dirty="0">
-                <a:solidFill>
-                  <a:srgbClr val="0000FF"/>
-                </a:solidFill>
-                <a:effectLst/>
-                <a:latin typeface="Consolas" panose="020B0609020204030204" pitchFamily="49" charset="0"/>
-              </a:rPr>
-              <a:t>struct</a:t>
-            </a:r>
-            <a:r>
-              <a:rPr lang="en-US" sz="1400" b="0" dirty="0">
-                <a:solidFill>
-                  <a:srgbClr val="000000"/>
-                </a:solidFill>
-                <a:effectLst/>
-                <a:latin typeface="Consolas" panose="020B0609020204030204" pitchFamily="49" charset="0"/>
-              </a:rPr>
-              <a:t> node));</a:t>
-            </a:r>
-          </a:p>
-          <a:p>
-            <a:r>
-              <a:rPr lang="en-US" sz="1400" b="0" dirty="0">
-                <a:solidFill>
-                  <a:srgbClr val="000000"/>
-                </a:solidFill>
-                <a:effectLst/>
-                <a:latin typeface="Consolas" panose="020B0609020204030204" pitchFamily="49" charset="0"/>
-              </a:rPr>
-              <a:t>  </a:t>
-            </a:r>
-            <a:r>
-              <a:rPr lang="en-US" sz="1400" b="0" dirty="0" err="1">
-                <a:solidFill>
-                  <a:srgbClr val="000000"/>
-                </a:solidFill>
-                <a:effectLst/>
-                <a:latin typeface="Consolas" panose="020B0609020204030204" pitchFamily="49" charset="0"/>
-              </a:rPr>
-              <a:t>new_node</a:t>
-            </a:r>
-            <a:r>
-              <a:rPr lang="en-US" sz="1400" b="0" dirty="0">
-                <a:solidFill>
-                  <a:srgbClr val="000000"/>
-                </a:solidFill>
-                <a:effectLst/>
-                <a:latin typeface="Consolas" panose="020B0609020204030204" pitchFamily="49" charset="0"/>
-              </a:rPr>
-              <a:t>-&gt;data = data;</a:t>
-            </a:r>
-          </a:p>
-          <a:p>
-            <a:r>
-              <a:rPr lang="en-US" sz="1400" b="0" dirty="0">
-                <a:solidFill>
-                  <a:srgbClr val="000000"/>
-                </a:solidFill>
-                <a:effectLst/>
-                <a:latin typeface="Consolas" panose="020B0609020204030204" pitchFamily="49" charset="0"/>
-              </a:rPr>
-              <a:t>  </a:t>
-            </a:r>
-            <a:r>
-              <a:rPr lang="en-US" sz="1400" b="0" dirty="0" err="1">
-                <a:solidFill>
-                  <a:srgbClr val="000000"/>
-                </a:solidFill>
-                <a:effectLst/>
-                <a:latin typeface="Consolas" panose="020B0609020204030204" pitchFamily="49" charset="0"/>
-              </a:rPr>
-              <a:t>new_node</a:t>
-            </a:r>
-            <a:r>
-              <a:rPr lang="en-US" sz="1400" b="0" dirty="0">
-                <a:solidFill>
-                  <a:srgbClr val="000000"/>
-                </a:solidFill>
-                <a:effectLst/>
-                <a:latin typeface="Consolas" panose="020B0609020204030204" pitchFamily="49" charset="0"/>
-              </a:rPr>
-              <a:t>-&gt;next = *head;</a:t>
-            </a:r>
-          </a:p>
-          <a:p>
-            <a:r>
-              <a:rPr lang="en-US" sz="1400" b="0" dirty="0">
-                <a:solidFill>
-                  <a:srgbClr val="000000"/>
-                </a:solidFill>
-                <a:effectLst/>
-                <a:latin typeface="Consolas" panose="020B0609020204030204" pitchFamily="49" charset="0"/>
-              </a:rPr>
-              <a:t>  *head = </a:t>
-            </a:r>
-            <a:r>
-              <a:rPr lang="en-US" sz="1400" b="0" dirty="0" err="1">
-                <a:solidFill>
-                  <a:srgbClr val="000000"/>
-                </a:solidFill>
-                <a:effectLst/>
-                <a:latin typeface="Consolas" panose="020B0609020204030204" pitchFamily="49" charset="0"/>
-              </a:rPr>
-              <a:t>new_node</a:t>
-            </a:r>
-            <a:r>
-              <a:rPr lang="en-US" sz="1400" b="0" dirty="0">
-                <a:solidFill>
-                  <a:srgbClr val="000000"/>
-                </a:solidFill>
-                <a:effectLst/>
-                <a:latin typeface="Consolas" panose="020B0609020204030204" pitchFamily="49" charset="0"/>
-              </a:rPr>
-              <a:t>;</a:t>
-            </a:r>
-          </a:p>
-          <a:p>
-            <a:r>
-              <a:rPr lang="en-US" sz="1400" b="0" dirty="0">
-                <a:solidFill>
-                  <a:srgbClr val="000000"/>
-                </a:solidFill>
-                <a:effectLst/>
-                <a:latin typeface="Consolas" panose="020B0609020204030204" pitchFamily="49" charset="0"/>
-              </a:rPr>
-              <a:t>}</a:t>
-            </a:r>
-            <a:br>
-              <a:rPr lang="en-US" sz="1400" b="0" dirty="0">
-                <a:solidFill>
-                  <a:srgbClr val="000000"/>
-                </a:solidFill>
-                <a:effectLst/>
-                <a:latin typeface="Consolas" panose="020B0609020204030204" pitchFamily="49" charset="0"/>
-              </a:rPr>
-            </a:br>
-            <a:r>
-              <a:rPr lang="en-US" sz="1400" b="0" dirty="0">
-                <a:solidFill>
-                  <a:srgbClr val="0000FF"/>
-                </a:solidFill>
-                <a:effectLst/>
-                <a:latin typeface="Consolas" panose="020B0609020204030204" pitchFamily="49" charset="0"/>
-              </a:rPr>
-              <a:t>int</a:t>
-            </a:r>
-            <a:r>
-              <a:rPr lang="en-US" sz="1400" b="0" dirty="0">
-                <a:solidFill>
-                  <a:srgbClr val="000000"/>
-                </a:solidFill>
-                <a:effectLst/>
-                <a:latin typeface="Consolas" panose="020B0609020204030204" pitchFamily="49" charset="0"/>
-              </a:rPr>
-              <a:t> main(</a:t>
-            </a:r>
-            <a:r>
-              <a:rPr lang="en-US" sz="1400" b="0" dirty="0">
-                <a:solidFill>
-                  <a:srgbClr val="0000FF"/>
-                </a:solidFill>
-                <a:effectLst/>
-                <a:latin typeface="Consolas" panose="020B0609020204030204" pitchFamily="49" charset="0"/>
-              </a:rPr>
-              <a:t>void</a:t>
-            </a:r>
-            <a:r>
-              <a:rPr lang="en-US" sz="1400" b="0" dirty="0">
-                <a:solidFill>
-                  <a:srgbClr val="000000"/>
-                </a:solidFill>
-                <a:effectLst/>
-                <a:latin typeface="Consolas" panose="020B0609020204030204" pitchFamily="49" charset="0"/>
-              </a:rPr>
-              <a:t>)</a:t>
-            </a:r>
-            <a:r>
-              <a:rPr lang="el-GR" sz="1400" b="0" dirty="0">
-                <a:solidFill>
-                  <a:srgbClr val="000000"/>
-                </a:solidFill>
-                <a:effectLst/>
-                <a:latin typeface="Consolas" panose="020B0609020204030204" pitchFamily="49" charset="0"/>
-              </a:rPr>
-              <a:t> </a:t>
-            </a:r>
-            <a:r>
-              <a:rPr lang="en-US" sz="1400" b="0" dirty="0">
-                <a:solidFill>
-                  <a:srgbClr val="000000"/>
-                </a:solidFill>
-                <a:effectLst/>
-                <a:latin typeface="Consolas" panose="020B0609020204030204" pitchFamily="49" charset="0"/>
-              </a:rPr>
-              <a:t>{</a:t>
-            </a:r>
-          </a:p>
-          <a:p>
-            <a:r>
-              <a:rPr lang="en-US" sz="1400" b="0" dirty="0">
-                <a:solidFill>
-                  <a:srgbClr val="000000"/>
-                </a:solidFill>
-                <a:effectLst/>
-                <a:latin typeface="Consolas" panose="020B0609020204030204" pitchFamily="49" charset="0"/>
-              </a:rPr>
-              <a:t>  </a:t>
-            </a:r>
-            <a:r>
-              <a:rPr lang="en-US" sz="1400" b="0" dirty="0">
-                <a:solidFill>
-                  <a:srgbClr val="0000FF"/>
-                </a:solidFill>
-                <a:effectLst/>
-                <a:latin typeface="Consolas" panose="020B0609020204030204" pitchFamily="49" charset="0"/>
-              </a:rPr>
-              <a:t>struct</a:t>
-            </a:r>
-            <a:r>
-              <a:rPr lang="en-US" sz="1400" b="0" dirty="0">
-                <a:solidFill>
-                  <a:srgbClr val="000000"/>
-                </a:solidFill>
-                <a:effectLst/>
-                <a:latin typeface="Consolas" panose="020B0609020204030204" pitchFamily="49" charset="0"/>
-              </a:rPr>
-              <a:t> node *head = </a:t>
-            </a:r>
-            <a:r>
-              <a:rPr lang="en-US" sz="1400" b="0" dirty="0">
-                <a:solidFill>
-                  <a:srgbClr val="0000FF"/>
-                </a:solidFill>
-                <a:effectLst/>
-                <a:latin typeface="Consolas" panose="020B0609020204030204" pitchFamily="49" charset="0"/>
-              </a:rPr>
-              <a:t>NULL</a:t>
-            </a:r>
-            <a:r>
-              <a:rPr lang="en-US" sz="1400" b="0" dirty="0">
-                <a:solidFill>
-                  <a:srgbClr val="000000"/>
-                </a:solidFill>
-                <a:effectLst/>
-                <a:latin typeface="Consolas" panose="020B0609020204030204" pitchFamily="49" charset="0"/>
-              </a:rPr>
-              <a:t>;</a:t>
-            </a:r>
-          </a:p>
-          <a:p>
-            <a:r>
-              <a:rPr lang="en-US" sz="1400" b="0" dirty="0">
-                <a:solidFill>
-                  <a:srgbClr val="000000"/>
-                </a:solidFill>
-                <a:effectLst/>
-                <a:latin typeface="Consolas" panose="020B0609020204030204" pitchFamily="49" charset="0"/>
-              </a:rPr>
-              <a:t>  </a:t>
-            </a:r>
-            <a:r>
-              <a:rPr lang="en-US" sz="1400" b="0" dirty="0" err="1">
-                <a:solidFill>
-                  <a:srgbClr val="000000"/>
-                </a:solidFill>
-                <a:effectLst/>
-                <a:latin typeface="Consolas" panose="020B0609020204030204" pitchFamily="49" charset="0"/>
-              </a:rPr>
-              <a:t>push_front</a:t>
-            </a:r>
-            <a:r>
-              <a:rPr lang="en-US" sz="1400" b="0" dirty="0">
-                <a:solidFill>
-                  <a:srgbClr val="000000"/>
-                </a:solidFill>
-                <a:effectLst/>
-                <a:latin typeface="Consolas" panose="020B0609020204030204" pitchFamily="49" charset="0"/>
-              </a:rPr>
-              <a:t>(&amp;head, </a:t>
-            </a:r>
-            <a:r>
-              <a:rPr lang="en-US" sz="1400" b="0" dirty="0">
-                <a:solidFill>
-                  <a:srgbClr val="09885A"/>
-                </a:solidFill>
-                <a:effectLst/>
-                <a:latin typeface="Consolas" panose="020B0609020204030204" pitchFamily="49" charset="0"/>
-              </a:rPr>
-              <a:t>5</a:t>
-            </a:r>
-            <a:r>
-              <a:rPr lang="en-US" sz="1400" b="0" dirty="0">
-                <a:solidFill>
-                  <a:srgbClr val="000000"/>
-                </a:solidFill>
-                <a:effectLst/>
-                <a:latin typeface="Consolas" panose="020B0609020204030204" pitchFamily="49" charset="0"/>
-              </a:rPr>
-              <a:t>);</a:t>
-            </a:r>
-          </a:p>
-          <a:p>
-            <a:r>
-              <a:rPr lang="en-US" sz="1400" b="0" dirty="0">
-                <a:solidFill>
-                  <a:srgbClr val="000000"/>
-                </a:solidFill>
-                <a:effectLst/>
-                <a:latin typeface="Consolas" panose="020B0609020204030204" pitchFamily="49" charset="0"/>
-              </a:rPr>
-              <a:t>  </a:t>
-            </a:r>
-            <a:r>
-              <a:rPr lang="en-US" sz="1400" b="0" dirty="0" err="1">
-                <a:solidFill>
-                  <a:srgbClr val="000000"/>
-                </a:solidFill>
-                <a:effectLst/>
-                <a:latin typeface="Consolas" panose="020B0609020204030204" pitchFamily="49" charset="0"/>
-              </a:rPr>
-              <a:t>push_front</a:t>
-            </a:r>
-            <a:r>
-              <a:rPr lang="en-US" sz="1400" b="0" dirty="0">
-                <a:solidFill>
-                  <a:srgbClr val="000000"/>
-                </a:solidFill>
-                <a:effectLst/>
-                <a:latin typeface="Consolas" panose="020B0609020204030204" pitchFamily="49" charset="0"/>
-              </a:rPr>
-              <a:t>(&amp;head, </a:t>
-            </a:r>
-            <a:r>
-              <a:rPr lang="en-US" sz="1400" b="0" dirty="0">
-                <a:solidFill>
-                  <a:srgbClr val="09885A"/>
-                </a:solidFill>
-                <a:effectLst/>
-                <a:latin typeface="Consolas" panose="020B0609020204030204" pitchFamily="49" charset="0"/>
-              </a:rPr>
-              <a:t>7</a:t>
-            </a:r>
-            <a:r>
-              <a:rPr lang="en-US" sz="1400" b="0" dirty="0">
-                <a:solidFill>
-                  <a:srgbClr val="000000"/>
-                </a:solidFill>
-                <a:effectLst/>
-                <a:latin typeface="Consolas" panose="020B0609020204030204" pitchFamily="49" charset="0"/>
-              </a:rPr>
-              <a:t>);</a:t>
-            </a:r>
-          </a:p>
-          <a:p>
-            <a:r>
-              <a:rPr lang="en-US" sz="1400" b="0" dirty="0">
-                <a:solidFill>
-                  <a:srgbClr val="000000"/>
-                </a:solidFill>
-                <a:effectLst/>
-                <a:latin typeface="Consolas" panose="020B0609020204030204" pitchFamily="49" charset="0"/>
-              </a:rPr>
-              <a:t>  </a:t>
-            </a:r>
-            <a:r>
-              <a:rPr lang="en-US" sz="1400" b="0" dirty="0" err="1">
-                <a:solidFill>
-                  <a:srgbClr val="000000"/>
-                </a:solidFill>
-                <a:effectLst/>
-                <a:latin typeface="Consolas" panose="020B0609020204030204" pitchFamily="49" charset="0"/>
-              </a:rPr>
-              <a:t>push_front</a:t>
-            </a:r>
-            <a:r>
-              <a:rPr lang="en-US" sz="1400" b="0" dirty="0">
-                <a:solidFill>
-                  <a:srgbClr val="000000"/>
-                </a:solidFill>
-                <a:effectLst/>
-                <a:latin typeface="Consolas" panose="020B0609020204030204" pitchFamily="49" charset="0"/>
-              </a:rPr>
-              <a:t>(&amp;head, </a:t>
-            </a:r>
-            <a:r>
-              <a:rPr lang="en-US" sz="1400" b="0" dirty="0">
-                <a:solidFill>
-                  <a:srgbClr val="09885A"/>
-                </a:solidFill>
-                <a:effectLst/>
-                <a:latin typeface="Consolas" panose="020B0609020204030204" pitchFamily="49" charset="0"/>
-              </a:rPr>
-              <a:t>2</a:t>
-            </a:r>
-            <a:r>
-              <a:rPr lang="en-US" sz="1400" b="0" dirty="0">
-                <a:solidFill>
-                  <a:srgbClr val="000000"/>
-                </a:solidFill>
-                <a:effectLst/>
-                <a:latin typeface="Consolas" panose="020B0609020204030204" pitchFamily="49" charset="0"/>
-              </a:rPr>
-              <a:t>);</a:t>
-            </a:r>
-            <a:br>
-              <a:rPr lang="en-US" sz="1400" b="0" dirty="0">
-                <a:solidFill>
-                  <a:srgbClr val="000000"/>
-                </a:solidFill>
-                <a:effectLst/>
-                <a:latin typeface="Consolas" panose="020B0609020204030204" pitchFamily="49" charset="0"/>
-              </a:rPr>
-            </a:br>
-            <a:r>
-              <a:rPr lang="en-US" sz="1400" b="0" dirty="0">
-                <a:solidFill>
-                  <a:srgbClr val="000000"/>
-                </a:solidFill>
-                <a:effectLst/>
-                <a:latin typeface="Consolas" panose="020B0609020204030204" pitchFamily="49" charset="0"/>
-              </a:rPr>
-              <a:t>  </a:t>
-            </a:r>
-            <a:r>
-              <a:rPr lang="en-US" sz="1400" b="0" dirty="0">
-                <a:solidFill>
-                  <a:srgbClr val="0000FF"/>
-                </a:solidFill>
-                <a:effectLst/>
-                <a:latin typeface="Consolas" panose="020B0609020204030204" pitchFamily="49" charset="0"/>
-              </a:rPr>
-              <a:t>for</a:t>
-            </a:r>
-            <a:r>
-              <a:rPr lang="en-US" sz="1400" b="0" dirty="0">
-                <a:solidFill>
-                  <a:srgbClr val="000000"/>
-                </a:solidFill>
-                <a:effectLst/>
-                <a:latin typeface="Consolas" panose="020B0609020204030204" pitchFamily="49" charset="0"/>
-              </a:rPr>
-              <a:t> (</a:t>
-            </a:r>
-            <a:r>
-              <a:rPr lang="en-US" sz="1400" b="0" dirty="0">
-                <a:solidFill>
-                  <a:srgbClr val="0000FF"/>
-                </a:solidFill>
-                <a:effectLst/>
-                <a:latin typeface="Consolas" panose="020B0609020204030204" pitchFamily="49" charset="0"/>
-              </a:rPr>
-              <a:t>struct</a:t>
-            </a:r>
-            <a:r>
-              <a:rPr lang="en-US" sz="1400" b="0" dirty="0">
-                <a:solidFill>
-                  <a:srgbClr val="000000"/>
-                </a:solidFill>
-                <a:effectLst/>
-                <a:latin typeface="Consolas" panose="020B0609020204030204" pitchFamily="49" charset="0"/>
-              </a:rPr>
-              <a:t> node *</a:t>
-            </a:r>
-            <a:r>
-              <a:rPr lang="en-US" sz="1400" b="0" dirty="0" err="1">
-                <a:solidFill>
-                  <a:srgbClr val="000000"/>
-                </a:solidFill>
-                <a:effectLst/>
-                <a:latin typeface="Consolas" panose="020B0609020204030204" pitchFamily="49" charset="0"/>
-              </a:rPr>
-              <a:t>ptr</a:t>
-            </a:r>
-            <a:r>
-              <a:rPr lang="en-US" sz="1400" b="0" dirty="0">
-                <a:solidFill>
-                  <a:srgbClr val="000000"/>
-                </a:solidFill>
-                <a:effectLst/>
-                <a:latin typeface="Consolas" panose="020B0609020204030204" pitchFamily="49" charset="0"/>
-              </a:rPr>
-              <a:t> = head; </a:t>
-            </a:r>
-            <a:r>
-              <a:rPr lang="en-US" sz="1400" b="0" dirty="0" err="1">
-                <a:solidFill>
-                  <a:srgbClr val="000000"/>
-                </a:solidFill>
-                <a:effectLst/>
-                <a:latin typeface="Consolas" panose="020B0609020204030204" pitchFamily="49" charset="0"/>
-              </a:rPr>
-              <a:t>ptr</a:t>
-            </a:r>
-            <a:r>
-              <a:rPr lang="en-US" sz="1400" b="0" dirty="0">
-                <a:solidFill>
-                  <a:srgbClr val="000000"/>
-                </a:solidFill>
-                <a:effectLst/>
-                <a:latin typeface="Consolas" panose="020B0609020204030204" pitchFamily="49" charset="0"/>
-              </a:rPr>
-              <a:t> != </a:t>
-            </a:r>
-            <a:r>
-              <a:rPr lang="en-US" sz="1400" b="0" dirty="0">
-                <a:solidFill>
-                  <a:srgbClr val="0000FF"/>
-                </a:solidFill>
-                <a:effectLst/>
-                <a:latin typeface="Consolas" panose="020B0609020204030204" pitchFamily="49" charset="0"/>
-              </a:rPr>
-              <a:t>NULL</a:t>
-            </a:r>
-            <a:r>
-              <a:rPr lang="en-US" sz="1400" b="0" dirty="0">
-                <a:solidFill>
-                  <a:srgbClr val="000000"/>
-                </a:solidFill>
-                <a:effectLst/>
-                <a:latin typeface="Consolas" panose="020B0609020204030204" pitchFamily="49" charset="0"/>
-              </a:rPr>
-              <a:t>; </a:t>
-            </a:r>
-            <a:r>
-              <a:rPr lang="en-US" sz="1400" b="0" dirty="0" err="1">
-                <a:solidFill>
-                  <a:srgbClr val="000000"/>
-                </a:solidFill>
-                <a:effectLst/>
-                <a:latin typeface="Consolas" panose="020B0609020204030204" pitchFamily="49" charset="0"/>
-              </a:rPr>
-              <a:t>ptr</a:t>
-            </a:r>
-            <a:r>
-              <a:rPr lang="en-US" sz="1400" b="0" dirty="0">
-                <a:solidFill>
-                  <a:srgbClr val="000000"/>
-                </a:solidFill>
-                <a:effectLst/>
-                <a:latin typeface="Consolas" panose="020B0609020204030204" pitchFamily="49" charset="0"/>
-              </a:rPr>
-              <a:t> = </a:t>
-            </a:r>
-            <a:r>
-              <a:rPr lang="en-US" sz="1400" b="0" dirty="0" err="1">
-                <a:solidFill>
-                  <a:srgbClr val="000000"/>
-                </a:solidFill>
-                <a:effectLst/>
-                <a:latin typeface="Consolas" panose="020B0609020204030204" pitchFamily="49" charset="0"/>
-              </a:rPr>
-              <a:t>ptr</a:t>
-            </a:r>
-            <a:r>
-              <a:rPr lang="en-US" sz="1400" b="0" dirty="0">
-                <a:solidFill>
-                  <a:srgbClr val="000000"/>
-                </a:solidFill>
-                <a:effectLst/>
-                <a:latin typeface="Consolas" panose="020B0609020204030204" pitchFamily="49" charset="0"/>
-              </a:rPr>
-              <a:t>-&gt;next)</a:t>
-            </a:r>
-          </a:p>
-          <a:p>
-            <a:r>
-              <a:rPr lang="en-US" sz="1400" b="0" dirty="0">
-                <a:solidFill>
-                  <a:srgbClr val="000000"/>
-                </a:solidFill>
-                <a:effectLst/>
-                <a:latin typeface="Consolas" panose="020B0609020204030204" pitchFamily="49" charset="0"/>
-              </a:rPr>
-              <a:t>    </a:t>
-            </a:r>
-            <a:r>
-              <a:rPr lang="en-US" sz="1400" b="0" dirty="0" err="1">
-                <a:solidFill>
-                  <a:srgbClr val="000000"/>
-                </a:solidFill>
-                <a:effectLst/>
-                <a:latin typeface="Consolas" panose="020B0609020204030204" pitchFamily="49" charset="0"/>
-              </a:rPr>
-              <a:t>printf</a:t>
-            </a:r>
-            <a:r>
-              <a:rPr lang="en-US" sz="1400" b="0" dirty="0">
-                <a:solidFill>
-                  <a:srgbClr val="000000"/>
-                </a:solidFill>
-                <a:effectLst/>
-                <a:latin typeface="Consolas" panose="020B0609020204030204" pitchFamily="49" charset="0"/>
-              </a:rPr>
-              <a:t>(</a:t>
-            </a:r>
-            <a:r>
-              <a:rPr lang="en-US" sz="1400" b="0" dirty="0">
-                <a:solidFill>
-                  <a:srgbClr val="A31515"/>
-                </a:solidFill>
-                <a:effectLst/>
-                <a:latin typeface="Consolas" panose="020B0609020204030204" pitchFamily="49" charset="0"/>
-              </a:rPr>
-              <a:t>"%d "</a:t>
-            </a:r>
-            <a:r>
-              <a:rPr lang="en-US" sz="1400" b="0" dirty="0">
-                <a:solidFill>
-                  <a:srgbClr val="000000"/>
-                </a:solidFill>
-                <a:effectLst/>
-                <a:latin typeface="Consolas" panose="020B0609020204030204" pitchFamily="49" charset="0"/>
-              </a:rPr>
-              <a:t>, </a:t>
-            </a:r>
-            <a:r>
-              <a:rPr lang="en-US" sz="1400" b="0" dirty="0" err="1">
-                <a:solidFill>
-                  <a:srgbClr val="000000"/>
-                </a:solidFill>
-                <a:effectLst/>
-                <a:latin typeface="Consolas" panose="020B0609020204030204" pitchFamily="49" charset="0"/>
-              </a:rPr>
-              <a:t>ptr</a:t>
-            </a:r>
-            <a:r>
-              <a:rPr lang="en-US" sz="1400" b="0" dirty="0">
-                <a:solidFill>
-                  <a:srgbClr val="000000"/>
-                </a:solidFill>
-                <a:effectLst/>
-                <a:latin typeface="Consolas" panose="020B0609020204030204" pitchFamily="49" charset="0"/>
-              </a:rPr>
-              <a:t>-&gt;data);</a:t>
-            </a:r>
-          </a:p>
-          <a:p>
-            <a:r>
-              <a:rPr lang="en-US" sz="1400" b="0" dirty="0">
-                <a:solidFill>
-                  <a:srgbClr val="000000"/>
-                </a:solidFill>
-                <a:effectLst/>
-                <a:latin typeface="Consolas" panose="020B0609020204030204" pitchFamily="49" charset="0"/>
-              </a:rPr>
-              <a:t>  </a:t>
-            </a:r>
-            <a:r>
-              <a:rPr lang="en-US" sz="1400" b="0" dirty="0" err="1">
-                <a:solidFill>
-                  <a:srgbClr val="000000"/>
-                </a:solidFill>
-                <a:effectLst/>
-                <a:latin typeface="Consolas" panose="020B0609020204030204" pitchFamily="49" charset="0"/>
-              </a:rPr>
-              <a:t>printf</a:t>
-            </a:r>
-            <a:r>
-              <a:rPr lang="en-US" sz="1400" b="0" dirty="0">
-                <a:solidFill>
-                  <a:srgbClr val="000000"/>
-                </a:solidFill>
-                <a:effectLst/>
-                <a:latin typeface="Consolas" panose="020B0609020204030204" pitchFamily="49" charset="0"/>
-              </a:rPr>
-              <a:t>(</a:t>
-            </a:r>
-            <a:r>
-              <a:rPr lang="en-US" sz="1400" b="0" dirty="0">
-                <a:solidFill>
-                  <a:srgbClr val="A31515"/>
-                </a:solidFill>
-                <a:effectLst/>
-                <a:latin typeface="Consolas" panose="020B0609020204030204" pitchFamily="49" charset="0"/>
-              </a:rPr>
-              <a:t>"\n"</a:t>
-            </a:r>
-            <a:r>
-              <a:rPr lang="en-US" sz="1400" b="0" dirty="0">
-                <a:solidFill>
-                  <a:srgbClr val="000000"/>
-                </a:solidFill>
-                <a:effectLst/>
-                <a:latin typeface="Consolas" panose="020B0609020204030204" pitchFamily="49" charset="0"/>
-              </a:rPr>
-              <a:t>);</a:t>
-            </a:r>
-          </a:p>
-          <a:p>
-            <a:r>
-              <a:rPr lang="en-US" sz="1400" b="0" dirty="0">
-                <a:solidFill>
-                  <a:srgbClr val="000000"/>
-                </a:solidFill>
-                <a:effectLst/>
-                <a:latin typeface="Consolas" panose="020B0609020204030204" pitchFamily="49" charset="0"/>
-              </a:rPr>
-              <a:t>}</a:t>
-            </a:r>
-          </a:p>
         </p:txBody>
       </p:sp>
       <p:sp>
@@ -4640,7 +4581,7 @@
           <p:cNvPr id="6" name="Ορθογώνιο 5">
             <a:extLst>
               <a:ext uri="{FF2B5EF4-FFF2-40B4-BE49-F238E27FC236}">
-                <a16:creationId xmlns:a16="http://schemas.microsoft.com/office/drawing/2014/main" id="{07320D89-F67A-4D16-A301-206DA4149A76}"/>
+                <a16:creationId xmlns:a16="http://schemas.microsoft.com/office/drawing/2014/main" id="{3D48BF23-CAF7-4014-A049-007648972206}"/>
               </a:ext>
             </a:extLst>
           </p:cNvPr>
@@ -4649,8 +4590,8 @@
         </p:nvSpPr>
         <p:spPr>
           <a:xfrm>
-            <a:off x="8749258" y="3244334"/>
-            <a:ext cx="641522" cy="369332"/>
+            <a:off x="7338264" y="3429000"/>
+            <a:ext cx="2544671" cy="369332"/>
           </a:xfrm>
           <a:prstGeom prst="rect">
             <a:avLst/>
@@ -4680,7 +4621,31 @@
           <a:p>
             <a:r>
               <a:rPr lang="el-GR" dirty="0"/>
-              <a:t>2 7 5</a:t>
+              <a:t>The </a:t>
+            </a:r>
+            <a:r>
+              <a:rPr lang="el-GR" dirty="0" err="1"/>
+              <a:t>length</a:t>
+            </a:r>
+            <a:r>
+              <a:rPr lang="el-GR" dirty="0"/>
+              <a:t> of the </a:t>
+            </a:r>
+            <a:r>
+              <a:rPr lang="el-GR" dirty="0" err="1"/>
+              <a:t>list</a:t>
+            </a:r>
+            <a:r>
+              <a:rPr lang="el-GR" dirty="0"/>
+              <a:t> </a:t>
+            </a:r>
+            <a:r>
+              <a:rPr lang="el-GR" dirty="0" err="1"/>
+              <a:t>is</a:t>
+            </a:r>
+            <a:r>
+              <a:rPr lang="el-GR" dirty="0"/>
+              <a:t>: 3</a:t>
             </a:r>
           </a:p>
         </p:txBody>
@@ -4690,7 +4655,7 @@
           <p:cNvPr id="7" name="Ορθογώνιο 6">
             <a:extLst>
               <a:ext uri="{FF2B5EF4-FFF2-40B4-BE49-F238E27FC236}">
-                <a16:creationId xmlns:a16="http://schemas.microsoft.com/office/drawing/2014/main" id="{DF87A03D-0C91-407D-AD0F-62CA54D6B632}"/>
+                <a16:creationId xmlns:a16="http://schemas.microsoft.com/office/drawing/2014/main" id="{F8FB6388-10B7-442B-89BC-A7292468819F}"/>
               </a:ext>
             </a:extLst>
           </p:cNvPr>
@@ -4700,7 +4665,7 @@
         <p:spPr>
           <a:xfrm>
             <a:off x="0" y="6492875"/>
-            <a:ext cx="2311851" cy="369332"/>
+            <a:ext cx="2555508" cy="369332"/>
           </a:xfrm>
           <a:prstGeom prst="rect">
             <a:avLst/>
@@ -4713,22 +4678,89 @@
           <a:lstStyle/>
           <a:p>
             <a:r>
-              <a:rPr lang="el-GR" dirty="0">
+              <a:rPr lang="el-GR" dirty="0" err="1">
                 <a:solidFill>
                   <a:schemeClr val="bg1">
                     <a:lumMod val="50000"/>
                   </a:schemeClr>
                 </a:solidFill>
               </a:rPr>
-              <a:t>linked_list_example1.c</a:t>
-            </a:r>
-          </a:p>
-        </p:txBody>
-      </p:sp>
+              <a:t>linked_list_example</a:t>
+            </a:r>
+            <a:r>
+              <a:rPr lang="en-US" dirty="0">
+                <a:solidFill>
+                  <a:schemeClr val="bg1">
+                    <a:lumMod val="50000"/>
+                  </a:schemeClr>
+                </a:solidFill>
+              </a:rPr>
+              <a:t>0</a:t>
+            </a:r>
+            <a:r>
+              <a:rPr lang="el-GR" dirty="0">
+                <a:solidFill>
+                  <a:schemeClr val="bg1">
+                    <a:lumMod val="50000"/>
+                  </a:schemeClr>
+                </a:solidFill>
+              </a:rPr>
+              <a:t>.c</a:t>
+            </a:r>
+            <a:r>
+              <a:rPr lang="en-US" dirty="0">
+                <a:solidFill>
+                  <a:schemeClr val="bg1">
+                    <a:lumMod val="50000"/>
+                  </a:schemeClr>
+                </a:solidFill>
+              </a:rPr>
+              <a:t>pp</a:t>
+            </a:r>
+            <a:endParaRPr lang="el-GR" dirty="0">
+              <a:solidFill>
+                <a:schemeClr val="bg1">
+                  <a:lumMod val="50000"/>
+                </a:schemeClr>
+              </a:solidFill>
+            </a:endParaRPr>
+          </a:p>
+        </p:txBody>
+      </p:sp>
+      <p:pic>
+        <p:nvPicPr>
+          <p:cNvPr id="9" name="Εικόνα 8">
+            <a:extLst>
+              <a:ext uri="{FF2B5EF4-FFF2-40B4-BE49-F238E27FC236}">
+                <a16:creationId xmlns:a16="http://schemas.microsoft.com/office/drawing/2014/main" id="{A3F6105F-4853-4ABB-AE2E-42BD2447183C}"/>
+              </a:ext>
+            </a:extLst>
+          </p:cNvPr>
+          <p:cNvPicPr>
+            <a:picLocks noChangeAspect="1"/>
+          </p:cNvPicPr>
+          <p:nvPr/>
+        </p:nvPicPr>
+        <p:blipFill>
+          <a:blip r:embed="rId2"/>
+          <a:stretch>
+            <a:fillRect/>
+          </a:stretch>
+        </p:blipFill>
+        <p:spPr>
+          <a:xfrm>
+            <a:off x="5764180" y="1837809"/>
+            <a:ext cx="6000750" cy="800100"/>
+          </a:xfrm>
+          <a:prstGeom prst="rect">
+            <a:avLst/>
+          </a:prstGeom>
+        </p:spPr>
+      </p:pic>
     </p:spTree>
     <p:extLst>
       <p:ext uri="{BB962C8B-B14F-4D97-AF65-F5344CB8AC3E}">
-        <p14:creationId xmlns:p14="http://schemas.microsoft.com/office/powerpoint/2010/main" val="340879545"/>
+        <p14:creationId xmlns:p14="http://schemas.microsoft.com/office/powerpoint/2010/main" val="2129836365"/>
       </p:ext>
     </p:extLst>
   </p:cSld>
@@ -4757,10 +4789,10 @@
       </p:grpSpPr>
       <p:sp>
         <p:nvSpPr>
-          <p:cNvPr id="2" name="Τίτλος 1">
-            <a:extLst>
-              <a:ext uri="{FF2B5EF4-FFF2-40B4-BE49-F238E27FC236}">
-                <a16:creationId xmlns:a16="http://schemas.microsoft.com/office/drawing/2014/main" id="{74210B03-3740-423B-8770-3533FB9433A4}"/>
+          <p:cNvPr id="4" name="Τίτλος 3">
+            <a:extLst>
+              <a:ext uri="{FF2B5EF4-FFF2-40B4-BE49-F238E27FC236}">
+                <a16:creationId xmlns:a16="http://schemas.microsoft.com/office/drawing/2014/main" id="{E3A1CE1F-6A47-4BAA-ACD7-65474A536259}"/>
               </a:ext>
             </a:extLst>
           </p:cNvPr>
@@ -4773,30 +4805,24 @@
         </p:nvSpPr>
         <p:spPr/>
         <p:txBody>
-          <a:bodyPr/>
+          <a:bodyPr>
+            <a:normAutofit/>
+          </a:bodyPr>
           <a:lstStyle/>
           <a:p>
             <a:r>
               <a:rPr lang="el-GR" dirty="0"/>
-              <a:t>Υλοποίηση σε C</a:t>
-            </a:r>
-            <a:r>
-              <a:rPr lang="en-US" dirty="0"/>
-              <a:t>++</a:t>
-            </a:r>
-            <a:r>
-              <a:rPr lang="el-GR" dirty="0"/>
-              <a:t> της εισαγωγής στην αρχή της λίστας</a:t>
-            </a:r>
-          </a:p>
-        </p:txBody>
-      </p:sp>
-      <p:sp>
-        <p:nvSpPr>
-          <p:cNvPr id="3" name="Ορθογώνιο 2">
-            <a:extLst>
-              <a:ext uri="{FF2B5EF4-FFF2-40B4-BE49-F238E27FC236}">
-                <a16:creationId xmlns:a16="http://schemas.microsoft.com/office/drawing/2014/main" id="{3B08215C-4B8D-43AC-9F71-3D09ED7636A9}"/>
+              <a:t>Υλοποίηση σε C της εισαγωγής στην αρχή της λίστας</a:t>
+            </a:r>
+          </a:p>
+        </p:txBody>
+      </p:sp>
+      <p:sp>
+        <p:nvSpPr>
+          <p:cNvPr id="5" name="Ορθογώνιο 4">
+            <a:extLst>
+              <a:ext uri="{FF2B5EF4-FFF2-40B4-BE49-F238E27FC236}">
+                <a16:creationId xmlns:a16="http://schemas.microsoft.com/office/drawing/2014/main" id="{9F0A1C7D-0A2C-4CEB-BA11-F7E1B1AD51AA}"/>
               </a:ext>
             </a:extLst>
           </p:cNvPr>
@@ -4805,8 +4831,8 @@
         </p:nvSpPr>
         <p:spPr>
           <a:xfrm>
-            <a:off x="838200" y="1847455"/>
-            <a:ext cx="8847338" cy="4401205"/>
+            <a:off x="838201" y="1760818"/>
+            <a:ext cx="6734452" cy="4616648"/>
           </a:xfrm>
           <a:prstGeom prst="rect">
             <a:avLst/>
@@ -4836,7 +4862,27 @@
                 <a:effectLst/>
                 <a:latin typeface="Consolas" panose="020B0609020204030204" pitchFamily="49" charset="0"/>
               </a:rPr>
-              <a:t>&lt;iostream&gt;</a:t>
+              <a:t>&lt;</a:t>
+            </a:r>
+            <a:r>
+              <a:rPr lang="en-US" sz="1400" b="0" dirty="0" err="1">
+                <a:solidFill>
+                  <a:srgbClr val="A31515"/>
+                </a:solidFill>
+                <a:effectLst/>
+                <a:latin typeface="Consolas" panose="020B0609020204030204" pitchFamily="49" charset="0"/>
+              </a:rPr>
+              <a:t>stdio.h</a:t>
+            </a:r>
+            <a:r>
+              <a:rPr lang="en-US" sz="1400" b="0" dirty="0">
+                <a:solidFill>
+                  <a:srgbClr val="A31515"/>
+                </a:solidFill>
+                <a:effectLst/>
+                <a:latin typeface="Consolas" panose="020B0609020204030204" pitchFamily="49" charset="0"/>
+              </a:rPr>
+              <a:t>&gt;</a:t>
             </a:r>
             <a:endParaRPr lang="en-US" sz="1400" b="0" dirty="0">
               <a:solidFill>
@@ -4855,7 +4901,181 @@
                 <a:effectLst/>
                 <a:latin typeface="Consolas" panose="020B0609020204030204" pitchFamily="49" charset="0"/>
               </a:rPr>
-              <a:t>using</a:t>
+              <a:t>#include </a:t>
+            </a:r>
+            <a:r>
+              <a:rPr lang="en-US" sz="1400" b="0" dirty="0">
+                <a:solidFill>
+                  <a:srgbClr val="A31515"/>
+                </a:solidFill>
+                <a:effectLst/>
+                <a:latin typeface="Consolas" panose="020B0609020204030204" pitchFamily="49" charset="0"/>
+              </a:rPr>
+              <a:t>&lt;</a:t>
+            </a:r>
+            <a:r>
+              <a:rPr lang="en-US" sz="1400" b="0" dirty="0" err="1">
+                <a:solidFill>
+                  <a:srgbClr val="A31515"/>
+                </a:solidFill>
+                <a:effectLst/>
+                <a:latin typeface="Consolas" panose="020B0609020204030204" pitchFamily="49" charset="0"/>
+              </a:rPr>
+              <a:t>stdlib.h</a:t>
+            </a:r>
+            <a:r>
+              <a:rPr lang="en-US" sz="1400" b="0" dirty="0">
+                <a:solidFill>
+                  <a:srgbClr val="A31515"/>
+                </a:solidFill>
+                <a:effectLst/>
+                <a:latin typeface="Consolas" panose="020B0609020204030204" pitchFamily="49" charset="0"/>
+              </a:rPr>
+              <a:t>&gt;</a:t>
+            </a:r>
+            <a:endParaRPr lang="en-US" sz="1400" b="0" dirty="0">
+              <a:solidFill>
+                <a:srgbClr val="000000"/>
+              </a:solidFill>
+              <a:effectLst/>
+              <a:latin typeface="Consolas" panose="020B0609020204030204" pitchFamily="49" charset="0"/>
+            </a:endParaRPr>
+          </a:p>
+          <a:p>
+            <a:r>
+              <a:rPr lang="en-US" sz="1400" b="0" dirty="0">
+                <a:solidFill>
+                  <a:srgbClr val="0000FF"/>
+                </a:solidFill>
+                <a:effectLst/>
+                <a:latin typeface="Consolas" panose="020B0609020204030204" pitchFamily="49" charset="0"/>
+              </a:rPr>
+              <a:t>struct</a:t>
+            </a:r>
+            <a:r>
+              <a:rPr lang="en-US" sz="1400" b="0" dirty="0">
+                <a:solidFill>
+                  <a:srgbClr val="000000"/>
+                </a:solidFill>
+                <a:effectLst/>
+                <a:latin typeface="Consolas" panose="020B0609020204030204" pitchFamily="49" charset="0"/>
+              </a:rPr>
+              <a:t> node</a:t>
+            </a:r>
+            <a:r>
+              <a:rPr lang="el-GR" sz="1400" b="0" dirty="0">
+                <a:solidFill>
+                  <a:srgbClr val="000000"/>
+                </a:solidFill>
+                <a:effectLst/>
+                <a:latin typeface="Consolas" panose="020B0609020204030204" pitchFamily="49" charset="0"/>
+              </a:rPr>
+              <a:t> </a:t>
+            </a:r>
+            <a:r>
+              <a:rPr lang="en-US" sz="1400" b="0" dirty="0">
+                <a:solidFill>
+                  <a:srgbClr val="000000"/>
+                </a:solidFill>
+                <a:effectLst/>
+                <a:latin typeface="Consolas" panose="020B0609020204030204" pitchFamily="49" charset="0"/>
+              </a:rPr>
+              <a:t>{</a:t>
+            </a:r>
+          </a:p>
+          <a:p>
+            <a:r>
+              <a:rPr lang="en-US" sz="1400" b="0" dirty="0">
+                <a:solidFill>
+                  <a:srgbClr val="000000"/>
+                </a:solidFill>
+                <a:effectLst/>
+                <a:latin typeface="Consolas" panose="020B0609020204030204" pitchFamily="49" charset="0"/>
+              </a:rPr>
+              <a:t>  </a:t>
+            </a:r>
+            <a:r>
+              <a:rPr lang="en-US" sz="1400" b="0" dirty="0">
+                <a:solidFill>
+                  <a:srgbClr val="0000FF"/>
+                </a:solidFill>
+                <a:effectLst/>
+                <a:latin typeface="Consolas" panose="020B0609020204030204" pitchFamily="49" charset="0"/>
+              </a:rPr>
+              <a:t>int</a:t>
+            </a:r>
+            <a:r>
+              <a:rPr lang="en-US" sz="1400" b="0" dirty="0">
+                <a:solidFill>
+                  <a:srgbClr val="000000"/>
+                </a:solidFill>
+                <a:effectLst/>
+                <a:latin typeface="Consolas" panose="020B0609020204030204" pitchFamily="49" charset="0"/>
+              </a:rPr>
+              <a:t> data;</a:t>
+            </a:r>
+          </a:p>
+          <a:p>
+            <a:r>
+              <a:rPr lang="en-US" sz="1400" b="0" dirty="0">
+                <a:solidFill>
+                  <a:srgbClr val="000000"/>
+                </a:solidFill>
+                <a:effectLst/>
+                <a:latin typeface="Consolas" panose="020B0609020204030204" pitchFamily="49" charset="0"/>
+              </a:rPr>
+              <a:t>  </a:t>
+            </a:r>
+            <a:r>
+              <a:rPr lang="en-US" sz="1400" b="0" dirty="0">
+                <a:solidFill>
+                  <a:srgbClr val="0000FF"/>
+                </a:solidFill>
+                <a:effectLst/>
+                <a:latin typeface="Consolas" panose="020B0609020204030204" pitchFamily="49" charset="0"/>
+              </a:rPr>
+              <a:t>struct</a:t>
+            </a:r>
+            <a:r>
+              <a:rPr lang="en-US" sz="1400" b="0" dirty="0">
+                <a:solidFill>
+                  <a:srgbClr val="000000"/>
+                </a:solidFill>
+                <a:effectLst/>
+                <a:latin typeface="Consolas" panose="020B0609020204030204" pitchFamily="49" charset="0"/>
+              </a:rPr>
+              <a:t> node *next;</a:t>
+            </a:r>
+          </a:p>
+          <a:p>
+            <a:r>
+              <a:rPr lang="en-US" sz="1400" b="0" dirty="0">
+                <a:solidFill>
+                  <a:srgbClr val="000000"/>
+                </a:solidFill>
+                <a:effectLst/>
+                <a:latin typeface="Consolas" panose="020B0609020204030204" pitchFamily="49" charset="0"/>
+              </a:rPr>
+              <a:t>};</a:t>
+            </a:r>
+            <a:br>
+              <a:rPr lang="en-US" sz="1400" b="0" dirty="0">
+                <a:solidFill>
+                  <a:srgbClr val="000000"/>
+                </a:solidFill>
+                <a:effectLst/>
+                <a:latin typeface="Consolas" panose="020B0609020204030204" pitchFamily="49" charset="0"/>
+              </a:rPr>
+            </a:br>
+            <a:r>
+              <a:rPr lang="en-US" sz="1400" b="0" dirty="0">
+                <a:solidFill>
+                  <a:srgbClr val="0000FF"/>
+                </a:solidFill>
+                <a:effectLst/>
+                <a:latin typeface="Consolas" panose="020B0609020204030204" pitchFamily="49" charset="0"/>
+              </a:rPr>
+              <a:t>void</a:t>
             </a:r>
             <a:r>
               <a:rPr lang="en-US" sz="1400" b="0" dirty="0">
@@ -4868,6 +5088,26 @@
               <a:t> </a:t>
             </a:r>
             <a:r>
+              <a:rPr lang="en-US" sz="1400" b="0" dirty="0" err="1">
+                <a:solidFill>
+                  <a:srgbClr val="000000"/>
+                </a:solidFill>
+                <a:effectLst/>
+                <a:latin typeface="Consolas" panose="020B0609020204030204" pitchFamily="49" charset="0"/>
+              </a:rPr>
+              <a:t>push_front</a:t>
+            </a:r>
+            <a:r>
+              <a:rPr lang="en-US" sz="1400" b="0" dirty="0">
+                <a:solidFill>
+                  <a:srgbClr val="000000"/>
+                </a:solidFill>
+                <a:effectLst/>
+                <a:latin typeface="Consolas" panose="020B0609020204030204" pitchFamily="49" charset="0"/>
+              </a:rPr>
+              <a:t>(</a:t>
+            </a:r>
+            <a:r>
               <a:rPr lang="en-US" sz="1400" b="0" dirty="0">
                 <a:solidFill>
                   <a:srgbClr val="0000FF"/>
@@ -4875,20 +5115,18 @@
                 <a:effectLst/>
                 <a:latin typeface="Consolas" panose="020B0609020204030204" pitchFamily="49" charset="0"/>
               </a:rPr>
-              <a:t>namespace</a:t>
-            </a:r>
-            <a:r>
-              <a:rPr lang="en-US" sz="1400" b="0" dirty="0">
-                <a:solidFill>
-                  <a:srgbClr val="000000"/>
-                </a:solidFill>
-                <a:effectLst/>
-                <a:latin typeface="Consolas" panose="020B0609020204030204" pitchFamily="49" charset="0"/>
-              </a:rPr>
-              <a:t> std;</a:t>
-            </a:r>
-          </a:p>
-          <a:p>
+              <a:t>struct</a:t>
+            </a:r>
+            <a:r>
+              <a:rPr lang="en-US" sz="1400" b="0" dirty="0">
+                <a:solidFill>
+                  <a:srgbClr val="000000"/>
+                </a:solidFill>
+                <a:effectLst/>
+                <a:latin typeface="Consolas" panose="020B0609020204030204" pitchFamily="49" charset="0"/>
+              </a:rPr>
+              <a:t> node **head, </a:t>
+            </a:r>
             <a:r>
               <a:rPr lang="en-US" sz="1400" b="0" dirty="0">
                 <a:solidFill>
@@ -4897,6 +5135,58 @@
                 <a:effectLst/>
                 <a:latin typeface="Consolas" panose="020B0609020204030204" pitchFamily="49" charset="0"/>
               </a:rPr>
+              <a:t>int</a:t>
+            </a:r>
+            <a:r>
+              <a:rPr lang="en-US" sz="1400" b="0" dirty="0">
+                <a:solidFill>
+                  <a:srgbClr val="000000"/>
+                </a:solidFill>
+                <a:effectLst/>
+                <a:latin typeface="Consolas" panose="020B0609020204030204" pitchFamily="49" charset="0"/>
+              </a:rPr>
+              <a:t> data)</a:t>
+            </a:r>
+            <a:r>
+              <a:rPr lang="el-GR" sz="1400" b="0" dirty="0">
+                <a:solidFill>
+                  <a:srgbClr val="000000"/>
+                </a:solidFill>
+                <a:effectLst/>
+                <a:latin typeface="Consolas" panose="020B0609020204030204" pitchFamily="49" charset="0"/>
+              </a:rPr>
+              <a:t> </a:t>
+            </a:r>
+            <a:r>
+              <a:rPr lang="en-US" sz="1400" b="0" dirty="0">
+                <a:solidFill>
+                  <a:srgbClr val="000000"/>
+                </a:solidFill>
+                <a:effectLst/>
+                <a:latin typeface="Consolas" panose="020B0609020204030204" pitchFamily="49" charset="0"/>
+              </a:rPr>
+              <a:t>{</a:t>
+            </a:r>
+          </a:p>
+          <a:p>
+            <a:r>
+              <a:rPr lang="en-US" sz="1400" b="0" dirty="0">
+                <a:solidFill>
+                  <a:srgbClr val="000000"/>
+                </a:solidFill>
+                <a:effectLst/>
+                <a:latin typeface="Consolas" panose="020B0609020204030204" pitchFamily="49" charset="0"/>
+              </a:rPr>
+              <a:t>  </a:t>
+            </a:r>
+            <a:r>
+              <a:rPr lang="en-US" sz="1400" b="0" dirty="0">
+                <a:solidFill>
+                  <a:srgbClr val="0000FF"/>
+                </a:solidFill>
+                <a:effectLst/>
+                <a:latin typeface="Consolas" panose="020B0609020204030204" pitchFamily="49" charset="0"/>
+              </a:rPr>
               <a:t>struct</a:t>
             </a:r>
             <a:r>
@@ -4907,7 +5197,67 @@
                 <a:effectLst/>
                 <a:latin typeface="Consolas" panose="020B0609020204030204" pitchFamily="49" charset="0"/>
               </a:rPr>
-              <a:t> node {</a:t>
+              <a:t> node *</a:t>
+            </a:r>
+            <a:r>
+              <a:rPr lang="en-US" sz="1400" b="0" dirty="0" err="1">
+                <a:solidFill>
+                  <a:srgbClr val="000000"/>
+                </a:solidFill>
+                <a:effectLst/>
+                <a:latin typeface="Consolas" panose="020B0609020204030204" pitchFamily="49" charset="0"/>
+              </a:rPr>
+              <a:t>new_node</a:t>
+            </a:r>
+            <a:r>
+              <a:rPr lang="en-US" sz="1400" b="0" dirty="0">
+                <a:solidFill>
+                  <a:srgbClr val="000000"/>
+                </a:solidFill>
+                <a:effectLst/>
+                <a:latin typeface="Consolas" panose="020B0609020204030204" pitchFamily="49" charset="0"/>
+              </a:rPr>
+              <a:t> = malloc(</a:t>
+            </a:r>
+            <a:r>
+              <a:rPr lang="en-US" sz="1400" b="0" dirty="0" err="1">
+                <a:solidFill>
+                  <a:srgbClr val="0000FF"/>
+                </a:solidFill>
+                <a:effectLst/>
+                <a:latin typeface="Consolas" panose="020B0609020204030204" pitchFamily="49" charset="0"/>
+              </a:rPr>
+              <a:t>sizeof</a:t>
+            </a:r>
+            <a:r>
+              <a:rPr lang="en-US" sz="1400" b="0" dirty="0">
+                <a:solidFill>
+                  <a:srgbClr val="000000"/>
+                </a:solidFill>
+                <a:effectLst/>
+                <a:latin typeface="Consolas" panose="020B0609020204030204" pitchFamily="49" charset="0"/>
+              </a:rPr>
+              <a:t>(</a:t>
+            </a:r>
+            <a:r>
+              <a:rPr lang="en-US" sz="1400" b="0" dirty="0">
+                <a:solidFill>
+                  <a:srgbClr val="0000FF"/>
+                </a:solidFill>
+                <a:effectLst/>
+                <a:latin typeface="Consolas" panose="020B0609020204030204" pitchFamily="49" charset="0"/>
+              </a:rPr>
+              <a:t>struct</a:t>
+            </a:r>
+            <a:r>
+              <a:rPr lang="en-US" sz="1400" b="0" dirty="0">
+                <a:solidFill>
+                  <a:srgbClr val="000000"/>
+                </a:solidFill>
+                <a:effectLst/>
+                <a:latin typeface="Consolas" panose="020B0609020204030204" pitchFamily="49" charset="0"/>
+              </a:rPr>
+              <a:t> node));</a:t>
             </a:r>
           </a:p>
           <a:p>
@@ -4922,6 +5272,111 @@
               <a:t>  </a:t>
             </a:r>
             <a:r>
+              <a:rPr lang="en-US" sz="1400" b="0" dirty="0" err="1">
+                <a:solidFill>
+                  <a:srgbClr val="000000"/>
+                </a:solidFill>
+                <a:effectLst/>
+                <a:latin typeface="Consolas" panose="020B0609020204030204" pitchFamily="49" charset="0"/>
+              </a:rPr>
+              <a:t>new_node</a:t>
+            </a:r>
+            <a:r>
+              <a:rPr lang="en-US" sz="1400" b="0" dirty="0">
+                <a:solidFill>
+                  <a:srgbClr val="000000"/>
+                </a:solidFill>
+                <a:effectLst/>
+                <a:latin typeface="Consolas" panose="020B0609020204030204" pitchFamily="49" charset="0"/>
+              </a:rPr>
+              <a:t>-&gt;data = data;</a:t>
+            </a:r>
+          </a:p>
+          <a:p>
+            <a:r>
+              <a:rPr lang="en-US" sz="1400" b="0" dirty="0">
+                <a:solidFill>
+                  <a:srgbClr val="000000"/>
+                </a:solidFill>
+                <a:effectLst/>
+                <a:latin typeface="Consolas" panose="020B0609020204030204" pitchFamily="49" charset="0"/>
+              </a:rPr>
+              <a:t>  </a:t>
+            </a:r>
+            <a:r>
+              <a:rPr lang="en-US" sz="1400" b="0" dirty="0" err="1">
+                <a:solidFill>
+                  <a:srgbClr val="000000"/>
+                </a:solidFill>
+                <a:effectLst/>
+                <a:latin typeface="Consolas" panose="020B0609020204030204" pitchFamily="49" charset="0"/>
+              </a:rPr>
+              <a:t>new_node</a:t>
+            </a:r>
+            <a:r>
+              <a:rPr lang="en-US" sz="1400" b="0" dirty="0">
+                <a:solidFill>
+                  <a:srgbClr val="000000"/>
+                </a:solidFill>
+                <a:effectLst/>
+                <a:latin typeface="Consolas" panose="020B0609020204030204" pitchFamily="49" charset="0"/>
+              </a:rPr>
+              <a:t>-&gt;next = *head;</a:t>
+            </a:r>
+          </a:p>
+          <a:p>
+            <a:r>
+              <a:rPr lang="en-US" sz="1400" b="0" dirty="0">
+                <a:solidFill>
+                  <a:srgbClr val="000000"/>
+                </a:solidFill>
+                <a:effectLst/>
+                <a:latin typeface="Consolas" panose="020B0609020204030204" pitchFamily="49" charset="0"/>
+              </a:rPr>
+              <a:t>  *head = </a:t>
+            </a:r>
+            <a:r>
+              <a:rPr lang="en-US" sz="1400" b="0" dirty="0" err="1">
+                <a:solidFill>
+                  <a:srgbClr val="000000"/>
+                </a:solidFill>
+                <a:effectLst/>
+                <a:latin typeface="Consolas" panose="020B0609020204030204" pitchFamily="49" charset="0"/>
+              </a:rPr>
+              <a:t>new_node</a:t>
+            </a:r>
+            <a:r>
+              <a:rPr lang="en-US" sz="1400" b="0" dirty="0">
+                <a:solidFill>
+                  <a:srgbClr val="000000"/>
+                </a:solidFill>
+                <a:effectLst/>
+                <a:latin typeface="Consolas" panose="020B0609020204030204" pitchFamily="49" charset="0"/>
+              </a:rPr>
+              <a:t>;</a:t>
+            </a:r>
+          </a:p>
+          <a:p>
+            <a:r>
+              <a:rPr lang="en-US" sz="1400" b="0" dirty="0">
+                <a:solidFill>
+                  <a:srgbClr val="000000"/>
+                </a:solidFill>
+                <a:effectLst/>
+                <a:latin typeface="Consolas" panose="020B0609020204030204" pitchFamily="49" charset="0"/>
+              </a:rPr>
+              <a:t>}</a:t>
+            </a:r>
+            <a:br>
+              <a:rPr lang="en-US" sz="1400" b="0" dirty="0">
+                <a:solidFill>
+                  <a:srgbClr val="000000"/>
+                </a:solidFill>
+                <a:effectLst/>
+                <a:latin typeface="Consolas" panose="020B0609020204030204" pitchFamily="49" charset="0"/>
+              </a:rPr>
+            </a:br>
+            <a:r>
               <a:rPr lang="en-US" sz="1400" b="0" dirty="0">
                 <a:solidFill>
                   <a:srgbClr val="0000FF"/>
@@ -4939,7 +5394,47 @@
                 <a:effectLst/>
                 <a:latin typeface="Consolas" panose="020B0609020204030204" pitchFamily="49" charset="0"/>
               </a:rPr>
-              <a:t> data;</a:t>
+              <a:t> main(</a:t>
+            </a:r>
+            <a:r>
+              <a:rPr lang="en-US" sz="1400" b="0" dirty="0">
+                <a:solidFill>
+                  <a:srgbClr val="0000FF"/>
+                </a:solidFill>
+                <a:effectLst/>
+                <a:latin typeface="Consolas" panose="020B0609020204030204" pitchFamily="49" charset="0"/>
+              </a:rPr>
+              <a:t>void</a:t>
+            </a:r>
+            <a:r>
+              <a:rPr lang="en-US" sz="1400" b="0" dirty="0">
+                <a:solidFill>
+                  <a:srgbClr val="000000"/>
+                </a:solidFill>
+                <a:effectLst/>
+                <a:latin typeface="Consolas" panose="020B0609020204030204" pitchFamily="49" charset="0"/>
+              </a:rPr>
+              <a:t>)</a:t>
+            </a:r>
+            <a:r>
+              <a:rPr lang="el-GR" sz="1400" b="0" dirty="0">
+                <a:solidFill>
+                  <a:srgbClr val="000000"/>
+                </a:solidFill>
+                <a:effectLst/>
+                <a:latin typeface="Consolas" panose="020B0609020204030204" pitchFamily="49" charset="0"/>
+              </a:rPr>
+              <a:t> </a:t>
+            </a:r>
+            <a:r>
+              <a:rPr lang="en-US" sz="1400" b="0" dirty="0">
+                <a:solidFill>
+                  <a:srgbClr val="000000"/>
+                </a:solidFill>
+                <a:effectLst/>
+                <a:latin typeface="Consolas" panose="020B0609020204030204" pitchFamily="49" charset="0"/>
+              </a:rPr>
+              <a:t>{</a:t>
             </a:r>
           </a:p>
           <a:p>
@@ -4971,7 +5466,7 @@
                 <a:effectLst/>
                 <a:latin typeface="Consolas" panose="020B0609020204030204" pitchFamily="49" charset="0"/>
               </a:rPr>
-              <a:t> node </a:t>
+              <a:t> node *head = </a:t>
             </a:r>
             <a:r>
               <a:rPr lang="en-US" sz="1400" b="0" dirty="0">
@@ -4981,32 +5476,193 @@
                 <a:effectLst/>
                 <a:latin typeface="Consolas" panose="020B0609020204030204" pitchFamily="49" charset="0"/>
               </a:rPr>
-              <a:t>*</a:t>
-            </a:r>
-            <a:r>
-              <a:rPr lang="en-US" sz="1400" b="0" dirty="0">
-                <a:solidFill>
-                  <a:srgbClr val="000000"/>
-                </a:solidFill>
-                <a:effectLst/>
-                <a:latin typeface="Consolas" panose="020B0609020204030204" pitchFamily="49" charset="0"/>
-              </a:rPr>
-              <a:t>next;</a:t>
-            </a:r>
-          </a:p>
-          <a:p>
-            <a:r>
-              <a:rPr lang="en-US" sz="1400" b="0" dirty="0">
-                <a:solidFill>
-                  <a:srgbClr val="000000"/>
-                </a:solidFill>
-                <a:effectLst/>
-                <a:latin typeface="Consolas" panose="020B0609020204030204" pitchFamily="49" charset="0"/>
-              </a:rPr>
-              <a:t>};</a:t>
-            </a:r>
-          </a:p>
-          <a:p>
+              <a:t>NULL</a:t>
+            </a:r>
+            <a:r>
+              <a:rPr lang="en-US" sz="1400" b="0" dirty="0">
+                <a:solidFill>
+                  <a:srgbClr val="000000"/>
+                </a:solidFill>
+                <a:effectLst/>
+                <a:latin typeface="Consolas" panose="020B0609020204030204" pitchFamily="49" charset="0"/>
+              </a:rPr>
+              <a:t>;</a:t>
+            </a:r>
+          </a:p>
+          <a:p>
+            <a:r>
+              <a:rPr lang="en-US" sz="1400" b="0" dirty="0">
+                <a:solidFill>
+                  <a:srgbClr val="000000"/>
+                </a:solidFill>
+                <a:effectLst/>
+                <a:latin typeface="Consolas" panose="020B0609020204030204" pitchFamily="49" charset="0"/>
+              </a:rPr>
+              <a:t>  </a:t>
+            </a:r>
+            <a:r>
+              <a:rPr lang="en-US" sz="1400" b="0" dirty="0" err="1">
+                <a:solidFill>
+                  <a:srgbClr val="000000"/>
+                </a:solidFill>
+                <a:effectLst/>
+                <a:latin typeface="Consolas" panose="020B0609020204030204" pitchFamily="49" charset="0"/>
+              </a:rPr>
+              <a:t>push_front</a:t>
+            </a:r>
+            <a:r>
+              <a:rPr lang="en-US" sz="1400" b="0" dirty="0">
+                <a:solidFill>
+                  <a:srgbClr val="000000"/>
+                </a:solidFill>
+                <a:effectLst/>
+                <a:latin typeface="Consolas" panose="020B0609020204030204" pitchFamily="49" charset="0"/>
+              </a:rPr>
+              <a:t>(&amp;head, </a:t>
+            </a:r>
+            <a:r>
+              <a:rPr lang="en-US" sz="1400" b="0" dirty="0">
+                <a:solidFill>
+                  <a:srgbClr val="09885A"/>
+                </a:solidFill>
+                <a:effectLst/>
+                <a:latin typeface="Consolas" panose="020B0609020204030204" pitchFamily="49" charset="0"/>
+              </a:rPr>
+              <a:t>5</a:t>
+            </a:r>
+            <a:r>
+              <a:rPr lang="en-US" sz="1400" b="0" dirty="0">
+                <a:solidFill>
+                  <a:srgbClr val="000000"/>
+                </a:solidFill>
+                <a:effectLst/>
+                <a:latin typeface="Consolas" panose="020B0609020204030204" pitchFamily="49" charset="0"/>
+              </a:rPr>
+              <a:t>);</a:t>
+            </a:r>
+          </a:p>
+          <a:p>
+            <a:r>
+              <a:rPr lang="en-US" sz="1400" b="0" dirty="0">
+                <a:solidFill>
+                  <a:srgbClr val="000000"/>
+                </a:solidFill>
+                <a:effectLst/>
+                <a:latin typeface="Consolas" panose="020B0609020204030204" pitchFamily="49" charset="0"/>
+              </a:rPr>
+              <a:t>  </a:t>
+            </a:r>
+            <a:r>
+              <a:rPr lang="en-US" sz="1400" b="0" dirty="0" err="1">
+                <a:solidFill>
+                  <a:srgbClr val="000000"/>
+                </a:solidFill>
+                <a:effectLst/>
+                <a:latin typeface="Consolas" panose="020B0609020204030204" pitchFamily="49" charset="0"/>
+              </a:rPr>
+              <a:t>push_front</a:t>
+            </a:r>
+            <a:r>
+              <a:rPr lang="en-US" sz="1400" b="0" dirty="0">
+                <a:solidFill>
+                  <a:srgbClr val="000000"/>
+                </a:solidFill>
+                <a:effectLst/>
+                <a:latin typeface="Consolas" panose="020B0609020204030204" pitchFamily="49" charset="0"/>
+              </a:rPr>
+              <a:t>(&amp;head, </a:t>
+            </a:r>
+            <a:r>
+              <a:rPr lang="en-US" sz="1400" b="0" dirty="0">
+                <a:solidFill>
+                  <a:srgbClr val="09885A"/>
+                </a:solidFill>
+                <a:effectLst/>
+                <a:latin typeface="Consolas" panose="020B0609020204030204" pitchFamily="49" charset="0"/>
+              </a:rPr>
+              <a:t>7</a:t>
+            </a:r>
+            <a:r>
+              <a:rPr lang="en-US" sz="1400" b="0" dirty="0">
+                <a:solidFill>
+                  <a:srgbClr val="000000"/>
+                </a:solidFill>
+                <a:effectLst/>
+                <a:latin typeface="Consolas" panose="020B0609020204030204" pitchFamily="49" charset="0"/>
+              </a:rPr>
+              <a:t>);</a:t>
+            </a:r>
+          </a:p>
+          <a:p>
+            <a:r>
+              <a:rPr lang="en-US" sz="1400" b="0" dirty="0">
+                <a:solidFill>
+                  <a:srgbClr val="000000"/>
+                </a:solidFill>
+                <a:effectLst/>
+                <a:latin typeface="Consolas" panose="020B0609020204030204" pitchFamily="49" charset="0"/>
+              </a:rPr>
+              <a:t>  </a:t>
+            </a:r>
+            <a:r>
+              <a:rPr lang="en-US" sz="1400" b="0" dirty="0" err="1">
+                <a:solidFill>
+                  <a:srgbClr val="000000"/>
+                </a:solidFill>
+                <a:effectLst/>
+                <a:latin typeface="Consolas" panose="020B0609020204030204" pitchFamily="49" charset="0"/>
+              </a:rPr>
+              <a:t>push_front</a:t>
+            </a:r>
+            <a:r>
+              <a:rPr lang="en-US" sz="1400" b="0" dirty="0">
+                <a:solidFill>
+                  <a:srgbClr val="000000"/>
+                </a:solidFill>
+                <a:effectLst/>
+                <a:latin typeface="Consolas" panose="020B0609020204030204" pitchFamily="49" charset="0"/>
+              </a:rPr>
+              <a:t>(&amp;head, </a:t>
+            </a:r>
+            <a:r>
+              <a:rPr lang="en-US" sz="1400" b="0" dirty="0">
+                <a:solidFill>
+                  <a:srgbClr val="09885A"/>
+                </a:solidFill>
+                <a:effectLst/>
+                <a:latin typeface="Consolas" panose="020B0609020204030204" pitchFamily="49" charset="0"/>
+              </a:rPr>
+              <a:t>2</a:t>
+            </a:r>
+            <a:r>
+              <a:rPr lang="en-US" sz="1400" b="0" dirty="0">
+                <a:solidFill>
+                  <a:srgbClr val="000000"/>
+                </a:solidFill>
+                <a:effectLst/>
+                <a:latin typeface="Consolas" panose="020B0609020204030204" pitchFamily="49" charset="0"/>
+              </a:rPr>
+              <a:t>);</a:t>
+            </a:r>
+            <a:br>
+              <a:rPr lang="en-US" sz="1400" b="0" dirty="0">
+                <a:solidFill>
+                  <a:srgbClr val="000000"/>
+                </a:solidFill>
+                <a:effectLst/>
+                <a:latin typeface="Consolas" panose="020B0609020204030204" pitchFamily="49" charset="0"/>
+              </a:rPr>
+            </a:br>
+            <a:r>
+              <a:rPr lang="en-US" sz="1400" b="0" dirty="0">
+                <a:solidFill>
+                  <a:srgbClr val="000000"/>
+                </a:solidFill>
+                <a:effectLst/>
+                <a:latin typeface="Consolas" panose="020B0609020204030204" pitchFamily="49" charset="0"/>
+              </a:rPr>
+              <a:t>  </a:t>
+            </a:r>
             <a:r>
               <a:rPr lang="en-US" sz="1400" b="0" dirty="0">
                 <a:solidFill>
@@ -5015,17 +5671,37 @@
                 <a:effectLst/>
                 <a:latin typeface="Consolas" panose="020B0609020204030204" pitchFamily="49" charset="0"/>
               </a:rPr>
-              <a:t>void</a:t>
-            </a:r>
-            <a:r>
-              <a:rPr lang="en-US" sz="1400" b="0" dirty="0">
-                <a:solidFill>
-                  <a:srgbClr val="000000"/>
-                </a:solidFill>
-                <a:effectLst/>
-                <a:latin typeface="Consolas" panose="020B0609020204030204" pitchFamily="49" charset="0"/>
-              </a:rPr>
-              <a:t> </a:t>
+              <a:t>for</a:t>
+            </a:r>
+            <a:r>
+              <a:rPr lang="en-US" sz="1400" b="0" dirty="0">
+                <a:solidFill>
+                  <a:srgbClr val="000000"/>
+                </a:solidFill>
+                <a:effectLst/>
+                <a:latin typeface="Consolas" panose="020B0609020204030204" pitchFamily="49" charset="0"/>
+              </a:rPr>
+              <a:t> (</a:t>
+            </a:r>
+            <a:r>
+              <a:rPr lang="en-US" sz="1400" b="0" dirty="0">
+                <a:solidFill>
+                  <a:srgbClr val="0000FF"/>
+                </a:solidFill>
+                <a:effectLst/>
+                <a:latin typeface="Consolas" panose="020B0609020204030204" pitchFamily="49" charset="0"/>
+              </a:rPr>
+              <a:t>struct</a:t>
+            </a:r>
+            <a:r>
+              <a:rPr lang="en-US" sz="1400" b="0" dirty="0">
+                <a:solidFill>
+                  <a:srgbClr val="000000"/>
+                </a:solidFill>
+                <a:effectLst/>
+                <a:latin typeface="Consolas" panose="020B0609020204030204" pitchFamily="49" charset="0"/>
+              </a:rPr>
+              <a:t> node *</a:t>
             </a:r>
             <a:r>
               <a:rPr lang="en-US" sz="1400" b="0" dirty="0" err="1">
@@ -5035,7 +5711,119 @@
                 <a:effectLst/>
                 <a:latin typeface="Consolas" panose="020B0609020204030204" pitchFamily="49" charset="0"/>
               </a:rPr>
-              <a:t>push_front</a:t>
+              <a:t>ptr</a:t>
+            </a:r>
+            <a:r>
+              <a:rPr lang="en-US" sz="1400" b="0" dirty="0">
+                <a:solidFill>
+                  <a:srgbClr val="000000"/>
+                </a:solidFill>
+                <a:effectLst/>
+                <a:latin typeface="Consolas" panose="020B0609020204030204" pitchFamily="49" charset="0"/>
+              </a:rPr>
+              <a:t> = head; </a:t>
+            </a:r>
+            <a:r>
+              <a:rPr lang="en-US" sz="1400" b="0" dirty="0" err="1">
+                <a:solidFill>
+                  <a:srgbClr val="000000"/>
+                </a:solidFill>
+                <a:effectLst/>
+                <a:latin typeface="Consolas" panose="020B0609020204030204" pitchFamily="49" charset="0"/>
+              </a:rPr>
+              <a:t>ptr</a:t>
+            </a:r>
+            <a:r>
+              <a:rPr lang="en-US" sz="1400" b="0" dirty="0">
+                <a:solidFill>
+                  <a:srgbClr val="000000"/>
+                </a:solidFill>
+                <a:effectLst/>
+                <a:latin typeface="Consolas" panose="020B0609020204030204" pitchFamily="49" charset="0"/>
+              </a:rPr>
+              <a:t> != </a:t>
+            </a:r>
+            <a:r>
+              <a:rPr lang="en-US" sz="1400" b="0" dirty="0">
+                <a:solidFill>
+                  <a:srgbClr val="0000FF"/>
+                </a:solidFill>
+                <a:effectLst/>
+                <a:latin typeface="Consolas" panose="020B0609020204030204" pitchFamily="49" charset="0"/>
+              </a:rPr>
+              <a:t>NULL</a:t>
+            </a:r>
+            <a:r>
+              <a:rPr lang="en-US" sz="1400" b="0" dirty="0">
+                <a:solidFill>
+                  <a:srgbClr val="000000"/>
+                </a:solidFill>
+                <a:effectLst/>
+                <a:latin typeface="Consolas" panose="020B0609020204030204" pitchFamily="49" charset="0"/>
+              </a:rPr>
+              <a:t>; </a:t>
+            </a:r>
+            <a:r>
+              <a:rPr lang="en-US" sz="1400" b="0" dirty="0" err="1">
+                <a:solidFill>
+                  <a:srgbClr val="000000"/>
+                </a:solidFill>
+                <a:effectLst/>
+                <a:latin typeface="Consolas" panose="020B0609020204030204" pitchFamily="49" charset="0"/>
+              </a:rPr>
+              <a:t>ptr</a:t>
+            </a:r>
+            <a:r>
+              <a:rPr lang="en-US" sz="1400" b="0" dirty="0">
+                <a:solidFill>
+                  <a:srgbClr val="000000"/>
+                </a:solidFill>
+                <a:effectLst/>
+                <a:latin typeface="Consolas" panose="020B0609020204030204" pitchFamily="49" charset="0"/>
+              </a:rPr>
+              <a:t> = </a:t>
+            </a:r>
+            <a:r>
+              <a:rPr lang="en-US" sz="1400" b="0" dirty="0" err="1">
+                <a:solidFill>
+                  <a:srgbClr val="000000"/>
+                </a:solidFill>
+                <a:effectLst/>
+                <a:latin typeface="Consolas" panose="020B0609020204030204" pitchFamily="49" charset="0"/>
+              </a:rPr>
+              <a:t>ptr</a:t>
+            </a:r>
+            <a:r>
+              <a:rPr lang="en-US" sz="1400" b="0" dirty="0">
+                <a:solidFill>
+                  <a:srgbClr val="000000"/>
+                </a:solidFill>
+                <a:effectLst/>
+                <a:latin typeface="Consolas" panose="020B0609020204030204" pitchFamily="49" charset="0"/>
+              </a:rPr>
+              <a:t>-&gt;next)</a:t>
+            </a:r>
+          </a:p>
+          <a:p>
+            <a:r>
+              <a:rPr lang="en-US" sz="1400" b="0" dirty="0">
+                <a:solidFill>
+                  <a:srgbClr val="000000"/>
+                </a:solidFill>
+                <a:effectLst/>
+                <a:latin typeface="Consolas" panose="020B0609020204030204" pitchFamily="49" charset="0"/>
+              </a:rPr>
+              <a:t>    </a:t>
+            </a:r>
+            <a:r>
+              <a:rPr lang="en-US" sz="1400" b="0" dirty="0" err="1">
+                <a:solidFill>
+                  <a:srgbClr val="000000"/>
+                </a:solidFill>
+                <a:effectLst/>
+                <a:latin typeface="Consolas" panose="020B0609020204030204" pitchFamily="49" charset="0"/>
+              </a:rPr>
+              <a:t>printf</a:t>
             </a:r>
             <a:r>
               <a:rPr lang="en-US" sz="1400" b="0" dirty="0">
@@ -5050,62 +5838,42 @@
             <a:r>
               <a:rPr lang="en-US" sz="1400" b="0" dirty="0">
                 <a:solidFill>
-                  <a:srgbClr val="0000FF"/>
-                </a:solidFill>
-                <a:effectLst/>
-                <a:latin typeface="Consolas" panose="020B0609020204030204" pitchFamily="49" charset="0"/>
-              </a:rPr>
-              <a:t>struct</a:t>
-            </a:r>
-            <a:r>
-              <a:rPr lang="en-US" sz="1400" b="0" dirty="0">
-                <a:solidFill>
-                  <a:srgbClr val="000000"/>
-                </a:solidFill>
-                <a:effectLst/>
-                <a:latin typeface="Consolas" panose="020B0609020204030204" pitchFamily="49" charset="0"/>
-              </a:rPr>
-              <a:t> node </a:t>
-            </a:r>
-            <a:r>
-              <a:rPr lang="en-US" sz="1400" b="0" dirty="0">
-                <a:solidFill>
-                  <a:srgbClr val="0000FF"/>
-                </a:solidFill>
-                <a:effectLst/>
-                <a:latin typeface="Consolas" panose="020B0609020204030204" pitchFamily="49" charset="0"/>
-              </a:rPr>
-              <a:t>*&amp;</a:t>
-            </a:r>
-            <a:r>
-              <a:rPr lang="en-US" sz="1400" b="0" dirty="0">
-                <a:solidFill>
-                  <a:srgbClr val="000000"/>
-                </a:solidFill>
-                <a:effectLst/>
-                <a:latin typeface="Consolas" panose="020B0609020204030204" pitchFamily="49" charset="0"/>
-              </a:rPr>
-              <a:t>head, </a:t>
-            </a:r>
-            <a:r>
-              <a:rPr lang="en-US" sz="1400" b="0" dirty="0">
-                <a:solidFill>
-                  <a:srgbClr val="0000FF"/>
-                </a:solidFill>
-                <a:effectLst/>
-                <a:latin typeface="Consolas" panose="020B0609020204030204" pitchFamily="49" charset="0"/>
-              </a:rPr>
-              <a:t>int</a:t>
-            </a:r>
-            <a:r>
-              <a:rPr lang="en-US" sz="1400" b="0" dirty="0">
-                <a:solidFill>
-                  <a:srgbClr val="000000"/>
-                </a:solidFill>
-                <a:effectLst/>
-                <a:latin typeface="Consolas" panose="020B0609020204030204" pitchFamily="49" charset="0"/>
-              </a:rPr>
-              <a:t> data) {</a:t>
+                  <a:srgbClr val="A31515"/>
+                </a:solidFill>
+                <a:effectLst/>
+                <a:latin typeface="Consolas" panose="020B0609020204030204" pitchFamily="49" charset="0"/>
+              </a:rPr>
+              <a:t>"%d "</a:t>
+            </a:r>
+            <a:r>
+              <a:rPr lang="en-US" sz="1400" b="0" dirty="0">
+                <a:solidFill>
+                  <a:srgbClr val="000000"/>
+                </a:solidFill>
+                <a:effectLst/>
+                <a:latin typeface="Consolas" panose="020B0609020204030204" pitchFamily="49" charset="0"/>
+              </a:rPr>
+              <a:t>, </a:t>
+            </a:r>
+            <a:r>
+              <a:rPr lang="en-US" sz="1400" b="0" dirty="0" err="1">
+                <a:solidFill>
+                  <a:srgbClr val="000000"/>
+                </a:solidFill>
+                <a:effectLst/>
+                <a:latin typeface="Consolas" panose="020B0609020204030204" pitchFamily="49" charset="0"/>
+              </a:rPr>
+              <a:t>ptr</a:t>
+            </a:r>
+            <a:r>
+              <a:rPr lang="en-US" sz="1400" b="0" dirty="0">
+                <a:solidFill>
+                  <a:srgbClr val="000000"/>
+                </a:solidFill>
+                <a:effectLst/>
+                <a:latin typeface="Consolas" panose="020B0609020204030204" pitchFamily="49" charset="0"/>
+              </a:rPr>
+              <a:t>-&gt;data);</a:t>
             </a:r>
           </a:p>
           <a:p>
@@ -5120,36 +5888,6 @@
               <a:t>  </a:t>
             </a:r>
             <a:r>
-              <a:rPr lang="en-US" sz="1400" b="0" dirty="0">
-                <a:solidFill>
-                  <a:srgbClr val="0000FF"/>
-                </a:solidFill>
-                <a:effectLst/>
-                <a:latin typeface="Consolas" panose="020B0609020204030204" pitchFamily="49" charset="0"/>
-              </a:rPr>
-              <a:t>struct</a:t>
-            </a:r>
-            <a:r>
-              <a:rPr lang="en-US" sz="1400" b="0" dirty="0">
-                <a:solidFill>
-                  <a:srgbClr val="000000"/>
-                </a:solidFill>
-                <a:effectLst/>
-                <a:latin typeface="Consolas" panose="020B0609020204030204" pitchFamily="49" charset="0"/>
-              </a:rPr>
-              <a:t> node </a:t>
-            </a:r>
-            <a:r>
-              <a:rPr lang="en-US" sz="1400" b="0" dirty="0">
-                <a:solidFill>
-                  <a:srgbClr val="0000FF"/>
-                </a:solidFill>
-                <a:effectLst/>
-                <a:latin typeface="Consolas" panose="020B0609020204030204" pitchFamily="49" charset="0"/>
-              </a:rPr>
-              <a:t>*</a:t>
-            </a:r>
-            <a:r>
               <a:rPr lang="en-US" sz="1400" b="0" dirty="0" err="1">
                 <a:solidFill>
                   <a:srgbClr val="000000"/>
@@ -5157,133 +5895,37 @@
                 <a:effectLst/>
                 <a:latin typeface="Consolas" panose="020B0609020204030204" pitchFamily="49" charset="0"/>
               </a:rPr>
-              <a:t>new_node</a:t>
-            </a:r>
-            <a:r>
-              <a:rPr lang="en-US" sz="1400" b="0" dirty="0">
-                <a:solidFill>
-                  <a:srgbClr val="000000"/>
-                </a:solidFill>
-                <a:effectLst/>
-                <a:latin typeface="Consolas" panose="020B0609020204030204" pitchFamily="49" charset="0"/>
-              </a:rPr>
-              <a:t> = </a:t>
-            </a:r>
-            <a:r>
-              <a:rPr lang="en-US" sz="1400" b="0" dirty="0">
-                <a:solidFill>
-                  <a:srgbClr val="0000FF"/>
-                </a:solidFill>
-                <a:effectLst/>
-                <a:latin typeface="Consolas" panose="020B0609020204030204" pitchFamily="49" charset="0"/>
-              </a:rPr>
-              <a:t>new</a:t>
-            </a:r>
-            <a:r>
-              <a:rPr lang="en-US" sz="1400" b="0" dirty="0">
-                <a:solidFill>
-                  <a:srgbClr val="000000"/>
-                </a:solidFill>
-                <a:effectLst/>
-                <a:latin typeface="Consolas" panose="020B0609020204030204" pitchFamily="49" charset="0"/>
-              </a:rPr>
-              <a:t> node();</a:t>
-            </a:r>
-          </a:p>
-          <a:p>
-            <a:r>
-              <a:rPr lang="en-US" sz="1400" b="0" dirty="0">
-                <a:solidFill>
-                  <a:srgbClr val="000000"/>
-                </a:solidFill>
-                <a:effectLst/>
-                <a:latin typeface="Consolas" panose="020B0609020204030204" pitchFamily="49" charset="0"/>
-              </a:rPr>
-              <a:t>  </a:t>
-            </a:r>
-            <a:r>
-              <a:rPr lang="en-US" sz="1400" b="0" dirty="0" err="1">
-                <a:solidFill>
-                  <a:srgbClr val="000000"/>
-                </a:solidFill>
-                <a:effectLst/>
-                <a:latin typeface="Consolas" panose="020B0609020204030204" pitchFamily="49" charset="0"/>
-              </a:rPr>
-              <a:t>new_node</a:t>
-            </a:r>
-            <a:r>
-              <a:rPr lang="en-US" sz="1400" b="0" dirty="0">
-                <a:solidFill>
-                  <a:srgbClr val="000000"/>
-                </a:solidFill>
-                <a:effectLst/>
-                <a:latin typeface="Consolas" panose="020B0609020204030204" pitchFamily="49" charset="0"/>
-              </a:rPr>
-              <a:t>-&gt;data = data;</a:t>
-            </a:r>
-          </a:p>
-          <a:p>
-            <a:r>
-              <a:rPr lang="en-US" sz="1400" b="0" dirty="0">
-                <a:solidFill>
-                  <a:srgbClr val="000000"/>
-                </a:solidFill>
-                <a:effectLst/>
-                <a:latin typeface="Consolas" panose="020B0609020204030204" pitchFamily="49" charset="0"/>
-              </a:rPr>
-              <a:t>  </a:t>
-            </a:r>
-            <a:r>
-              <a:rPr lang="en-US" sz="1400" b="0" dirty="0" err="1">
-                <a:solidFill>
-                  <a:srgbClr val="000000"/>
-                </a:solidFill>
-                <a:effectLst/>
-                <a:latin typeface="Consolas" panose="020B0609020204030204" pitchFamily="49" charset="0"/>
-              </a:rPr>
-              <a:t>new_node</a:t>
-            </a:r>
-            <a:r>
-              <a:rPr lang="en-US" sz="1400" b="0" dirty="0">
-                <a:solidFill>
-                  <a:srgbClr val="000000"/>
-                </a:solidFill>
-                <a:effectLst/>
-                <a:latin typeface="Consolas" panose="020B0609020204030204" pitchFamily="49" charset="0"/>
-              </a:rPr>
-              <a:t>-&gt;next = head;</a:t>
-            </a:r>
-          </a:p>
-          <a:p>
-            <a:r>
-              <a:rPr lang="en-US" sz="1400" b="0" dirty="0">
-                <a:solidFill>
-                  <a:srgbClr val="000000"/>
-                </a:solidFill>
-                <a:effectLst/>
-                <a:latin typeface="Consolas" panose="020B0609020204030204" pitchFamily="49" charset="0"/>
-              </a:rPr>
-              <a:t>  head = </a:t>
-            </a:r>
-            <a:r>
-              <a:rPr lang="en-US" sz="1400" b="0" dirty="0" err="1">
-                <a:solidFill>
-                  <a:srgbClr val="000000"/>
-                </a:solidFill>
-                <a:effectLst/>
-                <a:latin typeface="Consolas" panose="020B0609020204030204" pitchFamily="49" charset="0"/>
-              </a:rPr>
-              <a:t>new_node</a:t>
-            </a:r>
-            <a:r>
-              <a:rPr lang="en-US" sz="1400" b="0" dirty="0">
-                <a:solidFill>
-                  <a:srgbClr val="000000"/>
-                </a:solidFill>
-                <a:effectLst/>
-                <a:latin typeface="Consolas" panose="020B0609020204030204" pitchFamily="49" charset="0"/>
-              </a:rPr>
-              <a:t>;</a:t>
+              <a:t>printf</a:t>
+            </a:r>
+            <a:r>
+              <a:rPr lang="en-US" sz="1400" b="0" dirty="0">
+                <a:solidFill>
+                  <a:srgbClr val="000000"/>
+                </a:solidFill>
+                <a:effectLst/>
+                <a:latin typeface="Consolas" panose="020B0609020204030204" pitchFamily="49" charset="0"/>
+              </a:rPr>
+              <a:t>(</a:t>
+            </a:r>
+            <a:r>
+              <a:rPr lang="en-US" sz="1400" b="0" dirty="0">
+                <a:solidFill>
+                  <a:srgbClr val="A31515"/>
+                </a:solidFill>
+                <a:effectLst/>
+                <a:latin typeface="Consolas" panose="020B0609020204030204" pitchFamily="49" charset="0"/>
+              </a:rPr>
+              <a:t>"\n"</a:t>
+            </a:r>
+            <a:r>
+              <a:rPr lang="en-US" sz="1400" b="0" dirty="0">
+                <a:solidFill>
+                  <a:srgbClr val="000000"/>
+                </a:solidFill>
+                <a:effectLst/>
+                <a:latin typeface="Consolas" panose="020B0609020204030204" pitchFamily="49" charset="0"/>
+              </a:rPr>
+              <a:t>);</a:t>
             </a:r>
           </a:p>
           <a:p>
@@ -5298,547 +5940,14 @@
               <a:t>}</a:t>
             </a:r>
           </a:p>
-          <a:p>
-            <a:r>
-              <a:rPr lang="en-US" sz="1400" b="0" dirty="0">
-                <a:solidFill>
-                  <a:srgbClr val="0000FF"/>
-                </a:solidFill>
-                <a:effectLst/>
-                <a:latin typeface="Consolas" panose="020B0609020204030204" pitchFamily="49" charset="0"/>
-              </a:rPr>
-              <a:t>int</a:t>
-            </a:r>
-            <a:r>
-              <a:rPr lang="en-US" sz="1400" b="0" dirty="0">
-                <a:solidFill>
-                  <a:srgbClr val="000000"/>
-                </a:solidFill>
-                <a:effectLst/>
-                <a:latin typeface="Consolas" panose="020B0609020204030204" pitchFamily="49" charset="0"/>
-              </a:rPr>
-              <a:t> main(</a:t>
-            </a:r>
-            <a:r>
-              <a:rPr lang="en-US" sz="1400" b="0" dirty="0">
-                <a:solidFill>
-                  <a:srgbClr val="0000FF"/>
-                </a:solidFill>
-                <a:effectLst/>
-                <a:latin typeface="Consolas" panose="020B0609020204030204" pitchFamily="49" charset="0"/>
-              </a:rPr>
-              <a:t>void</a:t>
-            </a:r>
-            <a:r>
-              <a:rPr lang="en-US" sz="1400" b="0" dirty="0">
-                <a:solidFill>
-                  <a:srgbClr val="000000"/>
-                </a:solidFill>
-                <a:effectLst/>
-                <a:latin typeface="Consolas" panose="020B0609020204030204" pitchFamily="49" charset="0"/>
-              </a:rPr>
-              <a:t>) {</a:t>
-            </a:r>
-          </a:p>
-          <a:p>
-            <a:r>
-              <a:rPr lang="en-US" sz="1400" b="0" dirty="0">
-                <a:solidFill>
-                  <a:srgbClr val="000000"/>
-                </a:solidFill>
-                <a:effectLst/>
-                <a:latin typeface="Consolas" panose="020B0609020204030204" pitchFamily="49" charset="0"/>
-              </a:rPr>
-              <a:t>  </a:t>
-            </a:r>
-            <a:r>
-              <a:rPr lang="en-US" sz="1400" b="0" dirty="0">
-                <a:solidFill>
-                  <a:srgbClr val="0000FF"/>
-                </a:solidFill>
-                <a:effectLst/>
-                <a:latin typeface="Consolas" panose="020B0609020204030204" pitchFamily="49" charset="0"/>
-              </a:rPr>
-              <a:t>struct</a:t>
-            </a:r>
-            <a:r>
-              <a:rPr lang="en-US" sz="1400" b="0" dirty="0">
-                <a:solidFill>
-                  <a:srgbClr val="000000"/>
-                </a:solidFill>
-                <a:effectLst/>
-                <a:latin typeface="Consolas" panose="020B0609020204030204" pitchFamily="49" charset="0"/>
-              </a:rPr>
-              <a:t> node </a:t>
-            </a:r>
-            <a:r>
-              <a:rPr lang="en-US" sz="1400" b="0" dirty="0">
-                <a:solidFill>
-                  <a:srgbClr val="0000FF"/>
-                </a:solidFill>
-                <a:effectLst/>
-                <a:latin typeface="Consolas" panose="020B0609020204030204" pitchFamily="49" charset="0"/>
-              </a:rPr>
-              <a:t>*</a:t>
-            </a:r>
-            <a:r>
-              <a:rPr lang="en-US" sz="1400" b="0" dirty="0">
-                <a:solidFill>
-                  <a:srgbClr val="000000"/>
-                </a:solidFill>
-                <a:effectLst/>
-                <a:latin typeface="Consolas" panose="020B0609020204030204" pitchFamily="49" charset="0"/>
-              </a:rPr>
-              <a:t>head = </a:t>
-            </a:r>
-            <a:r>
-              <a:rPr lang="en-US" sz="1400" b="0" dirty="0" err="1">
-                <a:solidFill>
-                  <a:srgbClr val="0000FF"/>
-                </a:solidFill>
-                <a:effectLst/>
-                <a:latin typeface="Consolas" panose="020B0609020204030204" pitchFamily="49" charset="0"/>
-              </a:rPr>
-              <a:t>nullptr</a:t>
-            </a:r>
-            <a:r>
-              <a:rPr lang="en-US" sz="1400" b="0" dirty="0">
-                <a:solidFill>
-                  <a:srgbClr val="000000"/>
-                </a:solidFill>
-                <a:effectLst/>
-                <a:latin typeface="Consolas" panose="020B0609020204030204" pitchFamily="49" charset="0"/>
-              </a:rPr>
-              <a:t>;</a:t>
-            </a:r>
-          </a:p>
-          <a:p>
-            <a:r>
-              <a:rPr lang="en-US" sz="1400" b="0" dirty="0">
-                <a:solidFill>
-                  <a:srgbClr val="000000"/>
-                </a:solidFill>
-                <a:effectLst/>
-                <a:latin typeface="Consolas" panose="020B0609020204030204" pitchFamily="49" charset="0"/>
-              </a:rPr>
-              <a:t>  </a:t>
-            </a:r>
-            <a:r>
-              <a:rPr lang="en-US" sz="1400" b="0" dirty="0" err="1">
-                <a:solidFill>
-                  <a:srgbClr val="000000"/>
-                </a:solidFill>
-                <a:effectLst/>
-                <a:latin typeface="Consolas" panose="020B0609020204030204" pitchFamily="49" charset="0"/>
-              </a:rPr>
-              <a:t>push_front</a:t>
-            </a:r>
-            <a:r>
-              <a:rPr lang="en-US" sz="1400" b="0" dirty="0">
-                <a:solidFill>
-                  <a:srgbClr val="000000"/>
-                </a:solidFill>
-                <a:effectLst/>
-                <a:latin typeface="Consolas" panose="020B0609020204030204" pitchFamily="49" charset="0"/>
-              </a:rPr>
-              <a:t>(head, </a:t>
-            </a:r>
-            <a:r>
-              <a:rPr lang="en-US" sz="1400" b="0" dirty="0">
-                <a:solidFill>
-                  <a:srgbClr val="09885A"/>
-                </a:solidFill>
-                <a:effectLst/>
-                <a:latin typeface="Consolas" panose="020B0609020204030204" pitchFamily="49" charset="0"/>
-              </a:rPr>
-              <a:t>5</a:t>
-            </a:r>
-            <a:r>
-              <a:rPr lang="en-US" sz="1400" b="0" dirty="0">
-                <a:solidFill>
-                  <a:srgbClr val="000000"/>
-                </a:solidFill>
-                <a:effectLst/>
-                <a:latin typeface="Consolas" panose="020B0609020204030204" pitchFamily="49" charset="0"/>
-              </a:rPr>
-              <a:t>); </a:t>
-            </a:r>
-            <a:r>
-              <a:rPr lang="en-US" sz="1400" b="0" dirty="0" err="1">
-                <a:solidFill>
-                  <a:srgbClr val="000000"/>
-                </a:solidFill>
-                <a:effectLst/>
-                <a:latin typeface="Consolas" panose="020B0609020204030204" pitchFamily="49" charset="0"/>
-              </a:rPr>
-              <a:t>push_front</a:t>
-            </a:r>
-            <a:r>
-              <a:rPr lang="en-US" sz="1400" b="0" dirty="0">
-                <a:solidFill>
-                  <a:srgbClr val="000000"/>
-                </a:solidFill>
-                <a:effectLst/>
-                <a:latin typeface="Consolas" panose="020B0609020204030204" pitchFamily="49" charset="0"/>
-              </a:rPr>
-              <a:t>(head, </a:t>
-            </a:r>
-            <a:r>
-              <a:rPr lang="en-US" sz="1400" b="0" dirty="0">
-                <a:solidFill>
-                  <a:srgbClr val="09885A"/>
-                </a:solidFill>
-                <a:effectLst/>
-                <a:latin typeface="Consolas" panose="020B0609020204030204" pitchFamily="49" charset="0"/>
-              </a:rPr>
-              <a:t>7</a:t>
-            </a:r>
-            <a:r>
-              <a:rPr lang="en-US" sz="1400" b="0" dirty="0">
-                <a:solidFill>
-                  <a:srgbClr val="000000"/>
-                </a:solidFill>
-                <a:effectLst/>
-                <a:latin typeface="Consolas" panose="020B0609020204030204" pitchFamily="49" charset="0"/>
-              </a:rPr>
-              <a:t>); </a:t>
-            </a:r>
-            <a:r>
-              <a:rPr lang="en-US" sz="1400" b="0" dirty="0" err="1">
-                <a:solidFill>
-                  <a:srgbClr val="000000"/>
-                </a:solidFill>
-                <a:effectLst/>
-                <a:latin typeface="Consolas" panose="020B0609020204030204" pitchFamily="49" charset="0"/>
-              </a:rPr>
-              <a:t>push_front</a:t>
-            </a:r>
-            <a:r>
-              <a:rPr lang="en-US" sz="1400" b="0" dirty="0">
-                <a:solidFill>
-                  <a:srgbClr val="000000"/>
-                </a:solidFill>
-                <a:effectLst/>
-                <a:latin typeface="Consolas" panose="020B0609020204030204" pitchFamily="49" charset="0"/>
-              </a:rPr>
-              <a:t>(head, </a:t>
-            </a:r>
-            <a:r>
-              <a:rPr lang="en-US" sz="1400" b="0" dirty="0">
-                <a:solidFill>
-                  <a:srgbClr val="09885A"/>
-                </a:solidFill>
-                <a:effectLst/>
-                <a:latin typeface="Consolas" panose="020B0609020204030204" pitchFamily="49" charset="0"/>
-              </a:rPr>
-              <a:t>2</a:t>
-            </a:r>
-            <a:r>
-              <a:rPr lang="en-US" sz="1400" b="0" dirty="0">
-                <a:solidFill>
-                  <a:srgbClr val="000000"/>
-                </a:solidFill>
-                <a:effectLst/>
-                <a:latin typeface="Consolas" panose="020B0609020204030204" pitchFamily="49" charset="0"/>
-              </a:rPr>
-              <a:t>);</a:t>
-            </a:r>
-            <a:br>
-              <a:rPr lang="en-US" sz="1400" b="0" dirty="0">
-                <a:solidFill>
-                  <a:srgbClr val="000000"/>
-                </a:solidFill>
-                <a:effectLst/>
-                <a:latin typeface="Consolas" panose="020B0609020204030204" pitchFamily="49" charset="0"/>
-              </a:rPr>
-            </a:br>
-            <a:r>
-              <a:rPr lang="en-US" sz="1400" b="0" dirty="0">
-                <a:solidFill>
-                  <a:srgbClr val="000000"/>
-                </a:solidFill>
-                <a:effectLst/>
-                <a:latin typeface="Consolas" panose="020B0609020204030204" pitchFamily="49" charset="0"/>
-              </a:rPr>
-              <a:t>  </a:t>
-            </a:r>
-            <a:r>
-              <a:rPr lang="en-US" sz="1400" b="0" dirty="0">
-                <a:solidFill>
-                  <a:srgbClr val="0000FF"/>
-                </a:solidFill>
-                <a:effectLst/>
-                <a:latin typeface="Consolas" panose="020B0609020204030204" pitchFamily="49" charset="0"/>
-              </a:rPr>
-              <a:t>for</a:t>
-            </a:r>
-            <a:r>
-              <a:rPr lang="en-US" sz="1400" b="0" dirty="0">
-                <a:solidFill>
-                  <a:srgbClr val="000000"/>
-                </a:solidFill>
-                <a:effectLst/>
-                <a:latin typeface="Consolas" panose="020B0609020204030204" pitchFamily="49" charset="0"/>
-              </a:rPr>
-              <a:t> (struct node *</a:t>
-            </a:r>
-            <a:r>
-              <a:rPr lang="en-US" sz="1400" b="0" dirty="0" err="1">
-                <a:solidFill>
-                  <a:srgbClr val="000000"/>
-                </a:solidFill>
-                <a:effectLst/>
-                <a:latin typeface="Consolas" panose="020B0609020204030204" pitchFamily="49" charset="0"/>
-              </a:rPr>
-              <a:t>ptr</a:t>
-            </a:r>
-            <a:r>
-              <a:rPr lang="en-US" sz="1400" b="0" dirty="0">
-                <a:solidFill>
-                  <a:srgbClr val="000000"/>
-                </a:solidFill>
-                <a:effectLst/>
-                <a:latin typeface="Consolas" panose="020B0609020204030204" pitchFamily="49" charset="0"/>
-              </a:rPr>
-              <a:t> = head; </a:t>
-            </a:r>
-            <a:r>
-              <a:rPr lang="en-US" sz="1400" b="0" dirty="0" err="1">
-                <a:solidFill>
-                  <a:srgbClr val="000000"/>
-                </a:solidFill>
-                <a:effectLst/>
-                <a:latin typeface="Consolas" panose="020B0609020204030204" pitchFamily="49" charset="0"/>
-              </a:rPr>
-              <a:t>ptr</a:t>
-            </a:r>
-            <a:r>
-              <a:rPr lang="en-US" sz="1400" b="0" dirty="0">
-                <a:solidFill>
-                  <a:srgbClr val="000000"/>
-                </a:solidFill>
-                <a:effectLst/>
-                <a:latin typeface="Consolas" panose="020B0609020204030204" pitchFamily="49" charset="0"/>
-              </a:rPr>
-              <a:t> != </a:t>
-            </a:r>
-            <a:r>
-              <a:rPr lang="en-US" sz="1400" b="0" dirty="0">
-                <a:solidFill>
-                  <a:srgbClr val="0000FF"/>
-                </a:solidFill>
-                <a:effectLst/>
-                <a:latin typeface="Consolas" panose="020B0609020204030204" pitchFamily="49" charset="0"/>
-              </a:rPr>
-              <a:t>NULL</a:t>
-            </a:r>
-            <a:r>
-              <a:rPr lang="en-US" sz="1400" b="0" dirty="0">
-                <a:solidFill>
-                  <a:srgbClr val="000000"/>
-                </a:solidFill>
-                <a:effectLst/>
-                <a:latin typeface="Consolas" panose="020B0609020204030204" pitchFamily="49" charset="0"/>
-              </a:rPr>
-              <a:t>; </a:t>
-            </a:r>
-            <a:r>
-              <a:rPr lang="en-US" sz="1400" b="0" dirty="0" err="1">
-                <a:solidFill>
-                  <a:srgbClr val="000000"/>
-                </a:solidFill>
-                <a:effectLst/>
-                <a:latin typeface="Consolas" panose="020B0609020204030204" pitchFamily="49" charset="0"/>
-              </a:rPr>
-              <a:t>ptr</a:t>
-            </a:r>
-            <a:r>
-              <a:rPr lang="en-US" sz="1400" b="0" dirty="0">
-                <a:solidFill>
-                  <a:srgbClr val="000000"/>
-                </a:solidFill>
-                <a:effectLst/>
-                <a:latin typeface="Consolas" panose="020B0609020204030204" pitchFamily="49" charset="0"/>
-              </a:rPr>
-              <a:t> = </a:t>
-            </a:r>
-            <a:r>
-              <a:rPr lang="en-US" sz="1400" b="0" dirty="0" err="1">
-                <a:solidFill>
-                  <a:srgbClr val="000000"/>
-                </a:solidFill>
-                <a:effectLst/>
-                <a:latin typeface="Consolas" panose="020B0609020204030204" pitchFamily="49" charset="0"/>
-              </a:rPr>
-              <a:t>ptr</a:t>
-            </a:r>
-            <a:r>
-              <a:rPr lang="en-US" sz="1400" b="0" dirty="0">
-                <a:solidFill>
-                  <a:srgbClr val="000000"/>
-                </a:solidFill>
-                <a:effectLst/>
-                <a:latin typeface="Consolas" panose="020B0609020204030204" pitchFamily="49" charset="0"/>
-              </a:rPr>
-              <a:t>-&gt;next) {</a:t>
-            </a:r>
-          </a:p>
-          <a:p>
-            <a:r>
-              <a:rPr lang="en-US" sz="1400" b="0" dirty="0">
-                <a:solidFill>
-                  <a:srgbClr val="000000"/>
-                </a:solidFill>
-                <a:effectLst/>
-                <a:latin typeface="Consolas" panose="020B0609020204030204" pitchFamily="49" charset="0"/>
-              </a:rPr>
-              <a:t>    </a:t>
-            </a:r>
-            <a:r>
-              <a:rPr lang="en-US" sz="1400" b="0" dirty="0" err="1">
-                <a:solidFill>
-                  <a:srgbClr val="000000"/>
-                </a:solidFill>
-                <a:effectLst/>
-                <a:latin typeface="Consolas" panose="020B0609020204030204" pitchFamily="49" charset="0"/>
-              </a:rPr>
-              <a:t>cout</a:t>
-            </a:r>
-            <a:r>
-              <a:rPr lang="en-US" sz="1400" b="0" dirty="0">
-                <a:solidFill>
-                  <a:srgbClr val="000000"/>
-                </a:solidFill>
-                <a:effectLst/>
-                <a:latin typeface="Consolas" panose="020B0609020204030204" pitchFamily="49" charset="0"/>
-              </a:rPr>
-              <a:t> &lt;&lt; </a:t>
-            </a:r>
-            <a:r>
-              <a:rPr lang="en-US" sz="1400" b="0" dirty="0" err="1">
-                <a:solidFill>
-                  <a:srgbClr val="000000"/>
-                </a:solidFill>
-                <a:effectLst/>
-                <a:latin typeface="Consolas" panose="020B0609020204030204" pitchFamily="49" charset="0"/>
-              </a:rPr>
-              <a:t>ptr</a:t>
-            </a:r>
-            <a:r>
-              <a:rPr lang="en-US" sz="1400" b="0" dirty="0">
-                <a:solidFill>
-                  <a:srgbClr val="000000"/>
-                </a:solidFill>
-                <a:effectLst/>
-                <a:latin typeface="Consolas" panose="020B0609020204030204" pitchFamily="49" charset="0"/>
-              </a:rPr>
-              <a:t>-&gt;data &lt;&lt; </a:t>
-            </a:r>
-            <a:r>
-              <a:rPr lang="en-US" sz="1400" b="0" dirty="0">
-                <a:solidFill>
-                  <a:srgbClr val="A31515"/>
-                </a:solidFill>
-                <a:effectLst/>
-                <a:latin typeface="Consolas" panose="020B0609020204030204" pitchFamily="49" charset="0"/>
-              </a:rPr>
-              <a:t>" "</a:t>
-            </a:r>
-            <a:r>
-              <a:rPr lang="en-US" sz="1400" b="0" dirty="0">
-                <a:solidFill>
-                  <a:srgbClr val="000000"/>
-                </a:solidFill>
-                <a:effectLst/>
-                <a:latin typeface="Consolas" panose="020B0609020204030204" pitchFamily="49" charset="0"/>
-              </a:rPr>
-              <a:t>;</a:t>
-            </a:r>
-          </a:p>
-          <a:p>
-            <a:r>
-              <a:rPr lang="en-US" sz="1400" b="0" dirty="0">
-                <a:solidFill>
-                  <a:srgbClr val="000000"/>
-                </a:solidFill>
-                <a:effectLst/>
-                <a:latin typeface="Consolas" panose="020B0609020204030204" pitchFamily="49" charset="0"/>
-              </a:rPr>
-              <a:t>  }</a:t>
-            </a:r>
-          </a:p>
-          <a:p>
-            <a:r>
-              <a:rPr lang="en-US" sz="1400" b="0" dirty="0">
-                <a:solidFill>
-                  <a:srgbClr val="000000"/>
-                </a:solidFill>
-                <a:effectLst/>
-                <a:latin typeface="Consolas" panose="020B0609020204030204" pitchFamily="49" charset="0"/>
-              </a:rPr>
-              <a:t>  </a:t>
-            </a:r>
-            <a:r>
-              <a:rPr lang="en-US" sz="1400" b="0" dirty="0" err="1">
-                <a:solidFill>
-                  <a:srgbClr val="000000"/>
-                </a:solidFill>
-                <a:effectLst/>
-                <a:latin typeface="Consolas" panose="020B0609020204030204" pitchFamily="49" charset="0"/>
-              </a:rPr>
-              <a:t>cout</a:t>
-            </a:r>
-            <a:r>
-              <a:rPr lang="en-US" sz="1400" b="0" dirty="0">
-                <a:solidFill>
-                  <a:srgbClr val="000000"/>
-                </a:solidFill>
-                <a:effectLst/>
-                <a:latin typeface="Consolas" panose="020B0609020204030204" pitchFamily="49" charset="0"/>
-              </a:rPr>
-              <a:t> &lt;&lt; </a:t>
-            </a:r>
-            <a:r>
-              <a:rPr lang="en-US" sz="1400" b="0" dirty="0" err="1">
-                <a:solidFill>
-                  <a:srgbClr val="000000"/>
-                </a:solidFill>
-                <a:effectLst/>
-                <a:latin typeface="Consolas" panose="020B0609020204030204" pitchFamily="49" charset="0"/>
-              </a:rPr>
-              <a:t>endl</a:t>
-            </a:r>
-            <a:r>
-              <a:rPr lang="en-US" sz="1400" b="0" dirty="0">
-                <a:solidFill>
-                  <a:srgbClr val="000000"/>
-                </a:solidFill>
-                <a:effectLst/>
-                <a:latin typeface="Consolas" panose="020B0609020204030204" pitchFamily="49" charset="0"/>
-              </a:rPr>
-              <a:t>;</a:t>
-            </a:r>
-          </a:p>
-          <a:p>
-            <a:r>
-              <a:rPr lang="en-US" sz="1400" b="0" dirty="0">
-                <a:solidFill>
-                  <a:srgbClr val="000000"/>
-                </a:solidFill>
-                <a:effectLst/>
-                <a:latin typeface="Consolas" panose="020B0609020204030204" pitchFamily="49" charset="0"/>
-              </a:rPr>
-              <a:t>}</a:t>
-            </a:r>
-          </a:p>
-        </p:txBody>
-      </p:sp>
-      <p:sp>
-        <p:nvSpPr>
-          <p:cNvPr id="4" name="Ορθογώνιο 3">
-            <a:extLst>
-              <a:ext uri="{FF2B5EF4-FFF2-40B4-BE49-F238E27FC236}">
-                <a16:creationId xmlns:a16="http://schemas.microsoft.com/office/drawing/2014/main" id="{617E6896-E059-4D75-B36C-ADF8A252EF88}"/>
+        </p:txBody>
+      </p:sp>
+      <p:sp>
+        <p:nvSpPr>
+          <p:cNvPr id="6" name="Ορθογώνιο 5">
+            <a:extLst>
+              <a:ext uri="{FF2B5EF4-FFF2-40B4-BE49-F238E27FC236}">
+                <a16:creationId xmlns:a16="http://schemas.microsoft.com/office/drawing/2014/main" id="{07320D89-F67A-4D16-A301-206DA4149A76}"/>
               </a:ext>
             </a:extLst>
           </p:cNvPr>
@@ -5885,10 +5994,10 @@
       </p:sp>
       <p:sp>
         <p:nvSpPr>
-          <p:cNvPr id="5" name="Ορθογώνιο 4">
-            <a:extLst>
-              <a:ext uri="{FF2B5EF4-FFF2-40B4-BE49-F238E27FC236}">
-                <a16:creationId xmlns:a16="http://schemas.microsoft.com/office/drawing/2014/main" id="{709133AF-1B45-4257-8E42-A896BDAC914C}"/>
+          <p:cNvPr id="7" name="Ορθογώνιο 6">
+            <a:extLst>
+              <a:ext uri="{FF2B5EF4-FFF2-40B4-BE49-F238E27FC236}">
+                <a16:creationId xmlns:a16="http://schemas.microsoft.com/office/drawing/2014/main" id="{DF87A03D-0C91-407D-AD0F-62CA54D6B632}"/>
               </a:ext>
             </a:extLst>
           </p:cNvPr>
@@ -5897,8 +6006,8 @@
         </p:nvSpPr>
         <p:spPr>
           <a:xfrm>
-            <a:off x="0" y="6510408"/>
-            <a:ext cx="2677336" cy="369332"/>
+            <a:off x="0" y="6492875"/>
+            <a:ext cx="2311851" cy="369332"/>
           </a:xfrm>
           <a:prstGeom prst="rect">
             <a:avLst/>
@@ -5918,15 +6027,44 @@
                   </a:schemeClr>
                 </a:solidFill>
               </a:rPr>
-              <a:t>linked_list_example1b.cpp</a:t>
-            </a:r>
+              <a:t>linked_list_example1.c</a:t>
+            </a:r>
+          </a:p>
+        </p:txBody>
+      </p:sp>
+      <p:sp>
+        <p:nvSpPr>
+          <p:cNvPr id="2" name="Θέση αριθμού διαφάνειας 1">
+            <a:extLst>
+              <a:ext uri="{FF2B5EF4-FFF2-40B4-BE49-F238E27FC236}">
+                <a16:creationId xmlns:a16="http://schemas.microsoft.com/office/drawing/2014/main" id="{4B9F9710-12B7-4824-B646-C5DAA9718477}"/>
+              </a:ext>
+            </a:extLst>
+          </p:cNvPr>
+          <p:cNvSpPr>
+            <a:spLocks noGrp="1"/>
+          </p:cNvSpPr>
+          <p:nvPr>
+            <p:ph type="sldNum" sz="quarter" idx="12"/>
+          </p:nvPr>
+        </p:nvSpPr>
+        <p:spPr/>
+        <p:txBody>
+          <a:bodyPr/>
+          <a:lstStyle/>
+          <a:p>
+            <a:fld id="{18AA1C73-7DCE-4442-906F-AAF3568FCA4F}" type="slidenum">
+              <a:rPr lang="el-GR" smtClean="0"/>
+              <a:t>3</a:t>
+            </a:fld>
+            <a:endParaRPr lang="el-GR"/>
           </a:p>
         </p:txBody>
       </p:sp>
     </p:spTree>
     <p:extLst>
       <p:ext uri="{BB962C8B-B14F-4D97-AF65-F5344CB8AC3E}">
-        <p14:creationId xmlns:p14="http://schemas.microsoft.com/office/powerpoint/2010/main" val="2377528623"/>
+        <p14:creationId xmlns:p14="http://schemas.microsoft.com/office/powerpoint/2010/main" val="340879545"/>
       </p:ext>
     </p:extLst>
   </p:cSld>
@@ -5958,7 +6096,7 @@
           <p:cNvPr id="2" name="Τίτλος 1">
             <a:extLst>
               <a:ext uri="{FF2B5EF4-FFF2-40B4-BE49-F238E27FC236}">
-                <a16:creationId xmlns:a16="http://schemas.microsoft.com/office/drawing/2014/main" id="{866D1E9F-58BC-44D3-B6CD-1719D36E06B1}"/>
+                <a16:creationId xmlns:a16="http://schemas.microsoft.com/office/drawing/2014/main" id="{74210B03-3740-423B-8770-3533FB9433A4}"/>
               </a:ext>
             </a:extLst>
           </p:cNvPr>
@@ -5976,7 +6114,15 @@
           <a:p>
             <a:r>
               <a:rPr lang="el-GR" dirty="0"/>
-              <a:t>Αντικειμενοστραφής υλοποίηση συνδεδεμένης λίστας</a:t>
+              <a:t>Υλοποίηση σε C</a:t>
+            </a:r>
+            <a:r>
+              <a:rPr lang="en-US" dirty="0"/>
+              <a:t>++</a:t>
+            </a:r>
+            <a:r>
+              <a:rPr lang="el-GR" dirty="0"/>
+              <a:t> της εισαγωγής στην αρχή της λίστας</a:t>
             </a:r>
           </a:p>
         </p:txBody>
@@ -5986,7 +6132,7 @@
           <p:cNvPr id="3" name="Ορθογώνιο 2">
             <a:extLst>
               <a:ext uri="{FF2B5EF4-FFF2-40B4-BE49-F238E27FC236}">
-                <a16:creationId xmlns:a16="http://schemas.microsoft.com/office/drawing/2014/main" id="{F586842E-4CDD-4465-B23F-4E5A0E523550}"/>
+                <a16:creationId xmlns:a16="http://schemas.microsoft.com/office/drawing/2014/main" id="{3B08215C-4B8D-43AC-9F71-3D09ED7636A9}"/>
               </a:ext>
             </a:extLst>
           </p:cNvPr>
@@ -5995,20 +6141,1136 @@
         </p:nvSpPr>
         <p:spPr>
           <a:xfrm>
-            <a:off x="5151062" y="3244334"/>
-            <a:ext cx="1889876" cy="369332"/>
+            <a:off x="838200" y="1847455"/>
+            <a:ext cx="8847338" cy="4616648"/>
           </a:xfrm>
           <a:prstGeom prst="rect">
             <a:avLst/>
           </a:prstGeom>
         </p:spPr>
         <p:txBody>
+          <a:bodyPr wrap="square">
+            <a:spAutoFit/>
+          </a:bodyPr>
+          <a:lstStyle/>
+          <a:p>
+            <a:r>
+              <a:rPr lang="en-US" sz="1400" b="0" dirty="0">
+                <a:solidFill>
+                  <a:srgbClr val="0000FF"/>
+                </a:solidFill>
+                <a:effectLst/>
+                <a:latin typeface="Consolas" panose="020B0609020204030204" pitchFamily="49" charset="0"/>
+              </a:rPr>
+              <a:t>#include </a:t>
+            </a:r>
+            <a:r>
+              <a:rPr lang="en-US" sz="1400" b="0" dirty="0">
+                <a:solidFill>
+                  <a:srgbClr val="A31515"/>
+                </a:solidFill>
+                <a:effectLst/>
+                <a:latin typeface="Consolas" panose="020B0609020204030204" pitchFamily="49" charset="0"/>
+              </a:rPr>
+              <a:t>&lt;iostream&gt;</a:t>
+            </a:r>
+            <a:endParaRPr lang="en-US" sz="1400" b="0" dirty="0">
+              <a:solidFill>
+                <a:srgbClr val="000000"/>
+              </a:solidFill>
+              <a:effectLst/>
+              <a:latin typeface="Consolas" panose="020B0609020204030204" pitchFamily="49" charset="0"/>
+            </a:endParaRPr>
+          </a:p>
+          <a:p>
+            <a:r>
+              <a:rPr lang="en-US" sz="1400" b="0" dirty="0">
+                <a:solidFill>
+                  <a:srgbClr val="0000FF"/>
+                </a:solidFill>
+                <a:effectLst/>
+                <a:latin typeface="Consolas" panose="020B0609020204030204" pitchFamily="49" charset="0"/>
+              </a:rPr>
+              <a:t>using</a:t>
+            </a:r>
+            <a:r>
+              <a:rPr lang="en-US" sz="1400" b="0" dirty="0">
+                <a:solidFill>
+                  <a:srgbClr val="000000"/>
+                </a:solidFill>
+                <a:effectLst/>
+                <a:latin typeface="Consolas" panose="020B0609020204030204" pitchFamily="49" charset="0"/>
+              </a:rPr>
+              <a:t> </a:t>
+            </a:r>
+            <a:r>
+              <a:rPr lang="en-US" sz="1400" b="0" dirty="0">
+                <a:solidFill>
+                  <a:srgbClr val="0000FF"/>
+                </a:solidFill>
+                <a:effectLst/>
+                <a:latin typeface="Consolas" panose="020B0609020204030204" pitchFamily="49" charset="0"/>
+              </a:rPr>
+              <a:t>namespace</a:t>
+            </a:r>
+            <a:r>
+              <a:rPr lang="en-US" sz="1400" b="0" dirty="0">
+                <a:solidFill>
+                  <a:srgbClr val="000000"/>
+                </a:solidFill>
+                <a:effectLst/>
+                <a:latin typeface="Consolas" panose="020B0609020204030204" pitchFamily="49" charset="0"/>
+              </a:rPr>
+              <a:t> std;</a:t>
+            </a:r>
+          </a:p>
+          <a:p>
+            <a:r>
+              <a:rPr lang="en-US" sz="1400" b="0" dirty="0">
+                <a:solidFill>
+                  <a:srgbClr val="0000FF"/>
+                </a:solidFill>
+                <a:effectLst/>
+                <a:latin typeface="Consolas" panose="020B0609020204030204" pitchFamily="49" charset="0"/>
+              </a:rPr>
+              <a:t>struct</a:t>
+            </a:r>
+            <a:r>
+              <a:rPr lang="en-US" sz="1400" b="0" dirty="0">
+                <a:solidFill>
+                  <a:srgbClr val="000000"/>
+                </a:solidFill>
+                <a:effectLst/>
+                <a:latin typeface="Consolas" panose="020B0609020204030204" pitchFamily="49" charset="0"/>
+              </a:rPr>
+              <a:t> node {</a:t>
+            </a:r>
+          </a:p>
+          <a:p>
+            <a:r>
+              <a:rPr lang="en-US" sz="1400" b="0" dirty="0">
+                <a:solidFill>
+                  <a:srgbClr val="000000"/>
+                </a:solidFill>
+                <a:effectLst/>
+                <a:latin typeface="Consolas" panose="020B0609020204030204" pitchFamily="49" charset="0"/>
+              </a:rPr>
+              <a:t>  </a:t>
+            </a:r>
+            <a:r>
+              <a:rPr lang="en-US" sz="1400" b="0" dirty="0">
+                <a:solidFill>
+                  <a:srgbClr val="0000FF"/>
+                </a:solidFill>
+                <a:effectLst/>
+                <a:latin typeface="Consolas" panose="020B0609020204030204" pitchFamily="49" charset="0"/>
+              </a:rPr>
+              <a:t>int</a:t>
+            </a:r>
+            <a:r>
+              <a:rPr lang="en-US" sz="1400" b="0" dirty="0">
+                <a:solidFill>
+                  <a:srgbClr val="000000"/>
+                </a:solidFill>
+                <a:effectLst/>
+                <a:latin typeface="Consolas" panose="020B0609020204030204" pitchFamily="49" charset="0"/>
+              </a:rPr>
+              <a:t> data;</a:t>
+            </a:r>
+          </a:p>
+          <a:p>
+            <a:r>
+              <a:rPr lang="en-US" sz="1400" b="0" dirty="0">
+                <a:solidFill>
+                  <a:srgbClr val="000000"/>
+                </a:solidFill>
+                <a:effectLst/>
+                <a:latin typeface="Consolas" panose="020B0609020204030204" pitchFamily="49" charset="0"/>
+              </a:rPr>
+              <a:t>  </a:t>
+            </a:r>
+            <a:r>
+              <a:rPr lang="en-US" sz="1400" b="0" dirty="0">
+                <a:solidFill>
+                  <a:srgbClr val="0000FF"/>
+                </a:solidFill>
+                <a:effectLst/>
+                <a:latin typeface="Consolas" panose="020B0609020204030204" pitchFamily="49" charset="0"/>
+              </a:rPr>
+              <a:t>struct</a:t>
+            </a:r>
+            <a:r>
+              <a:rPr lang="en-US" sz="1400" b="0" dirty="0">
+                <a:solidFill>
+                  <a:srgbClr val="000000"/>
+                </a:solidFill>
+                <a:effectLst/>
+                <a:latin typeface="Consolas" panose="020B0609020204030204" pitchFamily="49" charset="0"/>
+              </a:rPr>
+              <a:t> node </a:t>
+            </a:r>
+            <a:r>
+              <a:rPr lang="en-US" sz="1400" b="0" dirty="0">
+                <a:solidFill>
+                  <a:srgbClr val="0000FF"/>
+                </a:solidFill>
+                <a:effectLst/>
+                <a:latin typeface="Consolas" panose="020B0609020204030204" pitchFamily="49" charset="0"/>
+              </a:rPr>
+              <a:t>*</a:t>
+            </a:r>
+            <a:r>
+              <a:rPr lang="en-US" sz="1400" b="0" dirty="0">
+                <a:solidFill>
+                  <a:srgbClr val="000000"/>
+                </a:solidFill>
+                <a:effectLst/>
+                <a:latin typeface="Consolas" panose="020B0609020204030204" pitchFamily="49" charset="0"/>
+              </a:rPr>
+              <a:t>next;</a:t>
+            </a:r>
+          </a:p>
+          <a:p>
+            <a:r>
+              <a:rPr lang="en-US" sz="1400" b="0" dirty="0">
+                <a:solidFill>
+                  <a:srgbClr val="000000"/>
+                </a:solidFill>
+                <a:effectLst/>
+                <a:latin typeface="Consolas" panose="020B0609020204030204" pitchFamily="49" charset="0"/>
+              </a:rPr>
+              <a:t>};</a:t>
+            </a:r>
+          </a:p>
+          <a:p>
+            <a:r>
+              <a:rPr lang="en-US" sz="1400" b="0" dirty="0">
+                <a:solidFill>
+                  <a:srgbClr val="0000FF"/>
+                </a:solidFill>
+                <a:effectLst/>
+                <a:latin typeface="Consolas" panose="020B0609020204030204" pitchFamily="49" charset="0"/>
+              </a:rPr>
+              <a:t>void</a:t>
+            </a:r>
+            <a:r>
+              <a:rPr lang="en-US" sz="1400" b="0" dirty="0">
+                <a:solidFill>
+                  <a:srgbClr val="000000"/>
+                </a:solidFill>
+                <a:effectLst/>
+                <a:latin typeface="Consolas" panose="020B0609020204030204" pitchFamily="49" charset="0"/>
+              </a:rPr>
+              <a:t> </a:t>
+            </a:r>
+            <a:r>
+              <a:rPr lang="en-US" sz="1400" b="0" dirty="0" err="1">
+                <a:solidFill>
+                  <a:srgbClr val="000000"/>
+                </a:solidFill>
+                <a:effectLst/>
+                <a:latin typeface="Consolas" panose="020B0609020204030204" pitchFamily="49" charset="0"/>
+              </a:rPr>
+              <a:t>push_front</a:t>
+            </a:r>
+            <a:r>
+              <a:rPr lang="en-US" sz="1400" b="0" dirty="0">
+                <a:solidFill>
+                  <a:srgbClr val="000000"/>
+                </a:solidFill>
+                <a:effectLst/>
+                <a:latin typeface="Consolas" panose="020B0609020204030204" pitchFamily="49" charset="0"/>
+              </a:rPr>
+              <a:t>(</a:t>
+            </a:r>
+            <a:r>
+              <a:rPr lang="en-US" sz="1400" b="0" dirty="0">
+                <a:solidFill>
+                  <a:srgbClr val="0000FF"/>
+                </a:solidFill>
+                <a:effectLst/>
+                <a:latin typeface="Consolas" panose="020B0609020204030204" pitchFamily="49" charset="0"/>
+              </a:rPr>
+              <a:t>struct</a:t>
+            </a:r>
+            <a:r>
+              <a:rPr lang="en-US" sz="1400" b="0" dirty="0">
+                <a:solidFill>
+                  <a:srgbClr val="000000"/>
+                </a:solidFill>
+                <a:effectLst/>
+                <a:latin typeface="Consolas" panose="020B0609020204030204" pitchFamily="49" charset="0"/>
+              </a:rPr>
+              <a:t> node </a:t>
+            </a:r>
+            <a:r>
+              <a:rPr lang="en-US" sz="1400" b="0" dirty="0">
+                <a:solidFill>
+                  <a:srgbClr val="0000FF"/>
+                </a:solidFill>
+                <a:effectLst/>
+                <a:latin typeface="Consolas" panose="020B0609020204030204" pitchFamily="49" charset="0"/>
+              </a:rPr>
+              <a:t>*&amp;</a:t>
+            </a:r>
+            <a:r>
+              <a:rPr lang="en-US" sz="1400" b="0" dirty="0">
+                <a:solidFill>
+                  <a:srgbClr val="000000"/>
+                </a:solidFill>
+                <a:effectLst/>
+                <a:latin typeface="Consolas" panose="020B0609020204030204" pitchFamily="49" charset="0"/>
+              </a:rPr>
+              <a:t>head, </a:t>
+            </a:r>
+            <a:r>
+              <a:rPr lang="en-US" sz="1400" b="0" dirty="0">
+                <a:solidFill>
+                  <a:srgbClr val="0000FF"/>
+                </a:solidFill>
+                <a:effectLst/>
+                <a:latin typeface="Consolas" panose="020B0609020204030204" pitchFamily="49" charset="0"/>
+              </a:rPr>
+              <a:t>int</a:t>
+            </a:r>
+            <a:r>
+              <a:rPr lang="en-US" sz="1400" b="0" dirty="0">
+                <a:solidFill>
+                  <a:srgbClr val="000000"/>
+                </a:solidFill>
+                <a:effectLst/>
+                <a:latin typeface="Consolas" panose="020B0609020204030204" pitchFamily="49" charset="0"/>
+              </a:rPr>
+              <a:t> data) {</a:t>
+            </a:r>
+          </a:p>
+          <a:p>
+            <a:r>
+              <a:rPr lang="en-US" sz="1400" b="0" dirty="0">
+                <a:solidFill>
+                  <a:srgbClr val="000000"/>
+                </a:solidFill>
+                <a:effectLst/>
+                <a:latin typeface="Consolas" panose="020B0609020204030204" pitchFamily="49" charset="0"/>
+              </a:rPr>
+              <a:t>  </a:t>
+            </a:r>
+            <a:r>
+              <a:rPr lang="en-US" sz="1400" b="0" dirty="0">
+                <a:solidFill>
+                  <a:srgbClr val="0000FF"/>
+                </a:solidFill>
+                <a:effectLst/>
+                <a:latin typeface="Consolas" panose="020B0609020204030204" pitchFamily="49" charset="0"/>
+              </a:rPr>
+              <a:t>struct</a:t>
+            </a:r>
+            <a:r>
+              <a:rPr lang="en-US" sz="1400" b="0" dirty="0">
+                <a:solidFill>
+                  <a:srgbClr val="000000"/>
+                </a:solidFill>
+                <a:effectLst/>
+                <a:latin typeface="Consolas" panose="020B0609020204030204" pitchFamily="49" charset="0"/>
+              </a:rPr>
+              <a:t> node </a:t>
+            </a:r>
+            <a:r>
+              <a:rPr lang="en-US" sz="1400" b="0" dirty="0">
+                <a:solidFill>
+                  <a:srgbClr val="0000FF"/>
+                </a:solidFill>
+                <a:effectLst/>
+                <a:latin typeface="Consolas" panose="020B0609020204030204" pitchFamily="49" charset="0"/>
+              </a:rPr>
+              <a:t>*</a:t>
+            </a:r>
+            <a:r>
+              <a:rPr lang="en-US" sz="1400" b="0" dirty="0" err="1">
+                <a:solidFill>
+                  <a:srgbClr val="000000"/>
+                </a:solidFill>
+                <a:effectLst/>
+                <a:latin typeface="Consolas" panose="020B0609020204030204" pitchFamily="49" charset="0"/>
+              </a:rPr>
+              <a:t>new_node</a:t>
+            </a:r>
+            <a:r>
+              <a:rPr lang="en-US" sz="1400" b="0" dirty="0">
+                <a:solidFill>
+                  <a:srgbClr val="000000"/>
+                </a:solidFill>
+                <a:effectLst/>
+                <a:latin typeface="Consolas" panose="020B0609020204030204" pitchFamily="49" charset="0"/>
+              </a:rPr>
+              <a:t> = </a:t>
+            </a:r>
+            <a:r>
+              <a:rPr lang="en-US" sz="1400" b="0" dirty="0">
+                <a:solidFill>
+                  <a:srgbClr val="0000FF"/>
+                </a:solidFill>
+                <a:effectLst/>
+                <a:latin typeface="Consolas" panose="020B0609020204030204" pitchFamily="49" charset="0"/>
+              </a:rPr>
+              <a:t>new</a:t>
+            </a:r>
+            <a:r>
+              <a:rPr lang="en-US" sz="1400" b="0" dirty="0">
+                <a:solidFill>
+                  <a:srgbClr val="000000"/>
+                </a:solidFill>
+                <a:effectLst/>
+                <a:latin typeface="Consolas" panose="020B0609020204030204" pitchFamily="49" charset="0"/>
+              </a:rPr>
+              <a:t> node();</a:t>
+            </a:r>
+          </a:p>
+          <a:p>
+            <a:r>
+              <a:rPr lang="en-US" sz="1400" b="0" dirty="0">
+                <a:solidFill>
+                  <a:srgbClr val="000000"/>
+                </a:solidFill>
+                <a:effectLst/>
+                <a:latin typeface="Consolas" panose="020B0609020204030204" pitchFamily="49" charset="0"/>
+              </a:rPr>
+              <a:t>  </a:t>
+            </a:r>
+            <a:r>
+              <a:rPr lang="en-US" sz="1400" b="0" dirty="0" err="1">
+                <a:solidFill>
+                  <a:srgbClr val="000000"/>
+                </a:solidFill>
+                <a:effectLst/>
+                <a:latin typeface="Consolas" panose="020B0609020204030204" pitchFamily="49" charset="0"/>
+              </a:rPr>
+              <a:t>new_node</a:t>
+            </a:r>
+            <a:r>
+              <a:rPr lang="en-US" sz="1400" b="0" dirty="0">
+                <a:solidFill>
+                  <a:srgbClr val="000000"/>
+                </a:solidFill>
+                <a:effectLst/>
+                <a:latin typeface="Consolas" panose="020B0609020204030204" pitchFamily="49" charset="0"/>
+              </a:rPr>
+              <a:t>-&gt;data = data;</a:t>
+            </a:r>
+          </a:p>
+          <a:p>
+            <a:r>
+              <a:rPr lang="en-US" sz="1400" b="0" dirty="0">
+                <a:solidFill>
+                  <a:srgbClr val="000000"/>
+                </a:solidFill>
+                <a:effectLst/>
+                <a:latin typeface="Consolas" panose="020B0609020204030204" pitchFamily="49" charset="0"/>
+              </a:rPr>
+              <a:t>  </a:t>
+            </a:r>
+            <a:r>
+              <a:rPr lang="en-US" sz="1400" b="0" dirty="0" err="1">
+                <a:solidFill>
+                  <a:srgbClr val="000000"/>
+                </a:solidFill>
+                <a:effectLst/>
+                <a:latin typeface="Consolas" panose="020B0609020204030204" pitchFamily="49" charset="0"/>
+              </a:rPr>
+              <a:t>new_node</a:t>
+            </a:r>
+            <a:r>
+              <a:rPr lang="en-US" sz="1400" b="0" dirty="0">
+                <a:solidFill>
+                  <a:srgbClr val="000000"/>
+                </a:solidFill>
+                <a:effectLst/>
+                <a:latin typeface="Consolas" panose="020B0609020204030204" pitchFamily="49" charset="0"/>
+              </a:rPr>
+              <a:t>-&gt;next = head;</a:t>
+            </a:r>
+          </a:p>
+          <a:p>
+            <a:r>
+              <a:rPr lang="en-US" sz="1400" b="0" dirty="0">
+                <a:solidFill>
+                  <a:srgbClr val="000000"/>
+                </a:solidFill>
+                <a:effectLst/>
+                <a:latin typeface="Consolas" panose="020B0609020204030204" pitchFamily="49" charset="0"/>
+              </a:rPr>
+              <a:t>  head = </a:t>
+            </a:r>
+            <a:r>
+              <a:rPr lang="en-US" sz="1400" b="0" dirty="0" err="1">
+                <a:solidFill>
+                  <a:srgbClr val="000000"/>
+                </a:solidFill>
+                <a:effectLst/>
+                <a:latin typeface="Consolas" panose="020B0609020204030204" pitchFamily="49" charset="0"/>
+              </a:rPr>
+              <a:t>new_node</a:t>
+            </a:r>
+            <a:r>
+              <a:rPr lang="en-US" sz="1400" b="0" dirty="0">
+                <a:solidFill>
+                  <a:srgbClr val="000000"/>
+                </a:solidFill>
+                <a:effectLst/>
+                <a:latin typeface="Consolas" panose="020B0609020204030204" pitchFamily="49" charset="0"/>
+              </a:rPr>
+              <a:t>;</a:t>
+            </a:r>
+          </a:p>
+          <a:p>
+            <a:r>
+              <a:rPr lang="en-US" sz="1400" b="0" dirty="0">
+                <a:solidFill>
+                  <a:srgbClr val="000000"/>
+                </a:solidFill>
+                <a:effectLst/>
+                <a:latin typeface="Consolas" panose="020B0609020204030204" pitchFamily="49" charset="0"/>
+              </a:rPr>
+              <a:t>}</a:t>
+            </a:r>
+          </a:p>
+          <a:p>
+            <a:r>
+              <a:rPr lang="en-US" sz="1400" b="0" dirty="0">
+                <a:solidFill>
+                  <a:srgbClr val="0000FF"/>
+                </a:solidFill>
+                <a:effectLst/>
+                <a:latin typeface="Consolas" panose="020B0609020204030204" pitchFamily="49" charset="0"/>
+              </a:rPr>
+              <a:t>int</a:t>
+            </a:r>
+            <a:r>
+              <a:rPr lang="en-US" sz="1400" b="0" dirty="0">
+                <a:solidFill>
+                  <a:srgbClr val="000000"/>
+                </a:solidFill>
+                <a:effectLst/>
+                <a:latin typeface="Consolas" panose="020B0609020204030204" pitchFamily="49" charset="0"/>
+              </a:rPr>
+              <a:t> main(</a:t>
+            </a:r>
+            <a:r>
+              <a:rPr lang="en-US" sz="1400" b="0" dirty="0">
+                <a:solidFill>
+                  <a:srgbClr val="0000FF"/>
+                </a:solidFill>
+                <a:effectLst/>
+                <a:latin typeface="Consolas" panose="020B0609020204030204" pitchFamily="49" charset="0"/>
+              </a:rPr>
+              <a:t>void</a:t>
+            </a:r>
+            <a:r>
+              <a:rPr lang="en-US" sz="1400" b="0" dirty="0">
+                <a:solidFill>
+                  <a:srgbClr val="000000"/>
+                </a:solidFill>
+                <a:effectLst/>
+                <a:latin typeface="Consolas" panose="020B0609020204030204" pitchFamily="49" charset="0"/>
+              </a:rPr>
+              <a:t>) {</a:t>
+            </a:r>
+          </a:p>
+          <a:p>
+            <a:r>
+              <a:rPr lang="en-US" sz="1400" b="0" dirty="0">
+                <a:solidFill>
+                  <a:srgbClr val="000000"/>
+                </a:solidFill>
+                <a:effectLst/>
+                <a:latin typeface="Consolas" panose="020B0609020204030204" pitchFamily="49" charset="0"/>
+              </a:rPr>
+              <a:t>  </a:t>
+            </a:r>
+            <a:r>
+              <a:rPr lang="en-US" sz="1400" b="0" dirty="0">
+                <a:solidFill>
+                  <a:srgbClr val="0000FF"/>
+                </a:solidFill>
+                <a:effectLst/>
+                <a:latin typeface="Consolas" panose="020B0609020204030204" pitchFamily="49" charset="0"/>
+              </a:rPr>
+              <a:t>struct</a:t>
+            </a:r>
+            <a:r>
+              <a:rPr lang="en-US" sz="1400" b="0" dirty="0">
+                <a:solidFill>
+                  <a:srgbClr val="000000"/>
+                </a:solidFill>
+                <a:effectLst/>
+                <a:latin typeface="Consolas" panose="020B0609020204030204" pitchFamily="49" charset="0"/>
+              </a:rPr>
+              <a:t> node </a:t>
+            </a:r>
+            <a:r>
+              <a:rPr lang="en-US" sz="1400" b="0" dirty="0">
+                <a:solidFill>
+                  <a:srgbClr val="0000FF"/>
+                </a:solidFill>
+                <a:effectLst/>
+                <a:latin typeface="Consolas" panose="020B0609020204030204" pitchFamily="49" charset="0"/>
+              </a:rPr>
+              <a:t>*</a:t>
+            </a:r>
+            <a:r>
+              <a:rPr lang="en-US" sz="1400" b="0" dirty="0">
+                <a:solidFill>
+                  <a:srgbClr val="000000"/>
+                </a:solidFill>
+                <a:effectLst/>
+                <a:latin typeface="Consolas" panose="020B0609020204030204" pitchFamily="49" charset="0"/>
+              </a:rPr>
+              <a:t>head = </a:t>
+            </a:r>
+            <a:r>
+              <a:rPr lang="en-US" sz="1400" b="0" dirty="0" err="1">
+                <a:solidFill>
+                  <a:srgbClr val="0000FF"/>
+                </a:solidFill>
+                <a:effectLst/>
+                <a:latin typeface="Consolas" panose="020B0609020204030204" pitchFamily="49" charset="0"/>
+              </a:rPr>
+              <a:t>nullptr</a:t>
+            </a:r>
+            <a:r>
+              <a:rPr lang="en-US" sz="1400" b="0" dirty="0">
+                <a:solidFill>
+                  <a:srgbClr val="000000"/>
+                </a:solidFill>
+                <a:effectLst/>
+                <a:latin typeface="Consolas" panose="020B0609020204030204" pitchFamily="49" charset="0"/>
+              </a:rPr>
+              <a:t>;</a:t>
+            </a:r>
+          </a:p>
+          <a:p>
+            <a:r>
+              <a:rPr lang="en-US" sz="1400" b="0" dirty="0">
+                <a:solidFill>
+                  <a:srgbClr val="000000"/>
+                </a:solidFill>
+                <a:effectLst/>
+                <a:latin typeface="Consolas" panose="020B0609020204030204" pitchFamily="49" charset="0"/>
+              </a:rPr>
+              <a:t>  </a:t>
+            </a:r>
+            <a:r>
+              <a:rPr lang="en-US" sz="1400" b="0" dirty="0" err="1">
+                <a:solidFill>
+                  <a:srgbClr val="000000"/>
+                </a:solidFill>
+                <a:effectLst/>
+                <a:latin typeface="Consolas" panose="020B0609020204030204" pitchFamily="49" charset="0"/>
+              </a:rPr>
+              <a:t>push_front</a:t>
+            </a:r>
+            <a:r>
+              <a:rPr lang="en-US" sz="1400" b="0" dirty="0">
+                <a:solidFill>
+                  <a:srgbClr val="000000"/>
+                </a:solidFill>
+                <a:effectLst/>
+                <a:latin typeface="Consolas" panose="020B0609020204030204" pitchFamily="49" charset="0"/>
+              </a:rPr>
+              <a:t>(head, </a:t>
+            </a:r>
+            <a:r>
+              <a:rPr lang="en-US" sz="1400" b="0" dirty="0">
+                <a:solidFill>
+                  <a:srgbClr val="09885A"/>
+                </a:solidFill>
+                <a:effectLst/>
+                <a:latin typeface="Consolas" panose="020B0609020204030204" pitchFamily="49" charset="0"/>
+              </a:rPr>
+              <a:t>5</a:t>
+            </a:r>
+            <a:r>
+              <a:rPr lang="en-US" sz="1400" b="0" dirty="0">
+                <a:solidFill>
+                  <a:srgbClr val="000000"/>
+                </a:solidFill>
+                <a:effectLst/>
+                <a:latin typeface="Consolas" panose="020B0609020204030204" pitchFamily="49" charset="0"/>
+              </a:rPr>
+              <a:t>); </a:t>
+            </a:r>
+            <a:endParaRPr lang="el-GR" sz="1400" b="0" dirty="0">
+              <a:solidFill>
+                <a:srgbClr val="000000"/>
+              </a:solidFill>
+              <a:effectLst/>
+              <a:latin typeface="Consolas" panose="020B0609020204030204" pitchFamily="49" charset="0"/>
+            </a:endParaRPr>
+          </a:p>
+          <a:p>
+            <a:r>
+              <a:rPr lang="el-GR" sz="1400" dirty="0">
+                <a:solidFill>
+                  <a:srgbClr val="000000"/>
+                </a:solidFill>
+                <a:latin typeface="Consolas" panose="020B0609020204030204" pitchFamily="49" charset="0"/>
+              </a:rPr>
+              <a:t>  </a:t>
+            </a:r>
+            <a:r>
+              <a:rPr lang="en-US" sz="1400" b="0" dirty="0" err="1">
+                <a:solidFill>
+                  <a:srgbClr val="000000"/>
+                </a:solidFill>
+                <a:effectLst/>
+                <a:latin typeface="Consolas" panose="020B0609020204030204" pitchFamily="49" charset="0"/>
+              </a:rPr>
+              <a:t>push_front</a:t>
+            </a:r>
+            <a:r>
+              <a:rPr lang="en-US" sz="1400" b="0" dirty="0">
+                <a:solidFill>
+                  <a:srgbClr val="000000"/>
+                </a:solidFill>
+                <a:effectLst/>
+                <a:latin typeface="Consolas" panose="020B0609020204030204" pitchFamily="49" charset="0"/>
+              </a:rPr>
+              <a:t>(head, </a:t>
+            </a:r>
+            <a:r>
+              <a:rPr lang="en-US" sz="1400" b="0" dirty="0">
+                <a:solidFill>
+                  <a:srgbClr val="09885A"/>
+                </a:solidFill>
+                <a:effectLst/>
+                <a:latin typeface="Consolas" panose="020B0609020204030204" pitchFamily="49" charset="0"/>
+              </a:rPr>
+              <a:t>7</a:t>
+            </a:r>
+            <a:r>
+              <a:rPr lang="en-US" sz="1400" b="0" dirty="0">
+                <a:solidFill>
+                  <a:srgbClr val="000000"/>
+                </a:solidFill>
+                <a:effectLst/>
+                <a:latin typeface="Consolas" panose="020B0609020204030204" pitchFamily="49" charset="0"/>
+              </a:rPr>
+              <a:t>); </a:t>
+            </a:r>
+            <a:endParaRPr lang="el-GR" sz="1400" b="0" dirty="0">
+              <a:solidFill>
+                <a:srgbClr val="000000"/>
+              </a:solidFill>
+              <a:effectLst/>
+              <a:latin typeface="Consolas" panose="020B0609020204030204" pitchFamily="49" charset="0"/>
+            </a:endParaRPr>
+          </a:p>
+          <a:p>
+            <a:r>
+              <a:rPr lang="el-GR" sz="1400" dirty="0">
+                <a:solidFill>
+                  <a:srgbClr val="000000"/>
+                </a:solidFill>
+                <a:latin typeface="Consolas" panose="020B0609020204030204" pitchFamily="49" charset="0"/>
+              </a:rPr>
+              <a:t>  </a:t>
+            </a:r>
+            <a:r>
+              <a:rPr lang="en-US" sz="1400" b="0" dirty="0" err="1">
+                <a:solidFill>
+                  <a:srgbClr val="000000"/>
+                </a:solidFill>
+                <a:effectLst/>
+                <a:latin typeface="Consolas" panose="020B0609020204030204" pitchFamily="49" charset="0"/>
+              </a:rPr>
+              <a:t>push_front</a:t>
+            </a:r>
+            <a:r>
+              <a:rPr lang="en-US" sz="1400" b="0" dirty="0">
+                <a:solidFill>
+                  <a:srgbClr val="000000"/>
+                </a:solidFill>
+                <a:effectLst/>
+                <a:latin typeface="Consolas" panose="020B0609020204030204" pitchFamily="49" charset="0"/>
+              </a:rPr>
+              <a:t>(head, </a:t>
+            </a:r>
+            <a:r>
+              <a:rPr lang="en-US" sz="1400" b="0" dirty="0">
+                <a:solidFill>
+                  <a:srgbClr val="09885A"/>
+                </a:solidFill>
+                <a:effectLst/>
+                <a:latin typeface="Consolas" panose="020B0609020204030204" pitchFamily="49" charset="0"/>
+              </a:rPr>
+              <a:t>2</a:t>
+            </a:r>
+            <a:r>
+              <a:rPr lang="en-US" sz="1400" b="0" dirty="0">
+                <a:solidFill>
+                  <a:srgbClr val="000000"/>
+                </a:solidFill>
+                <a:effectLst/>
+                <a:latin typeface="Consolas" panose="020B0609020204030204" pitchFamily="49" charset="0"/>
+              </a:rPr>
+              <a:t>);</a:t>
+            </a:r>
+            <a:br>
+              <a:rPr lang="en-US" sz="1400" b="0" dirty="0">
+                <a:solidFill>
+                  <a:srgbClr val="000000"/>
+                </a:solidFill>
+                <a:effectLst/>
+                <a:latin typeface="Consolas" panose="020B0609020204030204" pitchFamily="49" charset="0"/>
+              </a:rPr>
+            </a:br>
+            <a:r>
+              <a:rPr lang="en-US" sz="1400" b="0" dirty="0">
+                <a:solidFill>
+                  <a:srgbClr val="000000"/>
+                </a:solidFill>
+                <a:effectLst/>
+                <a:latin typeface="Consolas" panose="020B0609020204030204" pitchFamily="49" charset="0"/>
+              </a:rPr>
+              <a:t>  </a:t>
+            </a:r>
+            <a:r>
+              <a:rPr lang="en-US" sz="1400" b="0" dirty="0">
+                <a:solidFill>
+                  <a:srgbClr val="0000FF"/>
+                </a:solidFill>
+                <a:effectLst/>
+                <a:latin typeface="Consolas" panose="020B0609020204030204" pitchFamily="49" charset="0"/>
+              </a:rPr>
+              <a:t>for</a:t>
+            </a:r>
+            <a:r>
+              <a:rPr lang="en-US" sz="1400" b="0" dirty="0">
+                <a:solidFill>
+                  <a:srgbClr val="000000"/>
+                </a:solidFill>
+                <a:effectLst/>
+                <a:latin typeface="Consolas" panose="020B0609020204030204" pitchFamily="49" charset="0"/>
+              </a:rPr>
+              <a:t> (struct node *</a:t>
+            </a:r>
+            <a:r>
+              <a:rPr lang="en-US" sz="1400" b="0" dirty="0" err="1">
+                <a:solidFill>
+                  <a:srgbClr val="000000"/>
+                </a:solidFill>
+                <a:effectLst/>
+                <a:latin typeface="Consolas" panose="020B0609020204030204" pitchFamily="49" charset="0"/>
+              </a:rPr>
+              <a:t>ptr</a:t>
+            </a:r>
+            <a:r>
+              <a:rPr lang="en-US" sz="1400" b="0" dirty="0">
+                <a:solidFill>
+                  <a:srgbClr val="000000"/>
+                </a:solidFill>
+                <a:effectLst/>
+                <a:latin typeface="Consolas" panose="020B0609020204030204" pitchFamily="49" charset="0"/>
+              </a:rPr>
+              <a:t> = head; </a:t>
+            </a:r>
+            <a:r>
+              <a:rPr lang="en-US" sz="1400" b="0" dirty="0" err="1">
+                <a:solidFill>
+                  <a:srgbClr val="000000"/>
+                </a:solidFill>
+                <a:effectLst/>
+                <a:latin typeface="Consolas" panose="020B0609020204030204" pitchFamily="49" charset="0"/>
+              </a:rPr>
+              <a:t>ptr</a:t>
+            </a:r>
+            <a:r>
+              <a:rPr lang="en-US" sz="1400" b="0" dirty="0">
+                <a:solidFill>
+                  <a:srgbClr val="000000"/>
+                </a:solidFill>
+                <a:effectLst/>
+                <a:latin typeface="Consolas" panose="020B0609020204030204" pitchFamily="49" charset="0"/>
+              </a:rPr>
+              <a:t> != </a:t>
+            </a:r>
+            <a:r>
+              <a:rPr lang="en-US" sz="1400" b="0" dirty="0">
+                <a:solidFill>
+                  <a:srgbClr val="0000FF"/>
+                </a:solidFill>
+                <a:effectLst/>
+                <a:latin typeface="Consolas" panose="020B0609020204030204" pitchFamily="49" charset="0"/>
+              </a:rPr>
+              <a:t>NULL</a:t>
+            </a:r>
+            <a:r>
+              <a:rPr lang="en-US" sz="1400" b="0" dirty="0">
+                <a:solidFill>
+                  <a:srgbClr val="000000"/>
+                </a:solidFill>
+                <a:effectLst/>
+                <a:latin typeface="Consolas" panose="020B0609020204030204" pitchFamily="49" charset="0"/>
+              </a:rPr>
+              <a:t>; </a:t>
+            </a:r>
+            <a:r>
+              <a:rPr lang="en-US" sz="1400" b="0" dirty="0" err="1">
+                <a:solidFill>
+                  <a:srgbClr val="000000"/>
+                </a:solidFill>
+                <a:effectLst/>
+                <a:latin typeface="Consolas" panose="020B0609020204030204" pitchFamily="49" charset="0"/>
+              </a:rPr>
+              <a:t>ptr</a:t>
+            </a:r>
+            <a:r>
+              <a:rPr lang="en-US" sz="1400" b="0" dirty="0">
+                <a:solidFill>
+                  <a:srgbClr val="000000"/>
+                </a:solidFill>
+                <a:effectLst/>
+                <a:latin typeface="Consolas" panose="020B0609020204030204" pitchFamily="49" charset="0"/>
+              </a:rPr>
+              <a:t> = </a:t>
+            </a:r>
+            <a:r>
+              <a:rPr lang="en-US" sz="1400" b="0" dirty="0" err="1">
+                <a:solidFill>
+                  <a:srgbClr val="000000"/>
+                </a:solidFill>
+                <a:effectLst/>
+                <a:latin typeface="Consolas" panose="020B0609020204030204" pitchFamily="49" charset="0"/>
+              </a:rPr>
+              <a:t>ptr</a:t>
+            </a:r>
+            <a:r>
+              <a:rPr lang="en-US" sz="1400" b="0" dirty="0">
+                <a:solidFill>
+                  <a:srgbClr val="000000"/>
+                </a:solidFill>
+                <a:effectLst/>
+                <a:latin typeface="Consolas" panose="020B0609020204030204" pitchFamily="49" charset="0"/>
+              </a:rPr>
+              <a:t>-&gt;next)</a:t>
+            </a:r>
+          </a:p>
+          <a:p>
+            <a:r>
+              <a:rPr lang="en-US" sz="1400" b="0" dirty="0">
+                <a:solidFill>
+                  <a:srgbClr val="000000"/>
+                </a:solidFill>
+                <a:effectLst/>
+                <a:latin typeface="Consolas" panose="020B0609020204030204" pitchFamily="49" charset="0"/>
+              </a:rPr>
+              <a:t>    </a:t>
+            </a:r>
+            <a:r>
+              <a:rPr lang="en-US" sz="1400" b="0" dirty="0" err="1">
+                <a:solidFill>
+                  <a:srgbClr val="000000"/>
+                </a:solidFill>
+                <a:effectLst/>
+                <a:latin typeface="Consolas" panose="020B0609020204030204" pitchFamily="49" charset="0"/>
+              </a:rPr>
+              <a:t>cout</a:t>
+            </a:r>
+            <a:r>
+              <a:rPr lang="en-US" sz="1400" b="0" dirty="0">
+                <a:solidFill>
+                  <a:srgbClr val="000000"/>
+                </a:solidFill>
+                <a:effectLst/>
+                <a:latin typeface="Consolas" panose="020B0609020204030204" pitchFamily="49" charset="0"/>
+              </a:rPr>
+              <a:t> &lt;&lt; </a:t>
+            </a:r>
+            <a:r>
+              <a:rPr lang="en-US" sz="1400" b="0" dirty="0" err="1">
+                <a:solidFill>
+                  <a:srgbClr val="000000"/>
+                </a:solidFill>
+                <a:effectLst/>
+                <a:latin typeface="Consolas" panose="020B0609020204030204" pitchFamily="49" charset="0"/>
+              </a:rPr>
+              <a:t>ptr</a:t>
+            </a:r>
+            <a:r>
+              <a:rPr lang="en-US" sz="1400" b="0" dirty="0">
+                <a:solidFill>
+                  <a:srgbClr val="000000"/>
+                </a:solidFill>
+                <a:effectLst/>
+                <a:latin typeface="Consolas" panose="020B0609020204030204" pitchFamily="49" charset="0"/>
+              </a:rPr>
+              <a:t>-&gt;data &lt;&lt; </a:t>
+            </a:r>
+            <a:r>
+              <a:rPr lang="en-US" sz="1400" b="0" dirty="0">
+                <a:solidFill>
+                  <a:srgbClr val="A31515"/>
+                </a:solidFill>
+                <a:effectLst/>
+                <a:latin typeface="Consolas" panose="020B0609020204030204" pitchFamily="49" charset="0"/>
+              </a:rPr>
+              <a:t>" "</a:t>
+            </a:r>
+            <a:r>
+              <a:rPr lang="en-US" sz="1400" b="0" dirty="0">
+                <a:solidFill>
+                  <a:srgbClr val="000000"/>
+                </a:solidFill>
+                <a:effectLst/>
+                <a:latin typeface="Consolas" panose="020B0609020204030204" pitchFamily="49" charset="0"/>
+              </a:rPr>
+              <a:t>;</a:t>
+            </a:r>
+          </a:p>
+          <a:p>
+            <a:r>
+              <a:rPr lang="en-US" sz="1400" b="0" dirty="0">
+                <a:solidFill>
+                  <a:srgbClr val="000000"/>
+                </a:solidFill>
+                <a:effectLst/>
+                <a:latin typeface="Consolas" panose="020B0609020204030204" pitchFamily="49" charset="0"/>
+              </a:rPr>
+              <a:t>  </a:t>
+            </a:r>
+            <a:r>
+              <a:rPr lang="en-US" sz="1400" b="0" dirty="0" err="1">
+                <a:solidFill>
+                  <a:srgbClr val="000000"/>
+                </a:solidFill>
+                <a:effectLst/>
+                <a:latin typeface="Consolas" panose="020B0609020204030204" pitchFamily="49" charset="0"/>
+              </a:rPr>
+              <a:t>cout</a:t>
+            </a:r>
+            <a:r>
+              <a:rPr lang="en-US" sz="1400" b="0" dirty="0">
+                <a:solidFill>
+                  <a:srgbClr val="000000"/>
+                </a:solidFill>
+                <a:effectLst/>
+                <a:latin typeface="Consolas" panose="020B0609020204030204" pitchFamily="49" charset="0"/>
+              </a:rPr>
+              <a:t> &lt;&lt; </a:t>
+            </a:r>
+            <a:r>
+              <a:rPr lang="en-US" sz="1400" b="0" dirty="0" err="1">
+                <a:solidFill>
+                  <a:srgbClr val="000000"/>
+                </a:solidFill>
+                <a:effectLst/>
+                <a:latin typeface="Consolas" panose="020B0609020204030204" pitchFamily="49" charset="0"/>
+              </a:rPr>
+              <a:t>endl</a:t>
+            </a:r>
+            <a:r>
+              <a:rPr lang="en-US" sz="1400" b="0" dirty="0">
+                <a:solidFill>
+                  <a:srgbClr val="000000"/>
+                </a:solidFill>
+                <a:effectLst/>
+                <a:latin typeface="Consolas" panose="020B0609020204030204" pitchFamily="49" charset="0"/>
+              </a:rPr>
+              <a:t>;</a:t>
+            </a:r>
+          </a:p>
+          <a:p>
+            <a:r>
+              <a:rPr lang="en-US" sz="1400" b="0" dirty="0">
+                <a:solidFill>
+                  <a:srgbClr val="000000"/>
+                </a:solidFill>
+                <a:effectLst/>
+                <a:latin typeface="Consolas" panose="020B0609020204030204" pitchFamily="49" charset="0"/>
+              </a:rPr>
+              <a:t>}</a:t>
+            </a:r>
+          </a:p>
+        </p:txBody>
+      </p:sp>
+      <p:sp>
+        <p:nvSpPr>
+          <p:cNvPr id="4" name="Ορθογώνιο 3">
+            <a:extLst>
+              <a:ext uri="{FF2B5EF4-FFF2-40B4-BE49-F238E27FC236}">
+                <a16:creationId xmlns:a16="http://schemas.microsoft.com/office/drawing/2014/main" id="{617E6896-E059-4D75-B36C-ADF8A252EF88}"/>
+              </a:ext>
+            </a:extLst>
+          </p:cNvPr>
+          <p:cNvSpPr/>
+          <p:nvPr/>
+        </p:nvSpPr>
+        <p:spPr>
+          <a:xfrm>
+            <a:off x="8749258" y="3244334"/>
+            <a:ext cx="641522" cy="369332"/>
+          </a:xfrm>
+          <a:prstGeom prst="rect">
+            <a:avLst/>
+          </a:prstGeom>
+        </p:spPr>
+        <p:style>
+          <a:lnRef idx="2">
+            <a:schemeClr val="dk1">
+              <a:shade val="50000"/>
+            </a:schemeClr>
+          </a:lnRef>
+          <a:fillRef idx="1">
+            <a:schemeClr val="dk1"/>
+          </a:fillRef>
+          <a:effectRef idx="0">
+            <a:schemeClr val="dk1"/>
+          </a:effectRef>
+          <a:fontRef idx="minor">
+            <a:schemeClr val="lt1"/>
+          </a:fontRef>
+        </p:style>
+        <p:txBody>
           <a:bodyPr wrap="none">
             <a:spAutoFit/>
           </a:bodyPr>
           <a:lstStyle/>
           <a:p>
             <a:r>
+              <a:rPr lang="el-GR" dirty="0"/>
+              <a:t>2 7 5</a:t>
+            </a:r>
+          </a:p>
+        </p:txBody>
+      </p:sp>
+      <p:sp>
+        <p:nvSpPr>
+          <p:cNvPr id="5" name="Ορθογώνιο 4">
+            <a:extLst>
+              <a:ext uri="{FF2B5EF4-FFF2-40B4-BE49-F238E27FC236}">
+                <a16:creationId xmlns:a16="http://schemas.microsoft.com/office/drawing/2014/main" id="{709133AF-1B45-4257-8E42-A896BDAC914C}"/>
+              </a:ext>
+            </a:extLst>
+          </p:cNvPr>
+          <p:cNvSpPr/>
+          <p:nvPr/>
+        </p:nvSpPr>
+        <p:spPr>
+          <a:xfrm>
+            <a:off x="0" y="6510408"/>
+            <a:ext cx="2677336" cy="369332"/>
+          </a:xfrm>
+          <a:prstGeom prst="rect">
+            <a:avLst/>
+          </a:prstGeom>
+        </p:spPr>
+        <p:txBody>
+          <a:bodyPr wrap="none">
+            <a:spAutoFit/>
+          </a:bodyPr>
+          <a:lstStyle/>
+          <a:p>
+            <a:r>
               <a:rPr lang="el-GR" dirty="0">
                 <a:solidFill>
                   <a:schemeClr val="bg1">
@@ -6016,15 +7278,44 @@
                   </a:schemeClr>
                 </a:solidFill>
               </a:rPr>
-              <a:t>linked_list_oo.cpp</a:t>
-            </a:r>
+              <a:t>linked_list_example1b.cpp</a:t>
+            </a:r>
+          </a:p>
+        </p:txBody>
+      </p:sp>
+      <p:sp>
+        <p:nvSpPr>
+          <p:cNvPr id="6" name="Θέση αριθμού διαφάνειας 5">
+            <a:extLst>
+              <a:ext uri="{FF2B5EF4-FFF2-40B4-BE49-F238E27FC236}">
+                <a16:creationId xmlns:a16="http://schemas.microsoft.com/office/drawing/2014/main" id="{F4081D65-CF7D-4F4F-AA75-75D1A865F6C6}"/>
+              </a:ext>
+            </a:extLst>
+          </p:cNvPr>
+          <p:cNvSpPr>
+            <a:spLocks noGrp="1"/>
+          </p:cNvSpPr>
+          <p:nvPr>
+            <p:ph type="sldNum" sz="quarter" idx="12"/>
+          </p:nvPr>
+        </p:nvSpPr>
+        <p:spPr/>
+        <p:txBody>
+          <a:bodyPr/>
+          <a:lstStyle/>
+          <a:p>
+            <a:fld id="{18AA1C73-7DCE-4442-906F-AAF3568FCA4F}" type="slidenum">
+              <a:rPr lang="el-GR" smtClean="0"/>
+              <a:t>4</a:t>
+            </a:fld>
+            <a:endParaRPr lang="el-GR"/>
           </a:p>
         </p:txBody>
       </p:sp>
     </p:spTree>
     <p:extLst>
       <p:ext uri="{BB962C8B-B14F-4D97-AF65-F5344CB8AC3E}">
-        <p14:creationId xmlns:p14="http://schemas.microsoft.com/office/powerpoint/2010/main" val="3333734952"/>
+        <p14:creationId xmlns:p14="http://schemas.microsoft.com/office/powerpoint/2010/main" val="2377528623"/>
       </p:ext>
     </p:extLst>
   </p:cSld>
@@ -6056,6 +7347,171 @@
           <p:cNvPr id="2" name="Τίτλος 1">
             <a:extLst>
               <a:ext uri="{FF2B5EF4-FFF2-40B4-BE49-F238E27FC236}">
+                <a16:creationId xmlns:a16="http://schemas.microsoft.com/office/drawing/2014/main" id="{866D1E9F-58BC-44D3-B6CD-1719D36E06B1}"/>
+              </a:ext>
+            </a:extLst>
+          </p:cNvPr>
+          <p:cNvSpPr>
+            <a:spLocks noGrp="1"/>
+          </p:cNvSpPr>
+          <p:nvPr>
+            <p:ph type="title"/>
+          </p:nvPr>
+        </p:nvSpPr>
+        <p:spPr/>
+        <p:txBody>
+          <a:bodyPr/>
+          <a:lstStyle/>
+          <a:p>
+            <a:r>
+              <a:rPr lang="el-GR" dirty="0"/>
+              <a:t>Αντικειμενοστραφής υλοποίηση συνδεδεμένης λίστας</a:t>
+            </a:r>
+          </a:p>
+        </p:txBody>
+      </p:sp>
+      <p:sp>
+        <p:nvSpPr>
+          <p:cNvPr id="3" name="Ορθογώνιο 2">
+            <a:extLst>
+              <a:ext uri="{FF2B5EF4-FFF2-40B4-BE49-F238E27FC236}">
+                <a16:creationId xmlns:a16="http://schemas.microsoft.com/office/drawing/2014/main" id="{F586842E-4CDD-4465-B23F-4E5A0E523550}"/>
+              </a:ext>
+            </a:extLst>
+          </p:cNvPr>
+          <p:cNvSpPr/>
+          <p:nvPr/>
+        </p:nvSpPr>
+        <p:spPr>
+          <a:xfrm>
+            <a:off x="5151062" y="3244334"/>
+            <a:ext cx="1889876" cy="369332"/>
+          </a:xfrm>
+          <a:prstGeom prst="rect">
+            <a:avLst/>
+          </a:prstGeom>
+        </p:spPr>
+        <p:txBody>
+          <a:bodyPr wrap="none">
+            <a:spAutoFit/>
+          </a:bodyPr>
+          <a:lstStyle/>
+          <a:p>
+            <a:r>
+              <a:rPr lang="el-GR" dirty="0">
+                <a:solidFill>
+                  <a:schemeClr val="bg1">
+                    <a:lumMod val="50000"/>
+                  </a:schemeClr>
+                </a:solidFill>
+              </a:rPr>
+              <a:t>linked_list_oo.cpp</a:t>
+            </a:r>
+          </a:p>
+        </p:txBody>
+      </p:sp>
+      <p:sp>
+        <p:nvSpPr>
+          <p:cNvPr id="4" name="Ορθογώνιο 3">
+            <a:extLst>
+              <a:ext uri="{FF2B5EF4-FFF2-40B4-BE49-F238E27FC236}">
+                <a16:creationId xmlns:a16="http://schemas.microsoft.com/office/drawing/2014/main" id="{BA067084-980F-4FDA-B17B-0D4D247788D6}"/>
+              </a:ext>
+            </a:extLst>
+          </p:cNvPr>
+          <p:cNvSpPr/>
+          <p:nvPr/>
+        </p:nvSpPr>
+        <p:spPr>
+          <a:xfrm>
+            <a:off x="1439663" y="3613666"/>
+            <a:ext cx="9312674" cy="338554"/>
+          </a:xfrm>
+          <a:prstGeom prst="rect">
+            <a:avLst/>
+          </a:prstGeom>
+        </p:spPr>
+        <p:txBody>
+          <a:bodyPr wrap="square">
+            <a:spAutoFit/>
+          </a:bodyPr>
+          <a:lstStyle/>
+          <a:p>
+            <a:pPr algn="ctr"/>
+            <a:r>
+              <a:rPr lang="en-US" sz="1600" dirty="0">
+                <a:hlinkClick r:id="rId2"/>
+              </a:rPr>
+              <a:t>https://github.com/chgogos/ceteiep_dsa/blob/master/appendix_linked_lists/linked_list_oo.cpp</a:t>
+            </a:r>
+            <a:endParaRPr lang="el-GR" sz="1600" dirty="0"/>
+          </a:p>
+        </p:txBody>
+      </p:sp>
+      <p:sp>
+        <p:nvSpPr>
+          <p:cNvPr id="5" name="Θέση αριθμού διαφάνειας 4">
+            <a:extLst>
+              <a:ext uri="{FF2B5EF4-FFF2-40B4-BE49-F238E27FC236}">
+                <a16:creationId xmlns:a16="http://schemas.microsoft.com/office/drawing/2014/main" id="{ABF9D9B7-5FB8-4FEB-8810-F81C3093E42E}"/>
+              </a:ext>
+            </a:extLst>
+          </p:cNvPr>
+          <p:cNvSpPr>
+            <a:spLocks noGrp="1"/>
+          </p:cNvSpPr>
+          <p:nvPr>
+            <p:ph type="sldNum" sz="quarter" idx="12"/>
+          </p:nvPr>
+        </p:nvSpPr>
+        <p:spPr/>
+        <p:txBody>
+          <a:bodyPr/>
+          <a:lstStyle/>
+          <a:p>
+            <a:fld id="{18AA1C73-7DCE-4442-906F-AAF3568FCA4F}" type="slidenum">
+              <a:rPr lang="el-GR" smtClean="0"/>
+              <a:t>5</a:t>
+            </a:fld>
+            <a:endParaRPr lang="el-GR"/>
+          </a:p>
+        </p:txBody>
+      </p:sp>
+    </p:spTree>
+    <p:extLst>
+      <p:ext uri="{BB962C8B-B14F-4D97-AF65-F5344CB8AC3E}">
+        <p14:creationId xmlns:p14="http://schemas.microsoft.com/office/powerpoint/2010/main" val="3333734952"/>
+      </p:ext>
+    </p:extLst>
+  </p:cSld>
+  <p:clrMapOvr>
+    <a:masterClrMapping/>
+  </p:clrMapOvr>
+</p:sld>
+</file>
+
+<file path=ppt/slides/slide6.xml><?xml version="1.0" encoding="utf-8"?>
+<p:sld xmlns:a="http://schemas.openxmlformats.org/drawingml/2006/main" xmlns:r="http://schemas.openxmlformats.org/officeDocument/2006/relationships" xmlns:p="http://schemas.openxmlformats.org/presentationml/2006/main">
+  <p:cSld>
+    <p:spTree>
+      <p:nvGrpSpPr>
+        <p:cNvPr id="1" name=""/>
+        <p:cNvGrpSpPr/>
+        <p:nvPr/>
+      </p:nvGrpSpPr>
+      <p:grpSpPr>
+        <a:xfrm>
+          <a:off x="0" y="0"/>
+          <a:ext cx="0" cy="0"/>
+          <a:chOff x="0" y="0"/>
+          <a:chExt cx="0" cy="0"/>
+        </a:xfrm>
+      </p:grpSpPr>
+      <p:sp>
+        <p:nvSpPr>
+          <p:cNvPr id="2" name="Τίτλος 1">
+            <a:extLst>
+              <a:ext uri="{FF2B5EF4-FFF2-40B4-BE49-F238E27FC236}">
                 <a16:creationId xmlns:a16="http://schemas.microsoft.com/office/drawing/2014/main" id="{3535D543-D209-4B83-A619-4F99A7FDE2FD}"/>
               </a:ext>
             </a:extLst>
@@ -6118,6 +7574,73 @@
               </a:rPr>
               <a:t>linked_list_h19b.cpp</a:t>
             </a:r>
+          </a:p>
+        </p:txBody>
+      </p:sp>
+      <p:sp>
+        <p:nvSpPr>
+          <p:cNvPr id="3" name="Ορθογώνιο 2">
+            <a:extLst>
+              <a:ext uri="{FF2B5EF4-FFF2-40B4-BE49-F238E27FC236}">
+                <a16:creationId xmlns:a16="http://schemas.microsoft.com/office/drawing/2014/main" id="{B39AF4F7-6F9E-4BF2-9003-7366B86ACE43}"/>
+              </a:ext>
+            </a:extLst>
+          </p:cNvPr>
+          <p:cNvSpPr/>
+          <p:nvPr/>
+        </p:nvSpPr>
+        <p:spPr>
+          <a:xfrm>
+            <a:off x="1324251" y="3613666"/>
+            <a:ext cx="9543495" cy="338554"/>
+          </a:xfrm>
+          <a:prstGeom prst="rect">
+            <a:avLst/>
+          </a:prstGeom>
+        </p:spPr>
+        <p:txBody>
+          <a:bodyPr wrap="square">
+            <a:spAutoFit/>
+          </a:bodyPr>
+          <a:lstStyle/>
+          <a:p>
+            <a:pPr algn="ctr"/>
+            <a:r>
+              <a:rPr lang="en-US" sz="1600" dirty="0">
+                <a:hlinkClick r:id="rId2"/>
+              </a:rPr>
+              <a:t>https://github.com/chgogos/ceteiep_dsa/blob/master/appendix_linked_lists/linked_list_h19b.cpp</a:t>
+            </a:r>
+            <a:endParaRPr lang="el-GR" sz="1600" dirty="0"/>
+          </a:p>
+        </p:txBody>
+      </p:sp>
+      <p:sp>
+        <p:nvSpPr>
+          <p:cNvPr id="5" name="Θέση αριθμού διαφάνειας 4">
+            <a:extLst>
+              <a:ext uri="{FF2B5EF4-FFF2-40B4-BE49-F238E27FC236}">
+                <a16:creationId xmlns:a16="http://schemas.microsoft.com/office/drawing/2014/main" id="{21149DBE-E9BF-4EBA-A6A0-ACFE0964A3EC}"/>
+              </a:ext>
+            </a:extLst>
+          </p:cNvPr>
+          <p:cNvSpPr>
+            <a:spLocks noGrp="1"/>
+          </p:cNvSpPr>
+          <p:nvPr>
+            <p:ph type="sldNum" sz="quarter" idx="12"/>
+          </p:nvPr>
+        </p:nvSpPr>
+        <p:spPr/>
+        <p:txBody>
+          <a:bodyPr/>
+          <a:lstStyle/>
+          <a:p>
+            <a:fld id="{18AA1C73-7DCE-4442-906F-AAF3568FCA4F}" type="slidenum">
+              <a:rPr lang="el-GR" smtClean="0"/>
+              <a:t>6</a:t>
+            </a:fld>
+            <a:endParaRPr lang="el-GR"/>
           </a:p>
         </p:txBody>
       </p:sp>
@@ -6427,4 +7950,299 @@
     </a:ext>
   </a:extLst>
 </a:theme>
+</file>
+
+<file path=ppt/theme/theme2.xml><?xml version="1.0" encoding="utf-8"?>
+<a:theme xmlns:a="http://schemas.openxmlformats.org/drawingml/2006/main" name="Θέμα του Office">
+  <a:themeElements>
+    <a:clrScheme name="Office">
+      <a:dk1>
+        <a:sysClr val="windowText" lastClr="000000"/>
+      </a:dk1>
+      <a:lt1>
+        <a:sysClr val="window" lastClr="FFFFFF"/>
+      </a:lt1>
+      <a:dk2>
+        <a:srgbClr val="44546A"/>
+      </a:dk2>
+      <a:lt2>
+        <a:srgbClr val="E7E6E6"/>
+      </a:lt2>
+      <a:accent1>
+        <a:srgbClr val="4472C4"/>
+      </a:accent1>
+      <a:accent2>
+        <a:srgbClr val="ED7D31"/>
+      </a:accent2>
+      <a:accent3>
+        <a:srgbClr val="A5A5A5"/>
+      </a:accent3>
+      <a:accent4>
+        <a:srgbClr val="FFC000"/>
+      </a:accent4>
+      <a:accent5>
+        <a:srgbClr val="5B9BD5"/>
+      </a:accent5>
+      <a:accent6>
+        <a:srgbClr val="70AD47"/>
+      </a:accent6>
+      <a:hlink>
+        <a:srgbClr val="0563C1"/>
+      </a:hlink>
+      <a:folHlink>
+        <a:srgbClr val="954F72"/>
+      </a:folHlink>
+    </a:clrScheme>
+    <a:fontScheme name="Office">
+      <a:majorFont>
+        <a:latin typeface="Calibri Light" panose="020F0302020204030204"/>
+        <a:ea typeface=""/>
+        <a:cs typeface=""/>
+        <a:font script="Jpan" typeface="游ゴシック Light"/>
+        <a:font script="Hang" typeface="맑은 고딕"/>
+        <a:font script="Hans" typeface="等线 Light"/>
+        <a:font script="Hant" typeface="新細明體"/>
+        <a:font script="Arab" typeface="Times New Roman"/>
+        <a:font script="Hebr" typeface="Times New Roman"/>
+        <a:font script="Thai" typeface="Angsana New"/>
+        <a:font script="Ethi" typeface="Nyala"/>
+        <a:font script="Beng" typeface="Vrinda"/>
+        <a:font script="Gujr" typeface="Shruti"/>
+        <a:font script="Khmr" typeface="MoolBoran"/>
+        <a:font script="Knda" typeface="Tunga"/>
+        <a:font script="Guru" typeface="Raavi"/>
+        <a:font script="Cans" typeface="Euphemia"/>
+        <a:font script="Cher" typeface="Plantagenet Cherokee"/>
+        <a:font script="Yiii" typeface="Microsoft Yi Baiti"/>
+        <a:font script="Tibt" typeface="Microsoft Himalaya"/>
+        <a:font script="Thaa" typeface="MV Boli"/>
+        <a:font script="Deva" typeface="Mangal"/>
+        <a:font script="Telu" typeface="Gautami"/>
+        <a:font script="Taml" typeface="Latha"/>
+        <a:font script="Syrc" typeface="Estrangelo Edessa"/>
+        <a:font script="Orya" typeface="Kalinga"/>
+        <a:font script="Mlym" typeface="Kartika"/>
+        <a:font script="Laoo" typeface="DokChampa"/>
+        <a:font script="Sinh" typeface="Iskoola Pota"/>
+        <a:font script="Mong" typeface="Mongolian Baiti"/>
+        <a:font script="Viet" typeface="Times New Roman"/>
+        <a:font script="Uigh" typeface="Microsoft Uighur"/>
+        <a:font script="Geor" typeface="Sylfaen"/>
+        <a:font script="Armn" typeface="Arial"/>
+        <a:font script="Bugi" typeface="Leelawadee UI"/>
+        <a:font script="Bopo" typeface="Microsoft JhengHei"/>
+        <a:font script="Java" typeface="Javanese Text"/>
+        <a:font script="Lisu" typeface="Segoe UI"/>
+        <a:font script="Mymr" typeface="Myanmar Text"/>
+        <a:font script="Nkoo" typeface="Ebrima"/>
+        <a:font script="Olck" typeface="Nirmala UI"/>
+        <a:font script="Osma" typeface="Ebrima"/>
+        <a:font script="Phag" typeface="Phagspa"/>
+        <a:font script="Syrn" typeface="Estrangelo Edessa"/>
+        <a:font script="Syrj" typeface="Estrangelo Edessa"/>
+        <a:font script="Syre" typeface="Estrangelo Edessa"/>
+        <a:font script="Sora" typeface="Nirmala UI"/>
+        <a:font script="Tale" typeface="Microsoft Tai Le"/>
+        <a:font script="Talu" typeface="Microsoft New Tai Lue"/>
+        <a:font script="Tfng" typeface="Ebrima"/>
+      </a:majorFont>
+      <a:minorFont>
+        <a:latin typeface="Calibri" panose="020F0502020204030204"/>
+        <a:ea typeface=""/>
+        <a:cs typeface=""/>
+        <a:font script="Jpan" typeface="游ゴシック"/>
+        <a:font script="Hang" typeface="맑은 고딕"/>
+        <a:font script="Hans" typeface="等线"/>
+        <a:font script="Hant" typeface="新細明體"/>
+        <a:font script="Arab" typeface="Arial"/>
+        <a:font script="Hebr" typeface="Arial"/>
+        <a:font script="Thai" typeface="Cordia New"/>
+        <a:font script="Ethi" typeface="Nyala"/>
+        <a:font script="Beng" typeface="Vrinda"/>
+        <a:font script="Gujr" typeface="Shruti"/>
+        <a:font script="Khmr" typeface="DaunPenh"/>
+        <a:font script="Knda" typeface="Tunga"/>
+        <a:font script="Guru" typeface="Raavi"/>
+        <a:font script="Cans" typeface="Euphemia"/>
+        <a:font script="Cher" typeface="Plantagenet Cherokee"/>
+        <a:font script="Yiii" typeface="Microsoft Yi Baiti"/>
+        <a:font script="Tibt" typeface="Microsoft Himalaya"/>
+        <a:font script="Thaa" typeface="MV Boli"/>
+        <a:font script="Deva" typeface="Mangal"/>
+        <a:font script="Telu" typeface="Gautami"/>
+        <a:font script="Taml" typeface="Latha"/>
+        <a:font script="Syrc" typeface="Estrangelo Edessa"/>
+        <a:font script="Orya" typeface="Kalinga"/>
+        <a:font script="Mlym" typeface="Kartika"/>
+        <a:font script="Laoo" typeface="DokChampa"/>
+        <a:font script="Sinh" typeface="Iskoola Pota"/>
+        <a:font script="Mong" typeface="Mongolian Baiti"/>
+        <a:font script="Viet" typeface="Arial"/>
+        <a:font script="Uigh" typeface="Microsoft Uighur"/>
+        <a:font script="Geor" typeface="Sylfaen"/>
+        <a:font script="Armn" typeface="Arial"/>
+        <a:font script="Bugi" typeface="Leelawadee UI"/>
+        <a:font script="Bopo" typeface="Microsoft JhengHei"/>
+        <a:font script="Java" typeface="Javanese Text"/>
+        <a:font script="Lisu" typeface="Segoe UI"/>
+        <a:font script="Mymr" typeface="Myanmar Text"/>
+        <a:font script="Nkoo" typeface="Ebrima"/>
+        <a:font script="Olck" typeface="Nirmala UI"/>
+        <a:font script="Osma" typeface="Ebrima"/>
+        <a:font script="Phag" typeface="Phagspa"/>
+        <a:font script="Syrn" typeface="Estrangelo Edessa"/>
+        <a:font script="Syrj" typeface="Estrangelo Edessa"/>
+        <a:font script="Syre" typeface="Estrangelo Edessa"/>
+        <a:font script="Sora" typeface="Nirmala UI"/>
+        <a:font script="Tale" typeface="Microsoft Tai Le"/>
+        <a:font script="Talu" typeface="Microsoft New Tai Lue"/>
+        <a:font script="Tfng" typeface="Ebrima"/>
+      </a:minorFont>
+    </a:fontScheme>
+    <a:fmtScheme name="Office">
+      <a:fillStyleLst>
+        <a:solidFill>
+          <a:schemeClr val="phClr"/>
+        </a:solidFill>
+        <a:gradFill rotWithShape="1">
+          <a:gsLst>
+            <a:gs pos="0">
+              <a:schemeClr val="phClr">
+                <a:lumMod val="110000"/>
+                <a:satMod val="105000"/>
+                <a:tint val="67000"/>
+              </a:schemeClr>
+            </a:gs>
+            <a:gs pos="50000">
+              <a:schemeClr val="phClr">
+                <a:lumMod val="105000"/>
+                <a:satMod val="103000"/>
+                <a:tint val="73000"/>
+              </a:schemeClr>
+            </a:gs>
+            <a:gs pos="100000">
+              <a:schemeClr val="phClr">
+                <a:lumMod val="105000"/>
+                <a:satMod val="109000"/>
+                <a:tint val="81000"/>
+              </a:schemeClr>
+            </a:gs>
+          </a:gsLst>
+          <a:lin ang="5400000" scaled="0"/>
+        </a:gradFill>
+        <a:gradFill rotWithShape="1">
+          <a:gsLst>
+            <a:gs pos="0">
+              <a:schemeClr val="phClr">
+                <a:satMod val="103000"/>
+                <a:lumMod val="102000"/>
+                <a:tint val="94000"/>
+              </a:schemeClr>
+            </a:gs>
+            <a:gs pos="50000">
+              <a:schemeClr val="phClr">
+                <a:satMod val="110000"/>
+                <a:lumMod val="100000"/>
+                <a:shade val="100000"/>
+              </a:schemeClr>
+            </a:gs>
+            <a:gs pos="100000">
+              <a:schemeClr val="phClr">
+                <a:lumMod val="99000"/>
+                <a:satMod val="120000"/>
+                <a:shade val="78000"/>
+              </a:schemeClr>
+            </a:gs>
+          </a:gsLst>
+          <a:lin ang="5400000" scaled="0"/>
+        </a:gradFill>
+      </a:fillStyleLst>
+      <a:lnStyleLst>
+        <a:ln w="6350" cap="flat" cmpd="sng" algn="ctr">
+          <a:solidFill>
+            <a:schemeClr val="phClr"/>
+          </a:solidFill>
+          <a:prstDash val="solid"/>
+          <a:miter lim="800000"/>
+        </a:ln>
+        <a:ln w="12700" cap="flat" cmpd="sng" algn="ctr">
+          <a:solidFill>
+            <a:schemeClr val="phClr"/>
+          </a:solidFill>
+          <a:prstDash val="solid"/>
+          <a:miter lim="800000"/>
+        </a:ln>
+        <a:ln w="19050" cap="flat" cmpd="sng" algn="ctr">
+          <a:solidFill>
+            <a:schemeClr val="phClr"/>
+          </a:solidFill>
+          <a:prstDash val="solid"/>
+          <a:miter lim="800000"/>
+        </a:ln>
+      </a:lnStyleLst>
+      <a:effectStyleLst>
+        <a:effectStyle>
+          <a:effectLst/>
+        </a:effectStyle>
+        <a:effectStyle>
+          <a:effectLst/>
+        </a:effectStyle>
+        <a:effectStyle>
+          <a:effectLst>
+            <a:outerShdw blurRad="57150" dist="19050" dir="5400000" algn="ctr" rotWithShape="0">
+              <a:srgbClr val="000000">
+                <a:alpha val="63000"/>
+              </a:srgbClr>
+            </a:outerShdw>
+          </a:effectLst>
+        </a:effectStyle>
+      </a:effectStyleLst>
+      <a:bgFillStyleLst>
+        <a:solidFill>
+          <a:schemeClr val="phClr"/>
+        </a:solidFill>
+        <a:solidFill>
+          <a:schemeClr val="phClr">
+            <a:tint val="95000"/>
+            <a:satMod val="170000"/>
+          </a:schemeClr>
+        </a:solidFill>
+        <a:gradFill rotWithShape="1">
+          <a:gsLst>
+            <a:gs pos="0">
+              <a:schemeClr val="phClr">
+                <a:tint val="93000"/>
+                <a:satMod val="150000"/>
+                <a:shade val="98000"/>
+                <a:lumMod val="102000"/>
+              </a:schemeClr>
+            </a:gs>
+            <a:gs pos="50000">
+              <a:schemeClr val="phClr">
+                <a:tint val="98000"/>
+                <a:satMod val="130000"/>
+                <a:shade val="90000"/>
+                <a:lumMod val="103000"/>
+              </a:schemeClr>
+            </a:gs>
+            <a:gs pos="100000">
+              <a:schemeClr val="phClr">
+                <a:shade val="63000"/>
+                <a:satMod val="120000"/>
+              </a:schemeClr>
+            </a:gs>
+          </a:gsLst>
+          <a:lin ang="5400000" scaled="0"/>
+        </a:gradFill>
+      </a:bgFillStyleLst>
+    </a:fmtScheme>
+  </a:themeElements>
+  <a:objectDefaults/>
+  <a:extraClrSchemeLst/>
+  <a:extLst>
+    <a:ext uri="{05A4C25C-085E-4340-85A3-A5531E510DB2}">
+      <thm15:themeFamily xmlns:thm15="http://schemas.microsoft.com/office/thememl/2012/main" name="Office Theme" id="{62F939B6-93AF-4DB8-9C6B-D6C7DFDC589F}" vid="{4A3C46E8-61CC-4603-A589-7422A47A8E4A}"/>
+    </a:ext>
+  </a:extLst>
+</a:theme>
 </file>
--- a/appendix_linked_lists/linked lists.pptx
+++ b/appendix_linked_lists/linked lists.pptx
@@ -3857,18 +3857,23 @@
         </p:nvSpPr>
         <p:spPr/>
         <p:txBody>
-          <a:bodyPr/>
+          <a:bodyPr>
+            <a:normAutofit fontScale="90000"/>
+          </a:bodyPr>
           <a:lstStyle/>
           <a:p>
             <a:r>
               <a:rPr lang="el-GR" dirty="0"/>
-              <a:t>Απευθείας σύνδεση κόμβων συνδεδεμένης λίστας, η συνάρτηση </a:t>
+              <a:t>Απευθείας σύνδεση κόμβων για τη δημιουργία συνδεδεμένης λίστας (η συνάρτηση </a:t>
             </a:r>
             <a:r>
               <a:rPr lang="en-US" dirty="0"/>
               <a:t>length</a:t>
             </a:r>
-            <a:endParaRPr lang="el-GR" dirty="0"/>
+            <a:r>
+              <a:rPr lang="el-GR" dirty="0"/>
+              <a:t>)</a:t>
+            </a:r>
           </a:p>
         </p:txBody>
       </p:sp>
